--- a/Report/Presentation 520.pptx
+++ b/Report/Presentation 520.pptx
@@ -4,15 +4,27 @@
   <p:sldMasterIdLst>
     <p:sldMasterId id="2147483672" r:id="rId1"/>
   </p:sldMasterIdLst>
+  <p:notesMasterIdLst>
+    <p:notesMasterId r:id="rId19"/>
+  </p:notesMasterIdLst>
   <p:sldIdLst>
     <p:sldId id="256" r:id="rId2"/>
     <p:sldId id="261" r:id="rId3"/>
     <p:sldId id="257" r:id="rId4"/>
-    <p:sldId id="263" r:id="rId5"/>
+    <p:sldId id="265" r:id="rId5"/>
     <p:sldId id="262" r:id="rId6"/>
-    <p:sldId id="258" r:id="rId7"/>
-    <p:sldId id="260" r:id="rId8"/>
-    <p:sldId id="259" r:id="rId9"/>
+    <p:sldId id="266" r:id="rId7"/>
+    <p:sldId id="263" r:id="rId8"/>
+    <p:sldId id="264" r:id="rId9"/>
+    <p:sldId id="258" r:id="rId10"/>
+    <p:sldId id="267" r:id="rId11"/>
+    <p:sldId id="260" r:id="rId12"/>
+    <p:sldId id="259" r:id="rId13"/>
+    <p:sldId id="269" r:id="rId14"/>
+    <p:sldId id="268" r:id="rId15"/>
+    <p:sldId id="272" r:id="rId16"/>
+    <p:sldId id="271" r:id="rId17"/>
+    <p:sldId id="270" r:id="rId18"/>
   </p:sldIdLst>
   <p:sldSz cx="9144000" cy="6858000" type="screen4x3"/>
   <p:notesSz cx="6858000" cy="9144000"/>
@@ -114,6 +126,1461 @@
 </p:presentation>
 </file>
 
+<file path=ppt/notesMasters/notesMaster1.xml><?xml version="1.0" encoding="utf-8"?>
+<p:notesMaster xmlns:a="http://schemas.openxmlformats.org/drawingml/2006/main" xmlns:r="http://schemas.openxmlformats.org/officeDocument/2006/relationships" xmlns:p="http://schemas.openxmlformats.org/presentationml/2006/main">
+  <p:cSld>
+    <p:bg>
+      <p:bgRef idx="1001">
+        <a:schemeClr val="bg1"/>
+      </p:bgRef>
+    </p:bg>
+    <p:spTree>
+      <p:nvGrpSpPr>
+        <p:cNvPr id="1" name=""/>
+        <p:cNvGrpSpPr/>
+        <p:nvPr/>
+      </p:nvGrpSpPr>
+      <p:grpSpPr>
+        <a:xfrm>
+          <a:off x="0" y="0"/>
+          <a:ext cx="0" cy="0"/>
+          <a:chOff x="0" y="0"/>
+          <a:chExt cx="0" cy="0"/>
+        </a:xfrm>
+      </p:grpSpPr>
+      <p:sp>
+        <p:nvSpPr>
+          <p:cNvPr id="2" name="Header Placeholder 1"/>
+          <p:cNvSpPr>
+            <a:spLocks noGrp="1"/>
+          </p:cNvSpPr>
+          <p:nvPr>
+            <p:ph type="hdr" sz="quarter"/>
+          </p:nvPr>
+        </p:nvSpPr>
+        <p:spPr>
+          <a:xfrm>
+            <a:off x="0" y="0"/>
+            <a:ext cx="2971800" cy="457200"/>
+          </a:xfrm>
+          <a:prstGeom prst="rect">
+            <a:avLst/>
+          </a:prstGeom>
+        </p:spPr>
+        <p:txBody>
+          <a:bodyPr vert="horz" lIns="91440" tIns="45720" rIns="91440" bIns="45720" rtlCol="0"/>
+          <a:lstStyle>
+            <a:lvl1pPr algn="l">
+              <a:defRPr sz="1200"/>
+            </a:lvl1pPr>
+          </a:lstStyle>
+          <a:p>
+            <a:endParaRPr lang="en-NZ"/>
+          </a:p>
+        </p:txBody>
+      </p:sp>
+      <p:sp>
+        <p:nvSpPr>
+          <p:cNvPr id="3" name="Date Placeholder 2"/>
+          <p:cNvSpPr>
+            <a:spLocks noGrp="1"/>
+          </p:cNvSpPr>
+          <p:nvPr>
+            <p:ph type="dt" idx="1"/>
+          </p:nvPr>
+        </p:nvSpPr>
+        <p:spPr>
+          <a:xfrm>
+            <a:off x="3884613" y="0"/>
+            <a:ext cx="2971800" cy="457200"/>
+          </a:xfrm>
+          <a:prstGeom prst="rect">
+            <a:avLst/>
+          </a:prstGeom>
+        </p:spPr>
+        <p:txBody>
+          <a:bodyPr vert="horz" lIns="91440" tIns="45720" rIns="91440" bIns="45720" rtlCol="0"/>
+          <a:lstStyle>
+            <a:lvl1pPr algn="r">
+              <a:defRPr sz="1200"/>
+            </a:lvl1pPr>
+          </a:lstStyle>
+          <a:p>
+            <a:fld id="{4D32A3D4-7EBD-47E2-89D8-1DBD7AF5CC98}" type="datetimeFigureOut">
+              <a:rPr lang="en-NZ" smtClean="0"/>
+              <a:t>19/07/2012</a:t>
+            </a:fld>
+            <a:endParaRPr lang="en-NZ"/>
+          </a:p>
+        </p:txBody>
+      </p:sp>
+      <p:sp>
+        <p:nvSpPr>
+          <p:cNvPr id="4" name="Slide Image Placeholder 3"/>
+          <p:cNvSpPr>
+            <a:spLocks noGrp="1" noRot="1" noChangeAspect="1"/>
+          </p:cNvSpPr>
+          <p:nvPr>
+            <p:ph type="sldImg" idx="2"/>
+          </p:nvPr>
+        </p:nvSpPr>
+        <p:spPr>
+          <a:xfrm>
+            <a:off x="1143000" y="685800"/>
+            <a:ext cx="4572000" cy="3429000"/>
+          </a:xfrm>
+          <a:prstGeom prst="rect">
+            <a:avLst/>
+          </a:prstGeom>
+          <a:noFill/>
+          <a:ln w="12700">
+            <a:solidFill>
+              <a:prstClr val="black"/>
+            </a:solidFill>
+          </a:ln>
+        </p:spPr>
+        <p:txBody>
+          <a:bodyPr vert="horz" lIns="91440" tIns="45720" rIns="91440" bIns="45720" rtlCol="0" anchor="ctr"/>
+          <a:lstStyle/>
+          <a:p>
+            <a:endParaRPr lang="en-NZ"/>
+          </a:p>
+        </p:txBody>
+      </p:sp>
+      <p:sp>
+        <p:nvSpPr>
+          <p:cNvPr id="5" name="Notes Placeholder 4"/>
+          <p:cNvSpPr>
+            <a:spLocks noGrp="1"/>
+          </p:cNvSpPr>
+          <p:nvPr>
+            <p:ph type="body" sz="quarter" idx="3"/>
+          </p:nvPr>
+        </p:nvSpPr>
+        <p:spPr>
+          <a:xfrm>
+            <a:off x="685800" y="4343400"/>
+            <a:ext cx="5486400" cy="4114800"/>
+          </a:xfrm>
+          <a:prstGeom prst="rect">
+            <a:avLst/>
+          </a:prstGeom>
+        </p:spPr>
+        <p:txBody>
+          <a:bodyPr vert="horz" lIns="91440" tIns="45720" rIns="91440" bIns="45720" rtlCol="0">
+            <a:normAutofit/>
+          </a:bodyPr>
+          <a:lstStyle/>
+          <a:p>
+            <a:pPr lvl="0"/>
+            <a:r>
+              <a:rPr lang="en-US" smtClean="0"/>
+              <a:t>Click to edit Master text styles</a:t>
+            </a:r>
+          </a:p>
+          <a:p>
+            <a:pPr lvl="1"/>
+            <a:r>
+              <a:rPr lang="en-US" smtClean="0"/>
+              <a:t>Second level</a:t>
+            </a:r>
+          </a:p>
+          <a:p>
+            <a:pPr lvl="2"/>
+            <a:r>
+              <a:rPr lang="en-US" smtClean="0"/>
+              <a:t>Third level</a:t>
+            </a:r>
+          </a:p>
+          <a:p>
+            <a:pPr lvl="3"/>
+            <a:r>
+              <a:rPr lang="en-US" smtClean="0"/>
+              <a:t>Fourth level</a:t>
+            </a:r>
+          </a:p>
+          <a:p>
+            <a:pPr lvl="4"/>
+            <a:r>
+              <a:rPr lang="en-US" smtClean="0"/>
+              <a:t>Fifth level</a:t>
+            </a:r>
+            <a:endParaRPr lang="en-NZ"/>
+          </a:p>
+        </p:txBody>
+      </p:sp>
+      <p:sp>
+        <p:nvSpPr>
+          <p:cNvPr id="6" name="Footer Placeholder 5"/>
+          <p:cNvSpPr>
+            <a:spLocks noGrp="1"/>
+          </p:cNvSpPr>
+          <p:nvPr>
+            <p:ph type="ftr" sz="quarter" idx="4"/>
+          </p:nvPr>
+        </p:nvSpPr>
+        <p:spPr>
+          <a:xfrm>
+            <a:off x="0" y="8685213"/>
+            <a:ext cx="2971800" cy="457200"/>
+          </a:xfrm>
+          <a:prstGeom prst="rect">
+            <a:avLst/>
+          </a:prstGeom>
+        </p:spPr>
+        <p:txBody>
+          <a:bodyPr vert="horz" lIns="91440" tIns="45720" rIns="91440" bIns="45720" rtlCol="0" anchor="b"/>
+          <a:lstStyle>
+            <a:lvl1pPr algn="l">
+              <a:defRPr sz="1200"/>
+            </a:lvl1pPr>
+          </a:lstStyle>
+          <a:p>
+            <a:endParaRPr lang="en-NZ"/>
+          </a:p>
+        </p:txBody>
+      </p:sp>
+      <p:sp>
+        <p:nvSpPr>
+          <p:cNvPr id="7" name="Slide Number Placeholder 6"/>
+          <p:cNvSpPr>
+            <a:spLocks noGrp="1"/>
+          </p:cNvSpPr>
+          <p:nvPr>
+            <p:ph type="sldNum" sz="quarter" idx="5"/>
+          </p:nvPr>
+        </p:nvSpPr>
+        <p:spPr>
+          <a:xfrm>
+            <a:off x="3884613" y="8685213"/>
+            <a:ext cx="2971800" cy="457200"/>
+          </a:xfrm>
+          <a:prstGeom prst="rect">
+            <a:avLst/>
+          </a:prstGeom>
+        </p:spPr>
+        <p:txBody>
+          <a:bodyPr vert="horz" lIns="91440" tIns="45720" rIns="91440" bIns="45720" rtlCol="0" anchor="b"/>
+          <a:lstStyle>
+            <a:lvl1pPr algn="r">
+              <a:defRPr sz="1200"/>
+            </a:lvl1pPr>
+          </a:lstStyle>
+          <a:p>
+            <a:fld id="{F41CCAC9-CD85-441F-9563-CD1515EBB636}" type="slidenum">
+              <a:rPr lang="en-NZ" smtClean="0"/>
+              <a:t>‹#›</a:t>
+            </a:fld>
+            <a:endParaRPr lang="en-NZ"/>
+          </a:p>
+        </p:txBody>
+      </p:sp>
+    </p:spTree>
+  </p:cSld>
+  <p:clrMap bg1="lt1" tx1="dk1" bg2="lt2" tx2="dk2" accent1="accent1" accent2="accent2" accent3="accent3" accent4="accent4" accent5="accent5" accent6="accent6" hlink="hlink" folHlink="folHlink"/>
+  <p:notesStyle>
+    <a:lvl1pPr marL="0" algn="l" defTabSz="914400" rtl="0" eaLnBrk="1" latinLnBrk="0" hangingPunct="1">
+      <a:defRPr sz="1200" kern="1200">
+        <a:solidFill>
+          <a:schemeClr val="tx1"/>
+        </a:solidFill>
+        <a:latin typeface="+mn-lt"/>
+        <a:ea typeface="+mn-ea"/>
+        <a:cs typeface="+mn-cs"/>
+      </a:defRPr>
+    </a:lvl1pPr>
+    <a:lvl2pPr marL="457200" algn="l" defTabSz="914400" rtl="0" eaLnBrk="1" latinLnBrk="0" hangingPunct="1">
+      <a:defRPr sz="1200" kern="1200">
+        <a:solidFill>
+          <a:schemeClr val="tx1"/>
+        </a:solidFill>
+        <a:latin typeface="+mn-lt"/>
+        <a:ea typeface="+mn-ea"/>
+        <a:cs typeface="+mn-cs"/>
+      </a:defRPr>
+    </a:lvl2pPr>
+    <a:lvl3pPr marL="914400" algn="l" defTabSz="914400" rtl="0" eaLnBrk="1" latinLnBrk="0" hangingPunct="1">
+      <a:defRPr sz="1200" kern="1200">
+        <a:solidFill>
+          <a:schemeClr val="tx1"/>
+        </a:solidFill>
+        <a:latin typeface="+mn-lt"/>
+        <a:ea typeface="+mn-ea"/>
+        <a:cs typeface="+mn-cs"/>
+      </a:defRPr>
+    </a:lvl3pPr>
+    <a:lvl4pPr marL="1371600" algn="l" defTabSz="914400" rtl="0" eaLnBrk="1" latinLnBrk="0" hangingPunct="1">
+      <a:defRPr sz="1200" kern="1200">
+        <a:solidFill>
+          <a:schemeClr val="tx1"/>
+        </a:solidFill>
+        <a:latin typeface="+mn-lt"/>
+        <a:ea typeface="+mn-ea"/>
+        <a:cs typeface="+mn-cs"/>
+      </a:defRPr>
+    </a:lvl4pPr>
+    <a:lvl5pPr marL="1828800" algn="l" defTabSz="914400" rtl="0" eaLnBrk="1" latinLnBrk="0" hangingPunct="1">
+      <a:defRPr sz="1200" kern="1200">
+        <a:solidFill>
+          <a:schemeClr val="tx1"/>
+        </a:solidFill>
+        <a:latin typeface="+mn-lt"/>
+        <a:ea typeface="+mn-ea"/>
+        <a:cs typeface="+mn-cs"/>
+      </a:defRPr>
+    </a:lvl5pPr>
+    <a:lvl6pPr marL="2286000" algn="l" defTabSz="914400" rtl="0" eaLnBrk="1" latinLnBrk="0" hangingPunct="1">
+      <a:defRPr sz="1200" kern="1200">
+        <a:solidFill>
+          <a:schemeClr val="tx1"/>
+        </a:solidFill>
+        <a:latin typeface="+mn-lt"/>
+        <a:ea typeface="+mn-ea"/>
+        <a:cs typeface="+mn-cs"/>
+      </a:defRPr>
+    </a:lvl6pPr>
+    <a:lvl7pPr marL="2743200" algn="l" defTabSz="914400" rtl="0" eaLnBrk="1" latinLnBrk="0" hangingPunct="1">
+      <a:defRPr sz="1200" kern="1200">
+        <a:solidFill>
+          <a:schemeClr val="tx1"/>
+        </a:solidFill>
+        <a:latin typeface="+mn-lt"/>
+        <a:ea typeface="+mn-ea"/>
+        <a:cs typeface="+mn-cs"/>
+      </a:defRPr>
+    </a:lvl7pPr>
+    <a:lvl8pPr marL="3200400" algn="l" defTabSz="914400" rtl="0" eaLnBrk="1" latinLnBrk="0" hangingPunct="1">
+      <a:defRPr sz="1200" kern="1200">
+        <a:solidFill>
+          <a:schemeClr val="tx1"/>
+        </a:solidFill>
+        <a:latin typeface="+mn-lt"/>
+        <a:ea typeface="+mn-ea"/>
+        <a:cs typeface="+mn-cs"/>
+      </a:defRPr>
+    </a:lvl8pPr>
+    <a:lvl9pPr marL="3657600" algn="l" defTabSz="914400" rtl="0" eaLnBrk="1" latinLnBrk="0" hangingPunct="1">
+      <a:defRPr sz="1200" kern="1200">
+        <a:solidFill>
+          <a:schemeClr val="tx1"/>
+        </a:solidFill>
+        <a:latin typeface="+mn-lt"/>
+        <a:ea typeface="+mn-ea"/>
+        <a:cs typeface="+mn-cs"/>
+      </a:defRPr>
+    </a:lvl9pPr>
+  </p:notesStyle>
+</p:notesMaster>
+</file>
+
+<file path=ppt/notesSlides/notesSlide1.xml><?xml version="1.0" encoding="utf-8"?>
+<p:notes xmlns:a="http://schemas.openxmlformats.org/drawingml/2006/main" xmlns:r="http://schemas.openxmlformats.org/officeDocument/2006/relationships" xmlns:p="http://schemas.openxmlformats.org/presentationml/2006/main">
+  <p:cSld>
+    <p:spTree>
+      <p:nvGrpSpPr>
+        <p:cNvPr id="1" name=""/>
+        <p:cNvGrpSpPr/>
+        <p:nvPr/>
+      </p:nvGrpSpPr>
+      <p:grpSpPr>
+        <a:xfrm>
+          <a:off x="0" y="0"/>
+          <a:ext cx="0" cy="0"/>
+          <a:chOff x="0" y="0"/>
+          <a:chExt cx="0" cy="0"/>
+        </a:xfrm>
+      </p:grpSpPr>
+      <p:sp>
+        <p:nvSpPr>
+          <p:cNvPr id="2" name="Slide Image Placeholder 1"/>
+          <p:cNvSpPr>
+            <a:spLocks noGrp="1" noRot="1" noChangeAspect="1"/>
+          </p:cNvSpPr>
+          <p:nvPr>
+            <p:ph type="sldImg"/>
+          </p:nvPr>
+        </p:nvSpPr>
+        <p:spPr/>
+      </p:sp>
+      <p:sp>
+        <p:nvSpPr>
+          <p:cNvPr id="3" name="Notes Placeholder 2"/>
+          <p:cNvSpPr>
+            <a:spLocks noGrp="1"/>
+          </p:cNvSpPr>
+          <p:nvPr>
+            <p:ph type="body" idx="1"/>
+          </p:nvPr>
+        </p:nvSpPr>
+        <p:spPr/>
+        <p:txBody>
+          <a:bodyPr>
+            <a:normAutofit/>
+          </a:bodyPr>
+          <a:lstStyle/>
+          <a:p>
+            <a:r>
+              <a:rPr lang="en-NZ" dirty="0" smtClean="0"/>
+              <a:t>Needs to be tidied</a:t>
+            </a:r>
+            <a:r>
+              <a:rPr lang="en-NZ" baseline="0" dirty="0" smtClean="0"/>
+              <a:t> up. May need deleting.</a:t>
+            </a:r>
+            <a:endParaRPr lang="en-NZ" dirty="0"/>
+          </a:p>
+        </p:txBody>
+      </p:sp>
+      <p:sp>
+        <p:nvSpPr>
+          <p:cNvPr id="4" name="Slide Number Placeholder 3"/>
+          <p:cNvSpPr>
+            <a:spLocks noGrp="1"/>
+          </p:cNvSpPr>
+          <p:nvPr>
+            <p:ph type="sldNum" sz="quarter" idx="10"/>
+          </p:nvPr>
+        </p:nvSpPr>
+        <p:spPr/>
+        <p:txBody>
+          <a:bodyPr/>
+          <a:lstStyle/>
+          <a:p>
+            <a:fld id="{F41CCAC9-CD85-441F-9563-CD1515EBB636}" type="slidenum">
+              <a:rPr lang="en-NZ" smtClean="0"/>
+              <a:t>2</a:t>
+            </a:fld>
+            <a:endParaRPr lang="en-NZ"/>
+          </a:p>
+        </p:txBody>
+      </p:sp>
+    </p:spTree>
+  </p:cSld>
+  <p:clrMapOvr>
+    <a:masterClrMapping/>
+  </p:clrMapOvr>
+</p:notes>
+</file>
+
+<file path=ppt/notesSlides/notesSlide10.xml><?xml version="1.0" encoding="utf-8"?>
+<p:notes xmlns:a="http://schemas.openxmlformats.org/drawingml/2006/main" xmlns:r="http://schemas.openxmlformats.org/officeDocument/2006/relationships" xmlns:p="http://schemas.openxmlformats.org/presentationml/2006/main">
+  <p:cSld>
+    <p:spTree>
+      <p:nvGrpSpPr>
+        <p:cNvPr id="1" name=""/>
+        <p:cNvGrpSpPr/>
+        <p:nvPr/>
+      </p:nvGrpSpPr>
+      <p:grpSpPr>
+        <a:xfrm>
+          <a:off x="0" y="0"/>
+          <a:ext cx="0" cy="0"/>
+          <a:chOff x="0" y="0"/>
+          <a:chExt cx="0" cy="0"/>
+        </a:xfrm>
+      </p:grpSpPr>
+      <p:sp>
+        <p:nvSpPr>
+          <p:cNvPr id="2" name="Slide Image Placeholder 1"/>
+          <p:cNvSpPr>
+            <a:spLocks noGrp="1" noRot="1" noChangeAspect="1"/>
+          </p:cNvSpPr>
+          <p:nvPr>
+            <p:ph type="sldImg"/>
+          </p:nvPr>
+        </p:nvSpPr>
+        <p:spPr/>
+      </p:sp>
+      <p:sp>
+        <p:nvSpPr>
+          <p:cNvPr id="3" name="Notes Placeholder 2"/>
+          <p:cNvSpPr>
+            <a:spLocks noGrp="1"/>
+          </p:cNvSpPr>
+          <p:nvPr>
+            <p:ph type="body" idx="1"/>
+          </p:nvPr>
+        </p:nvSpPr>
+        <p:spPr/>
+        <p:txBody>
+          <a:bodyPr>
+            <a:normAutofit/>
+          </a:bodyPr>
+          <a:lstStyle/>
+          <a:p>
+            <a:endParaRPr lang="en-NZ" dirty="0"/>
+          </a:p>
+        </p:txBody>
+      </p:sp>
+      <p:sp>
+        <p:nvSpPr>
+          <p:cNvPr id="4" name="Slide Number Placeholder 3"/>
+          <p:cNvSpPr>
+            <a:spLocks noGrp="1"/>
+          </p:cNvSpPr>
+          <p:nvPr>
+            <p:ph type="sldNum" sz="quarter" idx="10"/>
+          </p:nvPr>
+        </p:nvSpPr>
+        <p:spPr/>
+        <p:txBody>
+          <a:bodyPr/>
+          <a:lstStyle/>
+          <a:p>
+            <a:fld id="{F41CCAC9-CD85-441F-9563-CD1515EBB636}" type="slidenum">
+              <a:rPr lang="en-NZ" smtClean="0"/>
+              <a:t>11</a:t>
+            </a:fld>
+            <a:endParaRPr lang="en-NZ"/>
+          </a:p>
+        </p:txBody>
+      </p:sp>
+    </p:spTree>
+  </p:cSld>
+  <p:clrMapOvr>
+    <a:masterClrMapping/>
+  </p:clrMapOvr>
+</p:notes>
+</file>
+
+<file path=ppt/notesSlides/notesSlide11.xml><?xml version="1.0" encoding="utf-8"?>
+<p:notes xmlns:a="http://schemas.openxmlformats.org/drawingml/2006/main" xmlns:r="http://schemas.openxmlformats.org/officeDocument/2006/relationships" xmlns:p="http://schemas.openxmlformats.org/presentationml/2006/main">
+  <p:cSld>
+    <p:spTree>
+      <p:nvGrpSpPr>
+        <p:cNvPr id="1" name=""/>
+        <p:cNvGrpSpPr/>
+        <p:nvPr/>
+      </p:nvGrpSpPr>
+      <p:grpSpPr>
+        <a:xfrm>
+          <a:off x="0" y="0"/>
+          <a:ext cx="0" cy="0"/>
+          <a:chOff x="0" y="0"/>
+          <a:chExt cx="0" cy="0"/>
+        </a:xfrm>
+      </p:grpSpPr>
+      <p:sp>
+        <p:nvSpPr>
+          <p:cNvPr id="2" name="Slide Image Placeholder 1"/>
+          <p:cNvSpPr>
+            <a:spLocks noGrp="1" noRot="1" noChangeAspect="1"/>
+          </p:cNvSpPr>
+          <p:nvPr>
+            <p:ph type="sldImg"/>
+          </p:nvPr>
+        </p:nvSpPr>
+        <p:spPr/>
+      </p:sp>
+      <p:sp>
+        <p:nvSpPr>
+          <p:cNvPr id="3" name="Notes Placeholder 2"/>
+          <p:cNvSpPr>
+            <a:spLocks noGrp="1"/>
+          </p:cNvSpPr>
+          <p:nvPr>
+            <p:ph type="body" idx="1"/>
+          </p:nvPr>
+        </p:nvSpPr>
+        <p:spPr/>
+        <p:txBody>
+          <a:bodyPr>
+            <a:normAutofit/>
+          </a:bodyPr>
+          <a:lstStyle/>
+          <a:p>
+            <a:endParaRPr lang="en-NZ" dirty="0"/>
+          </a:p>
+        </p:txBody>
+      </p:sp>
+      <p:sp>
+        <p:nvSpPr>
+          <p:cNvPr id="4" name="Slide Number Placeholder 3"/>
+          <p:cNvSpPr>
+            <a:spLocks noGrp="1"/>
+          </p:cNvSpPr>
+          <p:nvPr>
+            <p:ph type="sldNum" sz="quarter" idx="10"/>
+          </p:nvPr>
+        </p:nvSpPr>
+        <p:spPr/>
+        <p:txBody>
+          <a:bodyPr/>
+          <a:lstStyle/>
+          <a:p>
+            <a:fld id="{F41CCAC9-CD85-441F-9563-CD1515EBB636}" type="slidenum">
+              <a:rPr lang="en-NZ" smtClean="0"/>
+              <a:t>12</a:t>
+            </a:fld>
+            <a:endParaRPr lang="en-NZ"/>
+          </a:p>
+        </p:txBody>
+      </p:sp>
+    </p:spTree>
+  </p:cSld>
+  <p:clrMapOvr>
+    <a:masterClrMapping/>
+  </p:clrMapOvr>
+</p:notes>
+</file>
+
+<file path=ppt/notesSlides/notesSlide2.xml><?xml version="1.0" encoding="utf-8"?>
+<p:notes xmlns:a="http://schemas.openxmlformats.org/drawingml/2006/main" xmlns:r="http://schemas.openxmlformats.org/officeDocument/2006/relationships" xmlns:p="http://schemas.openxmlformats.org/presentationml/2006/main">
+  <p:cSld>
+    <p:spTree>
+      <p:nvGrpSpPr>
+        <p:cNvPr id="1" name=""/>
+        <p:cNvGrpSpPr/>
+        <p:nvPr/>
+      </p:nvGrpSpPr>
+      <p:grpSpPr>
+        <a:xfrm>
+          <a:off x="0" y="0"/>
+          <a:ext cx="0" cy="0"/>
+          <a:chOff x="0" y="0"/>
+          <a:chExt cx="0" cy="0"/>
+        </a:xfrm>
+      </p:grpSpPr>
+      <p:sp>
+        <p:nvSpPr>
+          <p:cNvPr id="2" name="Slide Image Placeholder 1"/>
+          <p:cNvSpPr>
+            <a:spLocks noGrp="1" noRot="1" noChangeAspect="1"/>
+          </p:cNvSpPr>
+          <p:nvPr>
+            <p:ph type="sldImg"/>
+          </p:nvPr>
+        </p:nvSpPr>
+        <p:spPr/>
+      </p:sp>
+      <p:sp>
+        <p:nvSpPr>
+          <p:cNvPr id="3" name="Notes Placeholder 2"/>
+          <p:cNvSpPr>
+            <a:spLocks noGrp="1"/>
+          </p:cNvSpPr>
+          <p:nvPr>
+            <p:ph type="body" idx="1"/>
+          </p:nvPr>
+        </p:nvSpPr>
+        <p:spPr/>
+        <p:txBody>
+          <a:bodyPr>
+            <a:normAutofit/>
+          </a:bodyPr>
+          <a:lstStyle/>
+          <a:p>
+            <a:r>
+              <a:rPr lang="en-NZ" dirty="0" smtClean="0"/>
+              <a:t>Less text</a:t>
+            </a:r>
+            <a:r>
+              <a:rPr lang="en-NZ" baseline="0" dirty="0" smtClean="0"/>
+              <a:t> on this page. May need deleting also.</a:t>
+            </a:r>
+            <a:endParaRPr lang="en-NZ" dirty="0"/>
+          </a:p>
+        </p:txBody>
+      </p:sp>
+      <p:sp>
+        <p:nvSpPr>
+          <p:cNvPr id="4" name="Slide Number Placeholder 3"/>
+          <p:cNvSpPr>
+            <a:spLocks noGrp="1"/>
+          </p:cNvSpPr>
+          <p:nvPr>
+            <p:ph type="sldNum" sz="quarter" idx="10"/>
+          </p:nvPr>
+        </p:nvSpPr>
+        <p:spPr/>
+        <p:txBody>
+          <a:bodyPr/>
+          <a:lstStyle/>
+          <a:p>
+            <a:fld id="{F41CCAC9-CD85-441F-9563-CD1515EBB636}" type="slidenum">
+              <a:rPr lang="en-NZ" smtClean="0"/>
+              <a:t>3</a:t>
+            </a:fld>
+            <a:endParaRPr lang="en-NZ"/>
+          </a:p>
+        </p:txBody>
+      </p:sp>
+    </p:spTree>
+  </p:cSld>
+  <p:clrMapOvr>
+    <a:masterClrMapping/>
+  </p:clrMapOvr>
+</p:notes>
+</file>
+
+<file path=ppt/notesSlides/notesSlide3.xml><?xml version="1.0" encoding="utf-8"?>
+<p:notes xmlns:a="http://schemas.openxmlformats.org/drawingml/2006/main" xmlns:r="http://schemas.openxmlformats.org/officeDocument/2006/relationships" xmlns:p="http://schemas.openxmlformats.org/presentationml/2006/main">
+  <p:cSld>
+    <p:spTree>
+      <p:nvGrpSpPr>
+        <p:cNvPr id="1" name=""/>
+        <p:cNvGrpSpPr/>
+        <p:nvPr/>
+      </p:nvGrpSpPr>
+      <p:grpSpPr>
+        <a:xfrm>
+          <a:off x="0" y="0"/>
+          <a:ext cx="0" cy="0"/>
+          <a:chOff x="0" y="0"/>
+          <a:chExt cx="0" cy="0"/>
+        </a:xfrm>
+      </p:grpSpPr>
+      <p:sp>
+        <p:nvSpPr>
+          <p:cNvPr id="2" name="Slide Image Placeholder 1"/>
+          <p:cNvSpPr>
+            <a:spLocks noGrp="1" noRot="1" noChangeAspect="1"/>
+          </p:cNvSpPr>
+          <p:nvPr>
+            <p:ph type="sldImg"/>
+          </p:nvPr>
+        </p:nvSpPr>
+        <p:spPr/>
+      </p:sp>
+      <p:sp>
+        <p:nvSpPr>
+          <p:cNvPr id="3" name="Notes Placeholder 2"/>
+          <p:cNvSpPr>
+            <a:spLocks noGrp="1"/>
+          </p:cNvSpPr>
+          <p:nvPr>
+            <p:ph type="body" idx="1"/>
+          </p:nvPr>
+        </p:nvSpPr>
+        <p:spPr/>
+        <p:txBody>
+          <a:bodyPr>
+            <a:normAutofit/>
+          </a:bodyPr>
+          <a:lstStyle/>
+          <a:p>
+            <a:r>
+              <a:rPr lang="en-NZ" dirty="0" smtClean="0"/>
+              <a:t>Talk about each?</a:t>
+            </a:r>
+          </a:p>
+          <a:p>
+            <a:endParaRPr lang="en-NZ" dirty="0"/>
+          </a:p>
+        </p:txBody>
+      </p:sp>
+      <p:sp>
+        <p:nvSpPr>
+          <p:cNvPr id="4" name="Slide Number Placeholder 3"/>
+          <p:cNvSpPr>
+            <a:spLocks noGrp="1"/>
+          </p:cNvSpPr>
+          <p:nvPr>
+            <p:ph type="sldNum" sz="quarter" idx="10"/>
+          </p:nvPr>
+        </p:nvSpPr>
+        <p:spPr/>
+        <p:txBody>
+          <a:bodyPr/>
+          <a:lstStyle/>
+          <a:p>
+            <a:fld id="{F41CCAC9-CD85-441F-9563-CD1515EBB636}" type="slidenum">
+              <a:rPr lang="en-NZ" smtClean="0"/>
+              <a:t>4</a:t>
+            </a:fld>
+            <a:endParaRPr lang="en-NZ"/>
+          </a:p>
+        </p:txBody>
+      </p:sp>
+    </p:spTree>
+  </p:cSld>
+  <p:clrMapOvr>
+    <a:masterClrMapping/>
+  </p:clrMapOvr>
+</p:notes>
+</file>
+
+<file path=ppt/notesSlides/notesSlide4.xml><?xml version="1.0" encoding="utf-8"?>
+<p:notes xmlns:a="http://schemas.openxmlformats.org/drawingml/2006/main" xmlns:r="http://schemas.openxmlformats.org/officeDocument/2006/relationships" xmlns:p="http://schemas.openxmlformats.org/presentationml/2006/main">
+  <p:cSld>
+    <p:spTree>
+      <p:nvGrpSpPr>
+        <p:cNvPr id="1" name=""/>
+        <p:cNvGrpSpPr/>
+        <p:nvPr/>
+      </p:nvGrpSpPr>
+      <p:grpSpPr>
+        <a:xfrm>
+          <a:off x="0" y="0"/>
+          <a:ext cx="0" cy="0"/>
+          <a:chOff x="0" y="0"/>
+          <a:chExt cx="0" cy="0"/>
+        </a:xfrm>
+      </p:grpSpPr>
+      <p:sp>
+        <p:nvSpPr>
+          <p:cNvPr id="2" name="Slide Image Placeholder 1"/>
+          <p:cNvSpPr>
+            <a:spLocks noGrp="1" noRot="1" noChangeAspect="1"/>
+          </p:cNvSpPr>
+          <p:nvPr>
+            <p:ph type="sldImg"/>
+          </p:nvPr>
+        </p:nvSpPr>
+        <p:spPr/>
+      </p:sp>
+      <p:sp>
+        <p:nvSpPr>
+          <p:cNvPr id="3" name="Notes Placeholder 2"/>
+          <p:cNvSpPr>
+            <a:spLocks noGrp="1"/>
+          </p:cNvSpPr>
+          <p:nvPr>
+            <p:ph type="body" idx="1"/>
+          </p:nvPr>
+        </p:nvSpPr>
+        <p:spPr/>
+        <p:txBody>
+          <a:bodyPr>
+            <a:normAutofit/>
+          </a:bodyPr>
+          <a:lstStyle/>
+          <a:p>
+            <a:r>
+              <a:rPr lang="en-NZ" dirty="0" smtClean="0"/>
+              <a:t>Talk about how everyone has different</a:t>
+            </a:r>
+            <a:r>
+              <a:rPr lang="en-NZ" baseline="0" dirty="0" smtClean="0"/>
+              <a:t> systems in place for selection, money to spend and where, also what type of advertising they are looking at getting out of their brand possibly</a:t>
+            </a:r>
+            <a:endParaRPr lang="en-NZ" dirty="0"/>
+          </a:p>
+        </p:txBody>
+      </p:sp>
+      <p:sp>
+        <p:nvSpPr>
+          <p:cNvPr id="4" name="Slide Number Placeholder 3"/>
+          <p:cNvSpPr>
+            <a:spLocks noGrp="1"/>
+          </p:cNvSpPr>
+          <p:nvPr>
+            <p:ph type="sldNum" sz="quarter" idx="10"/>
+          </p:nvPr>
+        </p:nvSpPr>
+        <p:spPr/>
+        <p:txBody>
+          <a:bodyPr/>
+          <a:lstStyle/>
+          <a:p>
+            <a:fld id="{F41CCAC9-CD85-441F-9563-CD1515EBB636}" type="slidenum">
+              <a:rPr lang="en-NZ" smtClean="0"/>
+              <a:t>5</a:t>
+            </a:fld>
+            <a:endParaRPr lang="en-NZ"/>
+          </a:p>
+        </p:txBody>
+      </p:sp>
+    </p:spTree>
+  </p:cSld>
+  <p:clrMapOvr>
+    <a:masterClrMapping/>
+  </p:clrMapOvr>
+</p:notes>
+</file>
+
+<file path=ppt/notesSlides/notesSlide5.xml><?xml version="1.0" encoding="utf-8"?>
+<p:notes xmlns:a="http://schemas.openxmlformats.org/drawingml/2006/main" xmlns:r="http://schemas.openxmlformats.org/officeDocument/2006/relationships" xmlns:p="http://schemas.openxmlformats.org/presentationml/2006/main">
+  <p:cSld>
+    <p:spTree>
+      <p:nvGrpSpPr>
+        <p:cNvPr id="1" name=""/>
+        <p:cNvGrpSpPr/>
+        <p:nvPr/>
+      </p:nvGrpSpPr>
+      <p:grpSpPr>
+        <a:xfrm>
+          <a:off x="0" y="0"/>
+          <a:ext cx="0" cy="0"/>
+          <a:chOff x="0" y="0"/>
+          <a:chExt cx="0" cy="0"/>
+        </a:xfrm>
+      </p:grpSpPr>
+      <p:sp>
+        <p:nvSpPr>
+          <p:cNvPr id="2" name="Slide Image Placeholder 1"/>
+          <p:cNvSpPr>
+            <a:spLocks noGrp="1" noRot="1" noChangeAspect="1"/>
+          </p:cNvSpPr>
+          <p:nvPr>
+            <p:ph type="sldImg"/>
+          </p:nvPr>
+        </p:nvSpPr>
+        <p:spPr/>
+      </p:sp>
+      <p:sp>
+        <p:nvSpPr>
+          <p:cNvPr id="3" name="Notes Placeholder 2"/>
+          <p:cNvSpPr>
+            <a:spLocks noGrp="1"/>
+          </p:cNvSpPr>
+          <p:nvPr>
+            <p:ph type="body" idx="1"/>
+          </p:nvPr>
+        </p:nvSpPr>
+        <p:spPr/>
+        <p:txBody>
+          <a:bodyPr>
+            <a:normAutofit/>
+          </a:bodyPr>
+          <a:lstStyle/>
+          <a:p>
+            <a:r>
+              <a:rPr lang="en-NZ" dirty="0" smtClean="0"/>
+              <a:t>Talk a bit about what</a:t>
+            </a:r>
+            <a:r>
+              <a:rPr lang="en-NZ" baseline="0" dirty="0" smtClean="0"/>
+              <a:t> carding is.</a:t>
+            </a:r>
+          </a:p>
+          <a:p>
+            <a:r>
+              <a:rPr lang="en-NZ" baseline="0" dirty="0" smtClean="0"/>
+              <a:t>Then go on to talk about who gets carded, the different levels of carding &lt;- the different pay grades</a:t>
+            </a:r>
+          </a:p>
+          <a:p>
+            <a:r>
+              <a:rPr lang="en-NZ" baseline="0" dirty="0" smtClean="0"/>
+              <a:t>Also talk about how this works well for people who are there already but </a:t>
+            </a:r>
+            <a:r>
+              <a:rPr lang="en-NZ" baseline="0" dirty="0" err="1" smtClean="0"/>
+              <a:t>doesnt</a:t>
+            </a:r>
+            <a:r>
+              <a:rPr lang="en-NZ" baseline="0" dirty="0" smtClean="0"/>
+              <a:t> help potential athletes who could also make this level but lack the funds to do so.</a:t>
+            </a:r>
+            <a:endParaRPr lang="en-NZ" dirty="0"/>
+          </a:p>
+        </p:txBody>
+      </p:sp>
+      <p:sp>
+        <p:nvSpPr>
+          <p:cNvPr id="4" name="Slide Number Placeholder 3"/>
+          <p:cNvSpPr>
+            <a:spLocks noGrp="1"/>
+          </p:cNvSpPr>
+          <p:nvPr>
+            <p:ph type="sldNum" sz="quarter" idx="10"/>
+          </p:nvPr>
+        </p:nvSpPr>
+        <p:spPr/>
+        <p:txBody>
+          <a:bodyPr/>
+          <a:lstStyle/>
+          <a:p>
+            <a:fld id="{F41CCAC9-CD85-441F-9563-CD1515EBB636}" type="slidenum">
+              <a:rPr lang="en-NZ" smtClean="0"/>
+              <a:t>6</a:t>
+            </a:fld>
+            <a:endParaRPr lang="en-NZ"/>
+          </a:p>
+        </p:txBody>
+      </p:sp>
+    </p:spTree>
+  </p:cSld>
+  <p:clrMapOvr>
+    <a:masterClrMapping/>
+  </p:clrMapOvr>
+</p:notes>
+</file>
+
+<file path=ppt/notesSlides/notesSlide6.xml><?xml version="1.0" encoding="utf-8"?>
+<p:notes xmlns:a="http://schemas.openxmlformats.org/drawingml/2006/main" xmlns:r="http://schemas.openxmlformats.org/officeDocument/2006/relationships" xmlns:p="http://schemas.openxmlformats.org/presentationml/2006/main">
+  <p:cSld>
+    <p:spTree>
+      <p:nvGrpSpPr>
+        <p:cNvPr id="1" name=""/>
+        <p:cNvGrpSpPr/>
+        <p:nvPr/>
+      </p:nvGrpSpPr>
+      <p:grpSpPr>
+        <a:xfrm>
+          <a:off x="0" y="0"/>
+          <a:ext cx="0" cy="0"/>
+          <a:chOff x="0" y="0"/>
+          <a:chExt cx="0" cy="0"/>
+        </a:xfrm>
+      </p:grpSpPr>
+      <p:sp>
+        <p:nvSpPr>
+          <p:cNvPr id="2" name="Slide Image Placeholder 1"/>
+          <p:cNvSpPr>
+            <a:spLocks noGrp="1" noRot="1" noChangeAspect="1"/>
+          </p:cNvSpPr>
+          <p:nvPr>
+            <p:ph type="sldImg"/>
+          </p:nvPr>
+        </p:nvSpPr>
+        <p:spPr/>
+      </p:sp>
+      <p:sp>
+        <p:nvSpPr>
+          <p:cNvPr id="3" name="Notes Placeholder 2"/>
+          <p:cNvSpPr>
+            <a:spLocks noGrp="1"/>
+          </p:cNvSpPr>
+          <p:nvPr>
+            <p:ph type="body" idx="1"/>
+          </p:nvPr>
+        </p:nvSpPr>
+        <p:spPr/>
+        <p:txBody>
+          <a:bodyPr>
+            <a:normAutofit/>
+          </a:bodyPr>
+          <a:lstStyle/>
+          <a:p>
+            <a:r>
+              <a:rPr lang="en-NZ" dirty="0" smtClean="0"/>
+              <a:t>Maybe</a:t>
+            </a:r>
+            <a:r>
+              <a:rPr lang="en-NZ" baseline="0" dirty="0" smtClean="0"/>
+              <a:t> have this animated.</a:t>
+            </a:r>
+          </a:p>
+          <a:p>
+            <a:r>
+              <a:rPr lang="en-NZ" baseline="0" dirty="0" smtClean="0"/>
+              <a:t>The red indicates what is currently in place and who benefits most from the system.</a:t>
+            </a:r>
+          </a:p>
+          <a:p>
+            <a:r>
+              <a:rPr lang="en-NZ" baseline="0" dirty="0" smtClean="0"/>
+              <a:t>The orange represents where the project is at and who can use it effectively to determine their progression in the sport.</a:t>
+            </a:r>
+          </a:p>
+          <a:p>
+            <a:r>
+              <a:rPr lang="en-NZ" baseline="0" dirty="0" smtClean="0"/>
+              <a:t>The green represents where the project will end up. Also say that even though sponsors and international teams might not be interested in school kids, clubs are very interested in developing the young generation to see them succeed in society.</a:t>
+            </a:r>
+            <a:endParaRPr lang="en-NZ" dirty="0"/>
+          </a:p>
+        </p:txBody>
+      </p:sp>
+      <p:sp>
+        <p:nvSpPr>
+          <p:cNvPr id="4" name="Slide Number Placeholder 3"/>
+          <p:cNvSpPr>
+            <a:spLocks noGrp="1"/>
+          </p:cNvSpPr>
+          <p:nvPr>
+            <p:ph type="sldNum" sz="quarter" idx="10"/>
+          </p:nvPr>
+        </p:nvSpPr>
+        <p:spPr/>
+        <p:txBody>
+          <a:bodyPr/>
+          <a:lstStyle/>
+          <a:p>
+            <a:fld id="{F41CCAC9-CD85-441F-9563-CD1515EBB636}" type="slidenum">
+              <a:rPr lang="en-NZ" smtClean="0"/>
+              <a:t>7</a:t>
+            </a:fld>
+            <a:endParaRPr lang="en-NZ"/>
+          </a:p>
+        </p:txBody>
+      </p:sp>
+    </p:spTree>
+  </p:cSld>
+  <p:clrMapOvr>
+    <a:masterClrMapping/>
+  </p:clrMapOvr>
+</p:notes>
+</file>
+
+<file path=ppt/notesSlides/notesSlide7.xml><?xml version="1.0" encoding="utf-8"?>
+<p:notes xmlns:a="http://schemas.openxmlformats.org/drawingml/2006/main" xmlns:r="http://schemas.openxmlformats.org/officeDocument/2006/relationships" xmlns:p="http://schemas.openxmlformats.org/presentationml/2006/main">
+  <p:cSld>
+    <p:spTree>
+      <p:nvGrpSpPr>
+        <p:cNvPr id="1" name=""/>
+        <p:cNvGrpSpPr/>
+        <p:nvPr/>
+      </p:nvGrpSpPr>
+      <p:grpSpPr>
+        <a:xfrm>
+          <a:off x="0" y="0"/>
+          <a:ext cx="0" cy="0"/>
+          <a:chOff x="0" y="0"/>
+          <a:chExt cx="0" cy="0"/>
+        </a:xfrm>
+      </p:grpSpPr>
+      <p:sp>
+        <p:nvSpPr>
+          <p:cNvPr id="2" name="Slide Image Placeholder 1"/>
+          <p:cNvSpPr>
+            <a:spLocks noGrp="1" noRot="1" noChangeAspect="1"/>
+          </p:cNvSpPr>
+          <p:nvPr>
+            <p:ph type="sldImg"/>
+          </p:nvPr>
+        </p:nvSpPr>
+        <p:spPr/>
+      </p:sp>
+      <p:sp>
+        <p:nvSpPr>
+          <p:cNvPr id="3" name="Notes Placeholder 2"/>
+          <p:cNvSpPr>
+            <a:spLocks noGrp="1"/>
+          </p:cNvSpPr>
+          <p:nvPr>
+            <p:ph type="body" idx="1"/>
+          </p:nvPr>
+        </p:nvSpPr>
+        <p:spPr/>
+        <p:txBody>
+          <a:bodyPr>
+            <a:normAutofit/>
+          </a:bodyPr>
+          <a:lstStyle/>
+          <a:p>
+            <a:r>
+              <a:rPr lang="en-NZ" dirty="0" smtClean="0"/>
+              <a:t>Discuss the different</a:t>
+            </a:r>
+            <a:r>
+              <a:rPr lang="en-NZ" baseline="0" dirty="0" smtClean="0"/>
+              <a:t> lines and what they represent. Maybe have it animated.</a:t>
+            </a:r>
+          </a:p>
+          <a:p>
+            <a:r>
+              <a:rPr lang="en-NZ" baseline="0" dirty="0" smtClean="0"/>
+              <a:t>Blue = You or the athlete being charted.</a:t>
+            </a:r>
+          </a:p>
+          <a:p>
+            <a:r>
+              <a:rPr lang="en-NZ" baseline="0" dirty="0" smtClean="0"/>
+              <a:t>Red = Lowest level to reach in order to get carded in New Zealand</a:t>
+            </a:r>
+          </a:p>
+          <a:p>
+            <a:r>
+              <a:rPr lang="en-NZ" baseline="0" dirty="0" smtClean="0"/>
+              <a:t>Green = 4</a:t>
+            </a:r>
+            <a:r>
+              <a:rPr lang="en-NZ" baseline="30000" dirty="0" smtClean="0"/>
+              <a:t>th</a:t>
+            </a:r>
+            <a:r>
+              <a:rPr lang="en-NZ" baseline="0" dirty="0" smtClean="0"/>
+              <a:t> – 8</a:t>
+            </a:r>
+            <a:r>
+              <a:rPr lang="en-NZ" baseline="30000" dirty="0" smtClean="0"/>
+              <a:t>th</a:t>
+            </a:r>
+            <a:r>
+              <a:rPr lang="en-NZ" baseline="0" dirty="0" smtClean="0"/>
+              <a:t> positioning at Olympics or World Champs.</a:t>
+            </a:r>
+          </a:p>
+          <a:p>
+            <a:r>
+              <a:rPr lang="en-NZ" baseline="0" dirty="0" smtClean="0"/>
+              <a:t>Yellow = Medal position at Olympics or World Champs.</a:t>
+            </a:r>
+          </a:p>
+          <a:p>
+            <a:endParaRPr lang="en-NZ" baseline="0" dirty="0" smtClean="0"/>
+          </a:p>
+          <a:p>
+            <a:r>
+              <a:rPr lang="en-NZ" dirty="0" smtClean="0"/>
+              <a:t>The flaws</a:t>
+            </a:r>
+            <a:r>
+              <a:rPr lang="en-NZ" baseline="0" dirty="0" smtClean="0"/>
+              <a:t> with this chart.</a:t>
+            </a:r>
+          </a:p>
+          <a:p>
+            <a:r>
+              <a:rPr lang="en-NZ" baseline="0" dirty="0" smtClean="0"/>
+              <a:t>You have some unusual calculation where medals and finals are flipped at the start. This </a:t>
+            </a:r>
+            <a:r>
+              <a:rPr lang="en-NZ" baseline="0" dirty="0" err="1" smtClean="0"/>
+              <a:t>shouldnt</a:t>
+            </a:r>
+            <a:r>
+              <a:rPr lang="en-NZ" baseline="0" dirty="0" smtClean="0"/>
+              <a:t> be possible but for whatever data they </a:t>
+            </a:r>
+            <a:r>
+              <a:rPr lang="en-NZ" baseline="0" dirty="0" err="1" smtClean="0"/>
+              <a:t>modeled</a:t>
+            </a:r>
+            <a:r>
+              <a:rPr lang="en-NZ" baseline="0" dirty="0" smtClean="0"/>
+              <a:t> off this is the case.</a:t>
+            </a:r>
+          </a:p>
+          <a:p>
+            <a:r>
+              <a:rPr lang="en-NZ" baseline="0" dirty="0" smtClean="0"/>
+              <a:t>The graph is plotted off your seasons best which is great for people who can </a:t>
+            </a:r>
+            <a:r>
+              <a:rPr lang="en-NZ" baseline="0" dirty="0" err="1" smtClean="0"/>
+              <a:t>preform</a:t>
+            </a:r>
+            <a:r>
+              <a:rPr lang="en-NZ" baseline="0" dirty="0" smtClean="0"/>
+              <a:t> really well but not so good if they cant continuously produce that same result.</a:t>
+            </a:r>
+          </a:p>
+          <a:p>
+            <a:r>
+              <a:rPr lang="en-NZ" baseline="0" dirty="0" smtClean="0"/>
+              <a:t>It works of achieving a certain level. “You must be above this line to be of any use to us” </a:t>
+            </a:r>
+            <a:r>
+              <a:rPr lang="en-NZ" baseline="0" dirty="0" err="1" smtClean="0"/>
+              <a:t>Unfortunatly</a:t>
+            </a:r>
+            <a:r>
+              <a:rPr lang="en-NZ" baseline="0" dirty="0" smtClean="0"/>
+              <a:t> with this there is no room for error, such as injury, illness, or various other factors that can contribute to this one race for the season.</a:t>
+            </a:r>
+          </a:p>
+          <a:p>
+            <a:r>
+              <a:rPr lang="en-NZ" baseline="0" dirty="0" smtClean="0"/>
+              <a:t>It </a:t>
+            </a:r>
+            <a:r>
+              <a:rPr lang="en-NZ" baseline="0" dirty="0" err="1" smtClean="0"/>
+              <a:t>doesnt</a:t>
+            </a:r>
+            <a:r>
+              <a:rPr lang="en-NZ" baseline="0" dirty="0" smtClean="0"/>
+              <a:t> show your season activity only your best. This means that you wont be recognised for consistency, only best performance.</a:t>
+            </a:r>
+            <a:endParaRPr lang="en-NZ" dirty="0"/>
+          </a:p>
+        </p:txBody>
+      </p:sp>
+      <p:sp>
+        <p:nvSpPr>
+          <p:cNvPr id="4" name="Slide Number Placeholder 3"/>
+          <p:cNvSpPr>
+            <a:spLocks noGrp="1"/>
+          </p:cNvSpPr>
+          <p:nvPr>
+            <p:ph type="sldNum" sz="quarter" idx="10"/>
+          </p:nvPr>
+        </p:nvSpPr>
+        <p:spPr/>
+        <p:txBody>
+          <a:bodyPr/>
+          <a:lstStyle/>
+          <a:p>
+            <a:fld id="{F41CCAC9-CD85-441F-9563-CD1515EBB636}" type="slidenum">
+              <a:rPr lang="en-NZ" smtClean="0"/>
+              <a:t>8</a:t>
+            </a:fld>
+            <a:endParaRPr lang="en-NZ"/>
+          </a:p>
+        </p:txBody>
+      </p:sp>
+    </p:spTree>
+  </p:cSld>
+  <p:clrMapOvr>
+    <a:masterClrMapping/>
+  </p:clrMapOvr>
+</p:notes>
+</file>
+
+<file path=ppt/notesSlides/notesSlide8.xml><?xml version="1.0" encoding="utf-8"?>
+<p:notes xmlns:a="http://schemas.openxmlformats.org/drawingml/2006/main" xmlns:r="http://schemas.openxmlformats.org/officeDocument/2006/relationships" xmlns:p="http://schemas.openxmlformats.org/presentationml/2006/main">
+  <p:cSld>
+    <p:spTree>
+      <p:nvGrpSpPr>
+        <p:cNvPr id="1" name=""/>
+        <p:cNvGrpSpPr/>
+        <p:nvPr/>
+      </p:nvGrpSpPr>
+      <p:grpSpPr>
+        <a:xfrm>
+          <a:off x="0" y="0"/>
+          <a:ext cx="0" cy="0"/>
+          <a:chOff x="0" y="0"/>
+          <a:chExt cx="0" cy="0"/>
+        </a:xfrm>
+      </p:grpSpPr>
+      <p:sp>
+        <p:nvSpPr>
+          <p:cNvPr id="2" name="Slide Image Placeholder 1"/>
+          <p:cNvSpPr>
+            <a:spLocks noGrp="1" noRot="1" noChangeAspect="1"/>
+          </p:cNvSpPr>
+          <p:nvPr>
+            <p:ph type="sldImg"/>
+          </p:nvPr>
+        </p:nvSpPr>
+        <p:spPr/>
+      </p:sp>
+      <p:sp>
+        <p:nvSpPr>
+          <p:cNvPr id="3" name="Notes Placeholder 2"/>
+          <p:cNvSpPr>
+            <a:spLocks noGrp="1"/>
+          </p:cNvSpPr>
+          <p:nvPr>
+            <p:ph type="body" idx="1"/>
+          </p:nvPr>
+        </p:nvSpPr>
+        <p:spPr/>
+        <p:txBody>
+          <a:bodyPr>
+            <a:normAutofit/>
+          </a:bodyPr>
+          <a:lstStyle/>
+          <a:p>
+            <a:r>
+              <a:rPr lang="en-NZ" dirty="0" smtClean="0"/>
+              <a:t>Talk about what the athlete is shaping out to be.</a:t>
+            </a:r>
+            <a:endParaRPr lang="en-NZ" dirty="0"/>
+          </a:p>
+        </p:txBody>
+      </p:sp>
+      <p:sp>
+        <p:nvSpPr>
+          <p:cNvPr id="4" name="Slide Number Placeholder 3"/>
+          <p:cNvSpPr>
+            <a:spLocks noGrp="1"/>
+          </p:cNvSpPr>
+          <p:nvPr>
+            <p:ph type="sldNum" sz="quarter" idx="10"/>
+          </p:nvPr>
+        </p:nvSpPr>
+        <p:spPr/>
+        <p:txBody>
+          <a:bodyPr/>
+          <a:lstStyle/>
+          <a:p>
+            <a:fld id="{F41CCAC9-CD85-441F-9563-CD1515EBB636}" type="slidenum">
+              <a:rPr lang="en-NZ" smtClean="0"/>
+              <a:t>9</a:t>
+            </a:fld>
+            <a:endParaRPr lang="en-NZ"/>
+          </a:p>
+        </p:txBody>
+      </p:sp>
+    </p:spTree>
+  </p:cSld>
+  <p:clrMapOvr>
+    <a:masterClrMapping/>
+  </p:clrMapOvr>
+</p:notes>
+</file>
+
+<file path=ppt/notesSlides/notesSlide9.xml><?xml version="1.0" encoding="utf-8"?>
+<p:notes xmlns:a="http://schemas.openxmlformats.org/drawingml/2006/main" xmlns:r="http://schemas.openxmlformats.org/officeDocument/2006/relationships" xmlns:p="http://schemas.openxmlformats.org/presentationml/2006/main">
+  <p:cSld>
+    <p:spTree>
+      <p:nvGrpSpPr>
+        <p:cNvPr id="1" name=""/>
+        <p:cNvGrpSpPr/>
+        <p:nvPr/>
+      </p:nvGrpSpPr>
+      <p:grpSpPr>
+        <a:xfrm>
+          <a:off x="0" y="0"/>
+          <a:ext cx="0" cy="0"/>
+          <a:chOff x="0" y="0"/>
+          <a:chExt cx="0" cy="0"/>
+        </a:xfrm>
+      </p:grpSpPr>
+      <p:sp>
+        <p:nvSpPr>
+          <p:cNvPr id="2" name="Slide Image Placeholder 1"/>
+          <p:cNvSpPr>
+            <a:spLocks noGrp="1" noRot="1" noChangeAspect="1"/>
+          </p:cNvSpPr>
+          <p:nvPr>
+            <p:ph type="sldImg"/>
+          </p:nvPr>
+        </p:nvSpPr>
+        <p:spPr/>
+      </p:sp>
+      <p:sp>
+        <p:nvSpPr>
+          <p:cNvPr id="3" name="Notes Placeholder 2"/>
+          <p:cNvSpPr>
+            <a:spLocks noGrp="1"/>
+          </p:cNvSpPr>
+          <p:nvPr>
+            <p:ph type="body" idx="1"/>
+          </p:nvPr>
+        </p:nvSpPr>
+        <p:spPr/>
+        <p:txBody>
+          <a:bodyPr>
+            <a:normAutofit/>
+          </a:bodyPr>
+          <a:lstStyle/>
+          <a:p>
+            <a:r>
+              <a:rPr lang="en-NZ" dirty="0" smtClean="0"/>
+              <a:t>Talk about what the athlete is shaping out to be.</a:t>
+            </a:r>
+            <a:endParaRPr lang="en-NZ" dirty="0"/>
+          </a:p>
+        </p:txBody>
+      </p:sp>
+      <p:sp>
+        <p:nvSpPr>
+          <p:cNvPr id="4" name="Slide Number Placeholder 3"/>
+          <p:cNvSpPr>
+            <a:spLocks noGrp="1"/>
+          </p:cNvSpPr>
+          <p:nvPr>
+            <p:ph type="sldNum" sz="quarter" idx="10"/>
+          </p:nvPr>
+        </p:nvSpPr>
+        <p:spPr/>
+        <p:txBody>
+          <a:bodyPr/>
+          <a:lstStyle/>
+          <a:p>
+            <a:fld id="{F41CCAC9-CD85-441F-9563-CD1515EBB636}" type="slidenum">
+              <a:rPr lang="en-NZ" smtClean="0"/>
+              <a:t>10</a:t>
+            </a:fld>
+            <a:endParaRPr lang="en-NZ"/>
+          </a:p>
+        </p:txBody>
+      </p:sp>
+    </p:spTree>
+  </p:cSld>
+  <p:clrMapOvr>
+    <a:masterClrMapping/>
+  </p:clrMapOvr>
+</p:notes>
+</file>
+
 <file path=ppt/slideLayouts/slideLayout1.xml><?xml version="1.0" encoding="utf-8"?>
 <p:sldLayout xmlns:a="http://schemas.openxmlformats.org/drawingml/2006/main" xmlns:r="http://schemas.openxmlformats.org/officeDocument/2006/relationships" xmlns:p="http://schemas.openxmlformats.org/presentationml/2006/main" showMasterSp="0" type="title" preserve="1">
   <p:cSld name="Title Slide">
@@ -321,7 +1788,8 @@
           <a:p>
             <a:fld id="{73075169-4B29-4ACB-B891-88C6DD08F9D0}" type="datetimeFigureOut">
               <a:rPr lang="en-NZ" smtClean="0"/>
-              <a:t>18/07/2012</a:t>
+              <a:pPr/>
+              <a:t>19/07/2012</a:t>
             </a:fld>
             <a:endParaRPr lang="en-NZ"/>
           </a:p>
@@ -360,6 +1828,7 @@
           <a:p>
             <a:fld id="{A0820FDA-FD9A-47DF-9695-6008DCC4CE43}" type="slidenum">
               <a:rPr lang="en-NZ" smtClean="0"/>
+              <a:pPr/>
               <a:t>‹#›</a:t>
             </a:fld>
             <a:endParaRPr lang="en-NZ"/>
@@ -515,7 +1984,8 @@
           <a:p>
             <a:fld id="{73075169-4B29-4ACB-B891-88C6DD08F9D0}" type="datetimeFigureOut">
               <a:rPr lang="en-NZ" smtClean="0"/>
-              <a:t>18/07/2012</a:t>
+              <a:pPr/>
+              <a:t>19/07/2012</a:t>
             </a:fld>
             <a:endParaRPr lang="en-NZ"/>
           </a:p>
@@ -561,6 +2031,7 @@
           <a:p>
             <a:fld id="{A0820FDA-FD9A-47DF-9695-6008DCC4CE43}" type="slidenum">
               <a:rPr lang="en-NZ" smtClean="0"/>
+              <a:pPr/>
               <a:t>‹#›</a:t>
             </a:fld>
             <a:endParaRPr lang="en-NZ"/>
@@ -703,7 +2174,8 @@
           <a:p>
             <a:fld id="{73075169-4B29-4ACB-B891-88C6DD08F9D0}" type="datetimeFigureOut">
               <a:rPr lang="en-NZ" smtClean="0"/>
-              <a:t>18/07/2012</a:t>
+              <a:pPr/>
+              <a:t>19/07/2012</a:t>
             </a:fld>
             <a:endParaRPr lang="en-NZ"/>
           </a:p>
@@ -749,6 +2221,7 @@
           <a:p>
             <a:fld id="{A0820FDA-FD9A-47DF-9695-6008DCC4CE43}" type="slidenum">
               <a:rPr lang="en-NZ" smtClean="0"/>
+              <a:pPr/>
               <a:t>‹#›</a:t>
             </a:fld>
             <a:endParaRPr lang="en-NZ"/>
@@ -932,7 +2405,8 @@
           <a:p>
             <a:fld id="{73075169-4B29-4ACB-B891-88C6DD08F9D0}" type="datetimeFigureOut">
               <a:rPr lang="en-NZ" smtClean="0"/>
-              <a:t>18/07/2012</a:t>
+              <a:pPr/>
+              <a:t>19/07/2012</a:t>
             </a:fld>
             <a:endParaRPr lang="en-NZ"/>
           </a:p>
@@ -978,6 +2452,7 @@
           <a:p>
             <a:fld id="{A0820FDA-FD9A-47DF-9695-6008DCC4CE43}" type="slidenum">
               <a:rPr lang="en-NZ" smtClean="0"/>
+              <a:pPr/>
               <a:t>‹#›</a:t>
             </a:fld>
             <a:endParaRPr lang="en-NZ"/>
@@ -1213,7 +2688,8 @@
           <a:p>
             <a:fld id="{73075169-4B29-4ACB-B891-88C6DD08F9D0}" type="datetimeFigureOut">
               <a:rPr lang="en-NZ" smtClean="0"/>
-              <a:t>18/07/2012</a:t>
+              <a:pPr/>
+              <a:t>19/07/2012</a:t>
             </a:fld>
             <a:endParaRPr lang="en-NZ"/>
           </a:p>
@@ -1252,6 +2728,7 @@
           <a:p>
             <a:fld id="{A0820FDA-FD9A-47DF-9695-6008DCC4CE43}" type="slidenum">
               <a:rPr lang="en-NZ" smtClean="0"/>
+              <a:pPr/>
               <a:t>‹#›</a:t>
             </a:fld>
             <a:endParaRPr lang="en-NZ"/>
@@ -1501,7 +2978,8 @@
           <a:p>
             <a:fld id="{73075169-4B29-4ACB-B891-88C6DD08F9D0}" type="datetimeFigureOut">
               <a:rPr lang="en-NZ" smtClean="0"/>
-              <a:t>18/07/2012</a:t>
+              <a:pPr/>
+              <a:t>19/07/2012</a:t>
             </a:fld>
             <a:endParaRPr lang="en-NZ"/>
           </a:p>
@@ -1552,6 +3030,7 @@
           <a:p>
             <a:fld id="{A0820FDA-FD9A-47DF-9695-6008DCC4CE43}" type="slidenum">
               <a:rPr lang="en-NZ" smtClean="0"/>
+              <a:pPr/>
               <a:t>‹#›</a:t>
             </a:fld>
             <a:endParaRPr lang="en-NZ"/>
@@ -2055,7 +3534,8 @@
           <a:p>
             <a:fld id="{73075169-4B29-4ACB-B891-88C6DD08F9D0}" type="datetimeFigureOut">
               <a:rPr lang="en-NZ" smtClean="0"/>
-              <a:t>18/07/2012</a:t>
+              <a:pPr/>
+              <a:t>19/07/2012</a:t>
             </a:fld>
             <a:endParaRPr lang="en-NZ"/>
           </a:p>
@@ -2106,6 +3586,7 @@
           <a:p>
             <a:fld id="{A0820FDA-FD9A-47DF-9695-6008DCC4CE43}" type="slidenum">
               <a:rPr lang="en-NZ" smtClean="0"/>
+              <a:pPr/>
               <a:t>‹#›</a:t>
             </a:fld>
             <a:endParaRPr lang="en-NZ"/>
@@ -2186,7 +3667,8 @@
           <a:p>
             <a:fld id="{73075169-4B29-4ACB-B891-88C6DD08F9D0}" type="datetimeFigureOut">
               <a:rPr lang="en-NZ" smtClean="0"/>
-              <a:t>18/07/2012</a:t>
+              <a:pPr/>
+              <a:t>19/07/2012</a:t>
             </a:fld>
             <a:endParaRPr lang="en-NZ"/>
           </a:p>
@@ -2232,6 +3714,7 @@
           <a:p>
             <a:fld id="{A0820FDA-FD9A-47DF-9695-6008DCC4CE43}" type="slidenum">
               <a:rPr lang="en-NZ" smtClean="0"/>
+              <a:pPr/>
               <a:t>‹#›</a:t>
             </a:fld>
             <a:endParaRPr lang="en-NZ"/>
@@ -2336,7 +3819,8 @@
           <a:p>
             <a:fld id="{73075169-4B29-4ACB-B891-88C6DD08F9D0}" type="datetimeFigureOut">
               <a:rPr lang="en-NZ" smtClean="0"/>
-              <a:t>18/07/2012</a:t>
+              <a:pPr/>
+              <a:t>19/07/2012</a:t>
             </a:fld>
             <a:endParaRPr lang="en-NZ"/>
           </a:p>
@@ -2382,6 +3866,7 @@
           <a:p>
             <a:fld id="{A0820FDA-FD9A-47DF-9695-6008DCC4CE43}" type="slidenum">
               <a:rPr lang="en-NZ" smtClean="0"/>
+              <a:pPr/>
               <a:t>‹#›</a:t>
             </a:fld>
             <a:endParaRPr lang="en-NZ"/>
@@ -2657,7 +4142,8 @@
           <a:p>
             <a:fld id="{73075169-4B29-4ACB-B891-88C6DD08F9D0}" type="datetimeFigureOut">
               <a:rPr lang="en-NZ" smtClean="0"/>
-              <a:t>18/07/2012</a:t>
+              <a:pPr/>
+              <a:t>19/07/2012</a:t>
             </a:fld>
             <a:endParaRPr lang="en-NZ"/>
           </a:p>
@@ -2696,6 +4182,7 @@
           <a:p>
             <a:fld id="{A0820FDA-FD9A-47DF-9695-6008DCC4CE43}" type="slidenum">
               <a:rPr lang="en-NZ" smtClean="0"/>
+              <a:pPr/>
               <a:t>‹#›</a:t>
             </a:fld>
             <a:endParaRPr lang="en-NZ"/>
@@ -2954,7 +4441,8 @@
           <a:p>
             <a:fld id="{73075169-4B29-4ACB-B891-88C6DD08F9D0}" type="datetimeFigureOut">
               <a:rPr lang="en-NZ" smtClean="0"/>
-              <a:t>18/07/2012</a:t>
+              <a:pPr/>
+              <a:t>19/07/2012</a:t>
             </a:fld>
             <a:endParaRPr lang="en-NZ"/>
           </a:p>
@@ -2993,6 +4481,7 @@
           <a:p>
             <a:fld id="{A0820FDA-FD9A-47DF-9695-6008DCC4CE43}" type="slidenum">
               <a:rPr lang="en-NZ" smtClean="0"/>
+              <a:pPr/>
               <a:t>‹#›</a:t>
             </a:fld>
             <a:endParaRPr lang="en-NZ"/>
@@ -3199,7 +4688,8 @@
           <a:p>
             <a:fld id="{73075169-4B29-4ACB-B891-88C6DD08F9D0}" type="datetimeFigureOut">
               <a:rPr lang="en-NZ" smtClean="0"/>
-              <a:t>18/07/2012</a:t>
+              <a:pPr/>
+              <a:t>19/07/2012</a:t>
             </a:fld>
             <a:endParaRPr lang="en-NZ"/>
           </a:p>
@@ -3242,6 +4732,7 @@
           <a:p>
             <a:fld id="{A0820FDA-FD9A-47DF-9695-6008DCC4CE43}" type="slidenum">
               <a:rPr lang="en-NZ" smtClean="0"/>
+              <a:pPr/>
               <a:t>‹#›</a:t>
             </a:fld>
             <a:endParaRPr lang="en-NZ"/>
@@ -3737,6 +5228,678 @@
 </p:sld>
 </file>
 
+<file path=ppt/slides/slide10.xml><?xml version="1.0" encoding="utf-8"?>
+<p:sld xmlns:a="http://schemas.openxmlformats.org/drawingml/2006/main" xmlns:r="http://schemas.openxmlformats.org/officeDocument/2006/relationships" xmlns:p="http://schemas.openxmlformats.org/presentationml/2006/main">
+  <p:cSld>
+    <p:spTree>
+      <p:nvGrpSpPr>
+        <p:cNvPr id="1" name=""/>
+        <p:cNvGrpSpPr/>
+        <p:nvPr/>
+      </p:nvGrpSpPr>
+      <p:grpSpPr>
+        <a:xfrm>
+          <a:off x="0" y="0"/>
+          <a:ext cx="0" cy="0"/>
+          <a:chOff x="0" y="0"/>
+          <a:chExt cx="0" cy="0"/>
+        </a:xfrm>
+      </p:grpSpPr>
+      <p:sp>
+        <p:nvSpPr>
+          <p:cNvPr id="2" name="Title 1"/>
+          <p:cNvSpPr>
+            <a:spLocks noGrp="1"/>
+          </p:cNvSpPr>
+          <p:nvPr>
+            <p:ph type="title"/>
+          </p:nvPr>
+        </p:nvSpPr>
+        <p:spPr/>
+        <p:txBody>
+          <a:bodyPr/>
+          <a:lstStyle/>
+          <a:p>
+            <a:r>
+              <a:rPr lang="en-NZ" dirty="0" smtClean="0"/>
+              <a:t>What I’ve done so far</a:t>
+            </a:r>
+            <a:endParaRPr lang="en-NZ" dirty="0"/>
+          </a:p>
+        </p:txBody>
+      </p:sp>
+      <p:sp>
+        <p:nvSpPr>
+          <p:cNvPr id="3" name="Content Placeholder 2"/>
+          <p:cNvSpPr>
+            <a:spLocks noGrp="1"/>
+          </p:cNvSpPr>
+          <p:nvPr>
+            <p:ph idx="1"/>
+          </p:nvPr>
+        </p:nvSpPr>
+        <p:spPr/>
+        <p:txBody>
+          <a:bodyPr/>
+          <a:lstStyle/>
+          <a:p>
+            <a:r>
+              <a:rPr lang="en-NZ" dirty="0" smtClean="0"/>
+              <a:t>Data collected</a:t>
+            </a:r>
+            <a:endParaRPr lang="en-NZ" dirty="0" smtClean="0"/>
+          </a:p>
+          <a:p>
+            <a:endParaRPr lang="en-NZ" dirty="0"/>
+          </a:p>
+        </p:txBody>
+      </p:sp>
+    </p:spTree>
+  </p:cSld>
+  <p:clrMapOvr>
+    <a:masterClrMapping/>
+  </p:clrMapOvr>
+  <p:timing>
+    <p:tnLst>
+      <p:par>
+        <p:cTn id="1" dur="indefinite" restart="never" nodeType="tmRoot"/>
+      </p:par>
+    </p:tnLst>
+  </p:timing>
+</p:sld>
+</file>
+
+<file path=ppt/slides/slide11.xml><?xml version="1.0" encoding="utf-8"?>
+<p:sld xmlns:a="http://schemas.openxmlformats.org/drawingml/2006/main" xmlns:r="http://schemas.openxmlformats.org/officeDocument/2006/relationships" xmlns:p="http://schemas.openxmlformats.org/presentationml/2006/main">
+  <p:cSld>
+    <p:spTree>
+      <p:nvGrpSpPr>
+        <p:cNvPr id="1" name=""/>
+        <p:cNvGrpSpPr/>
+        <p:nvPr/>
+      </p:nvGrpSpPr>
+      <p:grpSpPr>
+        <a:xfrm>
+          <a:off x="0" y="0"/>
+          <a:ext cx="0" cy="0"/>
+          <a:chOff x="0" y="0"/>
+          <a:chExt cx="0" cy="0"/>
+        </a:xfrm>
+      </p:grpSpPr>
+      <p:sp>
+        <p:nvSpPr>
+          <p:cNvPr id="2" name="Title 1"/>
+          <p:cNvSpPr>
+            <a:spLocks noGrp="1"/>
+          </p:cNvSpPr>
+          <p:nvPr>
+            <p:ph type="title"/>
+          </p:nvPr>
+        </p:nvSpPr>
+        <p:spPr/>
+        <p:txBody>
+          <a:bodyPr>
+            <a:normAutofit/>
+          </a:bodyPr>
+          <a:lstStyle/>
+          <a:p>
+            <a:r>
+              <a:rPr lang="en-NZ" dirty="0" smtClean="0"/>
+              <a:t>Demo</a:t>
+            </a:r>
+            <a:endParaRPr lang="en-NZ" dirty="0"/>
+          </a:p>
+        </p:txBody>
+      </p:sp>
+      <p:sp>
+        <p:nvSpPr>
+          <p:cNvPr id="3" name="Content Placeholder 2"/>
+          <p:cNvSpPr>
+            <a:spLocks noGrp="1"/>
+          </p:cNvSpPr>
+          <p:nvPr>
+            <p:ph idx="1"/>
+          </p:nvPr>
+        </p:nvSpPr>
+        <p:spPr/>
+        <p:txBody>
+          <a:bodyPr/>
+          <a:lstStyle/>
+          <a:p>
+            <a:endParaRPr lang="en-NZ" dirty="0"/>
+          </a:p>
+        </p:txBody>
+      </p:sp>
+    </p:spTree>
+  </p:cSld>
+  <p:clrMapOvr>
+    <a:masterClrMapping/>
+  </p:clrMapOvr>
+  <p:timing>
+    <p:tnLst>
+      <p:par>
+        <p:cTn id="1" dur="indefinite" restart="never" nodeType="tmRoot"/>
+      </p:par>
+    </p:tnLst>
+  </p:timing>
+</p:sld>
+</file>
+
+<file path=ppt/slides/slide12.xml><?xml version="1.0" encoding="utf-8"?>
+<p:sld xmlns:a="http://schemas.openxmlformats.org/drawingml/2006/main" xmlns:r="http://schemas.openxmlformats.org/officeDocument/2006/relationships" xmlns:p="http://schemas.openxmlformats.org/presentationml/2006/main">
+  <p:cSld>
+    <p:spTree>
+      <p:nvGrpSpPr>
+        <p:cNvPr id="1" name=""/>
+        <p:cNvGrpSpPr/>
+        <p:nvPr/>
+      </p:nvGrpSpPr>
+      <p:grpSpPr>
+        <a:xfrm>
+          <a:off x="0" y="0"/>
+          <a:ext cx="0" cy="0"/>
+          <a:chOff x="0" y="0"/>
+          <a:chExt cx="0" cy="0"/>
+        </a:xfrm>
+      </p:grpSpPr>
+      <p:sp>
+        <p:nvSpPr>
+          <p:cNvPr id="2" name="Title 1"/>
+          <p:cNvSpPr>
+            <a:spLocks noGrp="1"/>
+          </p:cNvSpPr>
+          <p:nvPr>
+            <p:ph type="title"/>
+          </p:nvPr>
+        </p:nvSpPr>
+        <p:spPr/>
+        <p:txBody>
+          <a:bodyPr>
+            <a:normAutofit/>
+          </a:bodyPr>
+          <a:lstStyle/>
+          <a:p>
+            <a:r>
+              <a:rPr lang="en-NZ" dirty="0" smtClean="0"/>
+              <a:t>The Plan - Error </a:t>
+            </a:r>
+            <a:r>
+              <a:rPr lang="en-NZ" dirty="0" smtClean="0"/>
+              <a:t>Funnel</a:t>
+            </a:r>
+            <a:endParaRPr lang="en-NZ" dirty="0"/>
+          </a:p>
+        </p:txBody>
+      </p:sp>
+      <p:sp>
+        <p:nvSpPr>
+          <p:cNvPr id="3" name="Content Placeholder 2"/>
+          <p:cNvSpPr>
+            <a:spLocks noGrp="1"/>
+          </p:cNvSpPr>
+          <p:nvPr>
+            <p:ph idx="1"/>
+          </p:nvPr>
+        </p:nvSpPr>
+        <p:spPr/>
+        <p:txBody>
+          <a:bodyPr/>
+          <a:lstStyle/>
+          <a:p>
+            <a:endParaRPr lang="en-NZ" dirty="0"/>
+          </a:p>
+        </p:txBody>
+      </p:sp>
+      <p:pic>
+        <p:nvPicPr>
+          <p:cNvPr id="4098" name="Picture 2"/>
+          <p:cNvPicPr>
+            <a:picLocks noChangeAspect="1" noChangeArrowheads="1"/>
+          </p:cNvPicPr>
+          <p:nvPr/>
+        </p:nvPicPr>
+        <p:blipFill>
+          <a:blip r:embed="rId3" cstate="print"/>
+          <a:srcRect/>
+          <a:stretch>
+            <a:fillRect/>
+          </a:stretch>
+        </p:blipFill>
+        <p:spPr bwMode="auto">
+          <a:xfrm>
+            <a:off x="1763688" y="1844824"/>
+            <a:ext cx="5328592" cy="4173666"/>
+          </a:xfrm>
+          <a:prstGeom prst="rect">
+            <a:avLst/>
+          </a:prstGeom>
+          <a:noFill/>
+          <a:ln w="9525">
+            <a:noFill/>
+            <a:miter lim="800000"/>
+            <a:headEnd/>
+            <a:tailEnd/>
+          </a:ln>
+        </p:spPr>
+      </p:pic>
+    </p:spTree>
+  </p:cSld>
+  <p:clrMapOvr>
+    <a:masterClrMapping/>
+  </p:clrMapOvr>
+</p:sld>
+</file>
+
+<file path=ppt/slides/slide13.xml><?xml version="1.0" encoding="utf-8"?>
+<p:sld xmlns:a="http://schemas.openxmlformats.org/drawingml/2006/main" xmlns:r="http://schemas.openxmlformats.org/officeDocument/2006/relationships" xmlns:p="http://schemas.openxmlformats.org/presentationml/2006/main">
+  <p:cSld>
+    <p:spTree>
+      <p:nvGrpSpPr>
+        <p:cNvPr id="1" name=""/>
+        <p:cNvGrpSpPr/>
+        <p:nvPr/>
+      </p:nvGrpSpPr>
+      <p:grpSpPr>
+        <a:xfrm>
+          <a:off x="0" y="0"/>
+          <a:ext cx="0" cy="0"/>
+          <a:chOff x="0" y="0"/>
+          <a:chExt cx="0" cy="0"/>
+        </a:xfrm>
+      </p:grpSpPr>
+      <p:sp>
+        <p:nvSpPr>
+          <p:cNvPr id="2" name="Title 1"/>
+          <p:cNvSpPr>
+            <a:spLocks noGrp="1"/>
+          </p:cNvSpPr>
+          <p:nvPr>
+            <p:ph type="title"/>
+          </p:nvPr>
+        </p:nvSpPr>
+        <p:spPr/>
+        <p:txBody>
+          <a:bodyPr>
+            <a:normAutofit/>
+          </a:bodyPr>
+          <a:lstStyle/>
+          <a:p>
+            <a:r>
+              <a:rPr lang="en-NZ" dirty="0" smtClean="0"/>
+              <a:t>The Plan -Dynamic Graph</a:t>
+            </a:r>
+            <a:endParaRPr lang="en-NZ" dirty="0"/>
+          </a:p>
+        </p:txBody>
+      </p:sp>
+      <p:pic>
+        <p:nvPicPr>
+          <p:cNvPr id="6" name="Picture 2"/>
+          <p:cNvPicPr>
+            <a:picLocks noGrp="1" noChangeAspect="1" noChangeArrowheads="1"/>
+          </p:cNvPicPr>
+          <p:nvPr>
+            <p:ph idx="1"/>
+          </p:nvPr>
+        </p:nvPicPr>
+        <p:blipFill>
+          <a:blip r:embed="rId2" cstate="print"/>
+          <a:srcRect/>
+          <a:stretch>
+            <a:fillRect/>
+          </a:stretch>
+        </p:blipFill>
+        <p:spPr bwMode="auto">
+          <a:xfrm>
+            <a:off x="1116159" y="1646238"/>
+            <a:ext cx="6911681" cy="4525962"/>
+          </a:xfrm>
+          <a:prstGeom prst="rect">
+            <a:avLst/>
+          </a:prstGeom>
+          <a:noFill/>
+          <a:ln w="9525">
+            <a:noFill/>
+            <a:miter lim="800000"/>
+            <a:headEnd/>
+            <a:tailEnd/>
+          </a:ln>
+        </p:spPr>
+      </p:pic>
+    </p:spTree>
+  </p:cSld>
+  <p:clrMapOvr>
+    <a:masterClrMapping/>
+  </p:clrMapOvr>
+</p:sld>
+</file>
+
+<file path=ppt/slides/slide14.xml><?xml version="1.0" encoding="utf-8"?>
+<p:sld xmlns:a="http://schemas.openxmlformats.org/drawingml/2006/main" xmlns:r="http://schemas.openxmlformats.org/officeDocument/2006/relationships" xmlns:p="http://schemas.openxmlformats.org/presentationml/2006/main">
+  <p:cSld>
+    <p:spTree>
+      <p:nvGrpSpPr>
+        <p:cNvPr id="1" name=""/>
+        <p:cNvGrpSpPr/>
+        <p:nvPr/>
+      </p:nvGrpSpPr>
+      <p:grpSpPr>
+        <a:xfrm>
+          <a:off x="0" y="0"/>
+          <a:ext cx="0" cy="0"/>
+          <a:chOff x="0" y="0"/>
+          <a:chExt cx="0" cy="0"/>
+        </a:xfrm>
+      </p:grpSpPr>
+      <p:sp>
+        <p:nvSpPr>
+          <p:cNvPr id="2" name="Title 1"/>
+          <p:cNvSpPr>
+            <a:spLocks noGrp="1"/>
+          </p:cNvSpPr>
+          <p:nvPr>
+            <p:ph type="title"/>
+          </p:nvPr>
+        </p:nvSpPr>
+        <p:spPr/>
+        <p:txBody>
+          <a:bodyPr/>
+          <a:lstStyle/>
+          <a:p>
+            <a:r>
+              <a:rPr lang="en-NZ" dirty="0" smtClean="0"/>
+              <a:t>The Plan –Dynamic Graph</a:t>
+            </a:r>
+            <a:endParaRPr lang="en-NZ" dirty="0"/>
+          </a:p>
+        </p:txBody>
+      </p:sp>
+      <p:pic>
+        <p:nvPicPr>
+          <p:cNvPr id="6" name="Picture 2"/>
+          <p:cNvPicPr>
+            <a:picLocks noGrp="1" noChangeAspect="1" noChangeArrowheads="1"/>
+          </p:cNvPicPr>
+          <p:nvPr>
+            <p:ph idx="1"/>
+          </p:nvPr>
+        </p:nvPicPr>
+        <p:blipFill>
+          <a:blip r:embed="rId2" cstate="print"/>
+          <a:srcRect/>
+          <a:stretch>
+            <a:fillRect/>
+          </a:stretch>
+        </p:blipFill>
+        <p:spPr bwMode="auto">
+          <a:xfrm>
+            <a:off x="1116159" y="1646238"/>
+            <a:ext cx="6911681" cy="4525962"/>
+          </a:xfrm>
+          <a:prstGeom prst="rect">
+            <a:avLst/>
+          </a:prstGeom>
+          <a:noFill/>
+          <a:ln w="9525">
+            <a:noFill/>
+            <a:miter lim="800000"/>
+            <a:headEnd/>
+            <a:tailEnd/>
+          </a:ln>
+        </p:spPr>
+      </p:pic>
+    </p:spTree>
+  </p:cSld>
+  <p:clrMapOvr>
+    <a:masterClrMapping/>
+  </p:clrMapOvr>
+</p:sld>
+</file>
+
+<file path=ppt/slides/slide15.xml><?xml version="1.0" encoding="utf-8"?>
+<p:sld xmlns:a="http://schemas.openxmlformats.org/drawingml/2006/main" xmlns:r="http://schemas.openxmlformats.org/officeDocument/2006/relationships" xmlns:p="http://schemas.openxmlformats.org/presentationml/2006/main">
+  <p:cSld>
+    <p:spTree>
+      <p:nvGrpSpPr>
+        <p:cNvPr id="1" name=""/>
+        <p:cNvGrpSpPr/>
+        <p:nvPr/>
+      </p:nvGrpSpPr>
+      <p:grpSpPr>
+        <a:xfrm>
+          <a:off x="0" y="0"/>
+          <a:ext cx="0" cy="0"/>
+          <a:chOff x="0" y="0"/>
+          <a:chExt cx="0" cy="0"/>
+        </a:xfrm>
+      </p:grpSpPr>
+      <p:sp>
+        <p:nvSpPr>
+          <p:cNvPr id="2" name="Title 1"/>
+          <p:cNvSpPr>
+            <a:spLocks noGrp="1"/>
+          </p:cNvSpPr>
+          <p:nvPr>
+            <p:ph type="title"/>
+          </p:nvPr>
+        </p:nvSpPr>
+        <p:spPr/>
+        <p:txBody>
+          <a:bodyPr/>
+          <a:lstStyle/>
+          <a:p>
+            <a:r>
+              <a:rPr lang="en-NZ" dirty="0" smtClean="0"/>
+              <a:t>The Plan –Dynamic Graph</a:t>
+            </a:r>
+            <a:endParaRPr lang="en-NZ" dirty="0"/>
+          </a:p>
+        </p:txBody>
+      </p:sp>
+      <p:pic>
+        <p:nvPicPr>
+          <p:cNvPr id="5" name="Picture 2"/>
+          <p:cNvPicPr>
+            <a:picLocks noGrp="1" noChangeAspect="1" noChangeArrowheads="1"/>
+          </p:cNvPicPr>
+          <p:nvPr>
+            <p:ph idx="1"/>
+          </p:nvPr>
+        </p:nvPicPr>
+        <p:blipFill>
+          <a:blip r:embed="rId2" cstate="print"/>
+          <a:srcRect/>
+          <a:stretch>
+            <a:fillRect/>
+          </a:stretch>
+        </p:blipFill>
+        <p:spPr bwMode="auto">
+          <a:xfrm>
+            <a:off x="1125836" y="1646238"/>
+            <a:ext cx="6892328" cy="4525962"/>
+          </a:xfrm>
+          <a:prstGeom prst="rect">
+            <a:avLst/>
+          </a:prstGeom>
+          <a:noFill/>
+          <a:ln w="9525">
+            <a:noFill/>
+            <a:miter lim="800000"/>
+            <a:headEnd/>
+            <a:tailEnd/>
+          </a:ln>
+        </p:spPr>
+      </p:pic>
+    </p:spTree>
+  </p:cSld>
+  <p:clrMapOvr>
+    <a:masterClrMapping/>
+  </p:clrMapOvr>
+</p:sld>
+</file>
+
+<file path=ppt/slides/slide16.xml><?xml version="1.0" encoding="utf-8"?>
+<p:sld xmlns:a="http://schemas.openxmlformats.org/drawingml/2006/main" xmlns:r="http://schemas.openxmlformats.org/officeDocument/2006/relationships" xmlns:p="http://schemas.openxmlformats.org/presentationml/2006/main">
+  <p:cSld>
+    <p:spTree>
+      <p:nvGrpSpPr>
+        <p:cNvPr id="1" name=""/>
+        <p:cNvGrpSpPr/>
+        <p:nvPr/>
+      </p:nvGrpSpPr>
+      <p:grpSpPr>
+        <a:xfrm>
+          <a:off x="0" y="0"/>
+          <a:ext cx="0" cy="0"/>
+          <a:chOff x="0" y="0"/>
+          <a:chExt cx="0" cy="0"/>
+        </a:xfrm>
+      </p:grpSpPr>
+      <p:sp>
+        <p:nvSpPr>
+          <p:cNvPr id="2" name="Title 1"/>
+          <p:cNvSpPr>
+            <a:spLocks noGrp="1"/>
+          </p:cNvSpPr>
+          <p:nvPr>
+            <p:ph type="title"/>
+          </p:nvPr>
+        </p:nvSpPr>
+        <p:spPr/>
+        <p:txBody>
+          <a:bodyPr/>
+          <a:lstStyle/>
+          <a:p>
+            <a:r>
+              <a:rPr lang="en-NZ" dirty="0" smtClean="0"/>
+              <a:t>What I plan to do</a:t>
+            </a:r>
+            <a:endParaRPr lang="en-NZ" dirty="0"/>
+          </a:p>
+        </p:txBody>
+      </p:sp>
+      <p:sp>
+        <p:nvSpPr>
+          <p:cNvPr id="3" name="Content Placeholder 2"/>
+          <p:cNvSpPr>
+            <a:spLocks noGrp="1"/>
+          </p:cNvSpPr>
+          <p:nvPr>
+            <p:ph idx="1"/>
+          </p:nvPr>
+        </p:nvSpPr>
+        <p:spPr/>
+        <p:txBody>
+          <a:bodyPr/>
+          <a:lstStyle/>
+          <a:p>
+            <a:r>
+              <a:rPr lang="en-NZ" dirty="0" smtClean="0"/>
+              <a:t>Data </a:t>
+            </a:r>
+            <a:r>
+              <a:rPr lang="en-NZ" dirty="0" smtClean="0"/>
+              <a:t>collection Automated.</a:t>
+            </a:r>
+          </a:p>
+          <a:p>
+            <a:r>
+              <a:rPr lang="en-NZ" dirty="0" smtClean="0"/>
+              <a:t>Dynamic Graph</a:t>
+            </a:r>
+            <a:endParaRPr lang="en-NZ" dirty="0"/>
+          </a:p>
+        </p:txBody>
+      </p:sp>
+    </p:spTree>
+  </p:cSld>
+  <p:clrMapOvr>
+    <a:masterClrMapping/>
+  </p:clrMapOvr>
+</p:sld>
+</file>
+
+<file path=ppt/slides/slide17.xml><?xml version="1.0" encoding="utf-8"?>
+<p:sld xmlns:a="http://schemas.openxmlformats.org/drawingml/2006/main" xmlns:r="http://schemas.openxmlformats.org/officeDocument/2006/relationships" xmlns:p="http://schemas.openxmlformats.org/presentationml/2006/main">
+  <p:cSld>
+    <p:spTree>
+      <p:nvGrpSpPr>
+        <p:cNvPr id="1" name=""/>
+        <p:cNvGrpSpPr/>
+        <p:nvPr/>
+      </p:nvGrpSpPr>
+      <p:grpSpPr>
+        <a:xfrm>
+          <a:off x="0" y="0"/>
+          <a:ext cx="0" cy="0"/>
+          <a:chOff x="0" y="0"/>
+          <a:chExt cx="0" cy="0"/>
+        </a:xfrm>
+      </p:grpSpPr>
+      <p:sp>
+        <p:nvSpPr>
+          <p:cNvPr id="2" name="Title 1"/>
+          <p:cNvSpPr>
+            <a:spLocks noGrp="1"/>
+          </p:cNvSpPr>
+          <p:nvPr>
+            <p:ph type="title"/>
+          </p:nvPr>
+        </p:nvSpPr>
+        <p:spPr/>
+        <p:txBody>
+          <a:bodyPr/>
+          <a:lstStyle/>
+          <a:p>
+            <a:r>
+              <a:rPr lang="en-NZ" dirty="0" smtClean="0"/>
+              <a:t>What I plan to do</a:t>
+            </a:r>
+            <a:endParaRPr lang="en-NZ" dirty="0"/>
+          </a:p>
+        </p:txBody>
+      </p:sp>
+      <p:sp>
+        <p:nvSpPr>
+          <p:cNvPr id="3" name="Content Placeholder 2"/>
+          <p:cNvSpPr>
+            <a:spLocks noGrp="1"/>
+          </p:cNvSpPr>
+          <p:nvPr>
+            <p:ph idx="1"/>
+          </p:nvPr>
+        </p:nvSpPr>
+        <p:spPr/>
+        <p:txBody>
+          <a:bodyPr/>
+          <a:lstStyle/>
+          <a:p>
+            <a:r>
+              <a:rPr lang="en-NZ" dirty="0" smtClean="0"/>
+              <a:t>Data </a:t>
+            </a:r>
+            <a:r>
+              <a:rPr lang="en-NZ" dirty="0" smtClean="0"/>
+              <a:t>collection Automated.</a:t>
+            </a:r>
+          </a:p>
+          <a:p>
+            <a:r>
+              <a:rPr lang="en-NZ" dirty="0" smtClean="0"/>
+              <a:t>Dynamic Graph</a:t>
+            </a:r>
+            <a:endParaRPr lang="en-NZ" dirty="0"/>
+          </a:p>
+        </p:txBody>
+      </p:sp>
+    </p:spTree>
+  </p:cSld>
+  <p:clrMapOvr>
+    <a:masterClrMapping/>
+  </p:clrMapOvr>
+</p:sld>
+</file>
+
 <file path=ppt/slides/slide2.xml><?xml version="1.0" encoding="utf-8"?>
 <p:sld xmlns:a="http://schemas.openxmlformats.org/drawingml/2006/main" xmlns:r="http://schemas.openxmlformats.org/officeDocument/2006/relationships" xmlns:p="http://schemas.openxmlformats.org/presentationml/2006/main">
   <p:cSld>
@@ -3959,515 +6122,49 @@
           <a:bodyPr/>
           <a:lstStyle/>
           <a:p>
-            <a:endParaRPr lang="en-NZ"/>
-          </a:p>
-        </p:txBody>
-      </p:sp>
-      <p:sp>
-        <p:nvSpPr>
-          <p:cNvPr id="4" name="TextBox 3"/>
-          <p:cNvSpPr txBox="1"/>
-          <p:nvPr/>
-        </p:nvSpPr>
-        <p:spPr>
-          <a:xfrm>
-            <a:off x="6012160" y="2276872"/>
-            <a:ext cx="2088232" cy="3693319"/>
-          </a:xfrm>
-          <a:prstGeom prst="rect">
-            <a:avLst/>
-          </a:prstGeom>
-          <a:noFill/>
-        </p:spPr>
-        <p:txBody>
-          <a:bodyPr wrap="square" rtlCol="0">
-            <a:spAutoFit/>
-          </a:bodyPr>
+            <a:r>
+              <a:rPr lang="en-NZ" dirty="0" smtClean="0"/>
+              <a:t>What is Currently in Place</a:t>
+            </a:r>
+            <a:endParaRPr lang="en-NZ" dirty="0"/>
+          </a:p>
+        </p:txBody>
+      </p:sp>
+      <p:sp>
+        <p:nvSpPr>
+          <p:cNvPr id="3" name="Content Placeholder 2"/>
+          <p:cNvSpPr>
+            <a:spLocks noGrp="1"/>
+          </p:cNvSpPr>
+          <p:nvPr>
+            <p:ph idx="1"/>
+          </p:nvPr>
+        </p:nvSpPr>
+        <p:spPr/>
+        <p:txBody>
+          <a:bodyPr/>
           <a:lstStyle/>
           <a:p>
             <a:r>
-              <a:rPr lang="en-NZ" u="sng" dirty="0" smtClean="0"/>
-              <a:t>Athletic Level</a:t>
-            </a:r>
-            <a:br>
-              <a:rPr lang="en-NZ" u="sng" dirty="0" smtClean="0"/>
-            </a:br>
-            <a:endParaRPr lang="en-NZ" u="sng" dirty="0" smtClean="0"/>
-          </a:p>
-          <a:p>
+              <a:rPr lang="en-NZ" dirty="0" err="1" smtClean="0"/>
+              <a:t>Committies</a:t>
+            </a:r>
             <a:r>
               <a:rPr lang="en-NZ" dirty="0" smtClean="0"/>
-              <a:t>High Performance / International</a:t>
-            </a:r>
-          </a:p>
-          <a:p>
-            <a:endParaRPr lang="en-NZ" dirty="0"/>
+              <a:t> </a:t>
+            </a:r>
           </a:p>
           <a:p>
             <a:r>
               <a:rPr lang="en-NZ" dirty="0" smtClean="0"/>
-              <a:t>National</a:t>
-            </a:r>
-          </a:p>
-          <a:p>
-            <a:endParaRPr lang="en-NZ" dirty="0"/>
+              <a:t>Sponsors</a:t>
+            </a:r>
           </a:p>
           <a:p>
             <a:r>
               <a:rPr lang="en-NZ" dirty="0" smtClean="0"/>
-              <a:t>Youth National / Regional</a:t>
-            </a:r>
-          </a:p>
-          <a:p>
-            <a:endParaRPr lang="en-NZ" dirty="0"/>
-          </a:p>
-          <a:p>
-            <a:r>
-              <a:rPr lang="en-NZ" dirty="0" smtClean="0"/>
-              <a:t>School</a:t>
-            </a:r>
-          </a:p>
-          <a:p>
-            <a:endParaRPr lang="en-NZ" dirty="0"/>
-          </a:p>
-        </p:txBody>
-      </p:sp>
-      <p:cxnSp>
-        <p:nvCxnSpPr>
-          <p:cNvPr id="7" name="Straight Connector 6"/>
-          <p:cNvCxnSpPr/>
-          <p:nvPr/>
-        </p:nvCxnSpPr>
-        <p:spPr>
-          <a:xfrm flipH="1">
-            <a:off x="4860032" y="2852936"/>
-            <a:ext cx="2736304" cy="0"/>
-          </a:xfrm>
-          <a:prstGeom prst="line">
-            <a:avLst/>
-          </a:prstGeom>
-          <a:ln>
-            <a:solidFill>
-              <a:srgbClr val="FF0000"/>
-            </a:solidFill>
-          </a:ln>
-        </p:spPr>
-        <p:style>
-          <a:lnRef idx="3">
-            <a:schemeClr val="accent6"/>
-          </a:lnRef>
-          <a:fillRef idx="0">
-            <a:schemeClr val="accent6"/>
-          </a:fillRef>
-          <a:effectRef idx="2">
-            <a:schemeClr val="accent6"/>
-          </a:effectRef>
-          <a:fontRef idx="minor">
-            <a:schemeClr val="tx1"/>
-          </a:fontRef>
-        </p:style>
-      </p:cxnSp>
-      <p:cxnSp>
-        <p:nvCxnSpPr>
-          <p:cNvPr id="8" name="Straight Connector 7"/>
-          <p:cNvCxnSpPr/>
-          <p:nvPr/>
-        </p:nvCxnSpPr>
-        <p:spPr>
-          <a:xfrm flipH="1">
-            <a:off x="4860032" y="4077072"/>
-            <a:ext cx="1008112" cy="0"/>
-          </a:xfrm>
-          <a:prstGeom prst="line">
-            <a:avLst/>
-          </a:prstGeom>
-          <a:ln>
-            <a:solidFill>
-              <a:srgbClr val="FF0000"/>
-            </a:solidFill>
-          </a:ln>
-        </p:spPr>
-        <p:style>
-          <a:lnRef idx="3">
-            <a:schemeClr val="accent6"/>
-          </a:lnRef>
-          <a:fillRef idx="0">
-            <a:schemeClr val="accent6"/>
-          </a:fillRef>
-          <a:effectRef idx="2">
-            <a:schemeClr val="accent6"/>
-          </a:effectRef>
-          <a:fontRef idx="minor">
-            <a:schemeClr val="tx1"/>
-          </a:fontRef>
-        </p:style>
-      </p:cxnSp>
-      <p:cxnSp>
-        <p:nvCxnSpPr>
-          <p:cNvPr id="10" name="Straight Connector 9"/>
-          <p:cNvCxnSpPr/>
-          <p:nvPr/>
-        </p:nvCxnSpPr>
-        <p:spPr>
-          <a:xfrm flipV="1">
-            <a:off x="4860032" y="2852936"/>
-            <a:ext cx="0" cy="1224136"/>
-          </a:xfrm>
-          <a:prstGeom prst="line">
-            <a:avLst/>
-          </a:prstGeom>
-          <a:ln>
-            <a:solidFill>
-              <a:srgbClr val="FF0000"/>
-            </a:solidFill>
-          </a:ln>
-        </p:spPr>
-        <p:style>
-          <a:lnRef idx="3">
-            <a:schemeClr val="accent6"/>
-          </a:lnRef>
-          <a:fillRef idx="0">
-            <a:schemeClr val="accent6"/>
-          </a:fillRef>
-          <a:effectRef idx="2">
-            <a:schemeClr val="accent6"/>
-          </a:effectRef>
-          <a:fontRef idx="minor">
-            <a:schemeClr val="tx1"/>
-          </a:fontRef>
-        </p:style>
-      </p:cxnSp>
-      <p:cxnSp>
-        <p:nvCxnSpPr>
-          <p:cNvPr id="13" name="Straight Connector 12"/>
-          <p:cNvCxnSpPr/>
-          <p:nvPr/>
-        </p:nvCxnSpPr>
-        <p:spPr>
-          <a:xfrm flipH="1">
-            <a:off x="3275856" y="2780928"/>
-            <a:ext cx="3960440" cy="0"/>
-          </a:xfrm>
-          <a:prstGeom prst="line">
-            <a:avLst/>
-          </a:prstGeom>
-          <a:ln>
-            <a:solidFill>
-              <a:srgbClr val="FFC000"/>
-            </a:solidFill>
-          </a:ln>
-        </p:spPr>
-        <p:style>
-          <a:lnRef idx="3">
-            <a:schemeClr val="accent6"/>
-          </a:lnRef>
-          <a:fillRef idx="0">
-            <a:schemeClr val="accent6"/>
-          </a:fillRef>
-          <a:effectRef idx="2">
-            <a:schemeClr val="accent6"/>
-          </a:effectRef>
-          <a:fontRef idx="minor">
-            <a:schemeClr val="tx1"/>
-          </a:fontRef>
-        </p:style>
-      </p:cxnSp>
-      <p:cxnSp>
-        <p:nvCxnSpPr>
-          <p:cNvPr id="14" name="Straight Connector 13"/>
-          <p:cNvCxnSpPr/>
-          <p:nvPr/>
-        </p:nvCxnSpPr>
-        <p:spPr>
-          <a:xfrm flipH="1">
-            <a:off x="3275856" y="4797152"/>
-            <a:ext cx="2592288" cy="0"/>
-          </a:xfrm>
-          <a:prstGeom prst="line">
-            <a:avLst/>
-          </a:prstGeom>
-          <a:ln>
-            <a:solidFill>
-              <a:srgbClr val="FFC000"/>
-            </a:solidFill>
-          </a:ln>
-        </p:spPr>
-        <p:style>
-          <a:lnRef idx="3">
-            <a:schemeClr val="accent6"/>
-          </a:lnRef>
-          <a:fillRef idx="0">
-            <a:schemeClr val="accent6"/>
-          </a:fillRef>
-          <a:effectRef idx="2">
-            <a:schemeClr val="accent6"/>
-          </a:effectRef>
-          <a:fontRef idx="minor">
-            <a:schemeClr val="tx1"/>
-          </a:fontRef>
-        </p:style>
-      </p:cxnSp>
-      <p:cxnSp>
-        <p:nvCxnSpPr>
-          <p:cNvPr id="15" name="Straight Connector 14"/>
-          <p:cNvCxnSpPr/>
-          <p:nvPr/>
-        </p:nvCxnSpPr>
-        <p:spPr>
-          <a:xfrm flipV="1">
-            <a:off x="3275856" y="2780928"/>
-            <a:ext cx="0" cy="2016224"/>
-          </a:xfrm>
-          <a:prstGeom prst="line">
-            <a:avLst/>
-          </a:prstGeom>
-          <a:ln>
-            <a:solidFill>
-              <a:srgbClr val="FFC000"/>
-            </a:solidFill>
-          </a:ln>
-        </p:spPr>
-        <p:style>
-          <a:lnRef idx="3">
-            <a:schemeClr val="accent6"/>
-          </a:lnRef>
-          <a:fillRef idx="0">
-            <a:schemeClr val="accent6"/>
-          </a:fillRef>
-          <a:effectRef idx="2">
-            <a:schemeClr val="accent6"/>
-          </a:effectRef>
-          <a:fontRef idx="minor">
-            <a:schemeClr val="tx1"/>
-          </a:fontRef>
-        </p:style>
-      </p:cxnSp>
-      <p:cxnSp>
-        <p:nvCxnSpPr>
-          <p:cNvPr id="19" name="Straight Connector 18"/>
-          <p:cNvCxnSpPr/>
-          <p:nvPr/>
-        </p:nvCxnSpPr>
-        <p:spPr>
-          <a:xfrm flipH="1">
-            <a:off x="1619672" y="2708920"/>
-            <a:ext cx="5256584" cy="0"/>
-          </a:xfrm>
-          <a:prstGeom prst="line">
-            <a:avLst/>
-          </a:prstGeom>
-          <a:ln>
-            <a:solidFill>
-              <a:schemeClr val="accent5">
-                <a:lumMod val="75000"/>
-              </a:schemeClr>
-            </a:solidFill>
-          </a:ln>
-        </p:spPr>
-        <p:style>
-          <a:lnRef idx="3">
-            <a:schemeClr val="accent6"/>
-          </a:lnRef>
-          <a:fillRef idx="0">
-            <a:schemeClr val="accent6"/>
-          </a:fillRef>
-          <a:effectRef idx="2">
-            <a:schemeClr val="accent6"/>
-          </a:effectRef>
-          <a:fontRef idx="minor">
-            <a:schemeClr val="tx1"/>
-          </a:fontRef>
-        </p:style>
-      </p:cxnSp>
-      <p:cxnSp>
-        <p:nvCxnSpPr>
-          <p:cNvPr id="20" name="Straight Connector 19"/>
-          <p:cNvCxnSpPr/>
-          <p:nvPr/>
-        </p:nvCxnSpPr>
-        <p:spPr>
-          <a:xfrm flipH="1">
-            <a:off x="1619672" y="5517232"/>
-            <a:ext cx="4248472" cy="0"/>
-          </a:xfrm>
-          <a:prstGeom prst="line">
-            <a:avLst/>
-          </a:prstGeom>
-          <a:ln>
-            <a:solidFill>
-              <a:schemeClr val="accent5">
-                <a:lumMod val="75000"/>
-              </a:schemeClr>
-            </a:solidFill>
-          </a:ln>
-        </p:spPr>
-        <p:style>
-          <a:lnRef idx="3">
-            <a:schemeClr val="accent6"/>
-          </a:lnRef>
-          <a:fillRef idx="0">
-            <a:schemeClr val="accent6"/>
-          </a:fillRef>
-          <a:effectRef idx="2">
-            <a:schemeClr val="accent6"/>
-          </a:effectRef>
-          <a:fontRef idx="minor">
-            <a:schemeClr val="tx1"/>
-          </a:fontRef>
-        </p:style>
-      </p:cxnSp>
-      <p:cxnSp>
-        <p:nvCxnSpPr>
-          <p:cNvPr id="21" name="Straight Connector 20"/>
-          <p:cNvCxnSpPr/>
-          <p:nvPr/>
-        </p:nvCxnSpPr>
-        <p:spPr>
-          <a:xfrm flipV="1">
-            <a:off x="1619672" y="2708920"/>
-            <a:ext cx="0" cy="2808312"/>
-          </a:xfrm>
-          <a:prstGeom prst="line">
-            <a:avLst/>
-          </a:prstGeom>
-          <a:ln>
-            <a:solidFill>
-              <a:schemeClr val="accent5">
-                <a:lumMod val="75000"/>
-              </a:schemeClr>
-            </a:solidFill>
-          </a:ln>
-        </p:spPr>
-        <p:style>
-          <a:lnRef idx="3">
-            <a:schemeClr val="accent6"/>
-          </a:lnRef>
-          <a:fillRef idx="0">
-            <a:schemeClr val="accent6"/>
-          </a:fillRef>
-          <a:effectRef idx="2">
-            <a:schemeClr val="accent6"/>
-          </a:effectRef>
-          <a:fontRef idx="minor">
-            <a:schemeClr val="tx1"/>
-          </a:fontRef>
-        </p:style>
-      </p:cxnSp>
-      <p:sp>
-        <p:nvSpPr>
-          <p:cNvPr id="27" name="TextBox 26"/>
-          <p:cNvSpPr txBox="1"/>
-          <p:nvPr/>
-        </p:nvSpPr>
-        <p:spPr>
-          <a:xfrm>
-            <a:off x="3707904" y="2996952"/>
-            <a:ext cx="1224136" cy="923330"/>
-          </a:xfrm>
-          <a:prstGeom prst="rect">
-            <a:avLst/>
-          </a:prstGeom>
-          <a:noFill/>
-        </p:spPr>
-        <p:txBody>
-          <a:bodyPr wrap="square" rtlCol="0">
-            <a:spAutoFit/>
-          </a:bodyPr>
-          <a:lstStyle/>
-          <a:p>
-            <a:r>
-              <a:rPr lang="en-NZ" dirty="0" smtClean="0">
-                <a:solidFill>
-                  <a:srgbClr val="FF0000"/>
-                </a:solidFill>
-              </a:rPr>
-              <a:t>Currently Available Solution</a:t>
-            </a:r>
-            <a:endParaRPr lang="en-NZ" dirty="0">
-              <a:solidFill>
-                <a:srgbClr val="FF0000"/>
-              </a:solidFill>
-            </a:endParaRPr>
-          </a:p>
-        </p:txBody>
-      </p:sp>
-      <p:sp>
-        <p:nvSpPr>
-          <p:cNvPr id="33" name="TextBox 32"/>
-          <p:cNvSpPr txBox="1"/>
-          <p:nvPr/>
-        </p:nvSpPr>
-        <p:spPr>
-          <a:xfrm>
-            <a:off x="1979712" y="2996952"/>
-            <a:ext cx="1224136" cy="1200329"/>
-          </a:xfrm>
-          <a:prstGeom prst="rect">
-            <a:avLst/>
-          </a:prstGeom>
-          <a:noFill/>
-        </p:spPr>
-        <p:txBody>
-          <a:bodyPr wrap="square" rtlCol="0">
-            <a:spAutoFit/>
-          </a:bodyPr>
-          <a:lstStyle/>
-          <a:p>
-            <a:r>
-              <a:rPr lang="en-NZ" dirty="0" smtClean="0">
-                <a:solidFill>
-                  <a:srgbClr val="FFC000"/>
-                </a:solidFill>
-              </a:rPr>
-              <a:t>Project up till this point in time</a:t>
-            </a:r>
-            <a:endParaRPr lang="en-NZ" dirty="0">
-              <a:solidFill>
-                <a:srgbClr val="FFC000"/>
-              </a:solidFill>
-            </a:endParaRPr>
-          </a:p>
-        </p:txBody>
-      </p:sp>
-      <p:sp>
-        <p:nvSpPr>
-          <p:cNvPr id="34" name="TextBox 33"/>
-          <p:cNvSpPr txBox="1"/>
-          <p:nvPr/>
-        </p:nvSpPr>
-        <p:spPr>
-          <a:xfrm>
-            <a:off x="323528" y="2996952"/>
-            <a:ext cx="1224136" cy="646331"/>
-          </a:xfrm>
-          <a:prstGeom prst="rect">
-            <a:avLst/>
-          </a:prstGeom>
-          <a:noFill/>
-        </p:spPr>
-        <p:txBody>
-          <a:bodyPr wrap="square" rtlCol="0">
-            <a:spAutoFit/>
-          </a:bodyPr>
-          <a:lstStyle/>
-          <a:p>
-            <a:r>
-              <a:rPr lang="en-NZ" dirty="0" smtClean="0">
-                <a:solidFill>
-                  <a:schemeClr val="accent5">
-                    <a:lumMod val="75000"/>
-                  </a:schemeClr>
-                </a:solidFill>
-              </a:rPr>
-              <a:t>End Result</a:t>
-            </a:r>
-            <a:endParaRPr lang="en-NZ" dirty="0">
-              <a:solidFill>
-                <a:schemeClr val="accent5">
-                  <a:lumMod val="75000"/>
-                </a:schemeClr>
-              </a:solidFill>
-            </a:endParaRPr>
+              <a:t>Athlete Carding Program in NZ</a:t>
+            </a:r>
           </a:p>
         </p:txBody>
       </p:sp>
@@ -4505,15 +6202,15 @@
           <p:nvPr/>
         </p:nvPicPr>
         <p:blipFill>
-          <a:blip r:embed="rId2" cstate="print"/>
+          <a:blip r:embed="rId3" cstate="print"/>
           <a:stretch>
             <a:fillRect/>
           </a:stretch>
         </p:blipFill>
         <p:spPr bwMode="auto">
           <a:xfrm>
-            <a:off x="5868144" y="116632"/>
-            <a:ext cx="2976786" cy="1980993"/>
+            <a:off x="5652120" y="1556792"/>
+            <a:ext cx="2016224" cy="1341758"/>
           </a:xfrm>
           <a:prstGeom prst="rect">
             <a:avLst/>
@@ -4527,34 +6224,6 @@
       <p:pic>
         <p:nvPicPr>
           <p:cNvPr id="1028" name="Picture 4" descr="http://baysandbridgeschallenge.co.nz/images/new_balance_logo.jpg"/>
-          <p:cNvPicPr>
-            <a:picLocks noChangeAspect="1" noChangeArrowheads="1"/>
-          </p:cNvPicPr>
-          <p:nvPr/>
-        </p:nvPicPr>
-        <p:blipFill>
-          <a:blip r:embed="rId3" cstate="print"/>
-          <a:stretch>
-            <a:fillRect/>
-          </a:stretch>
-        </p:blipFill>
-        <p:spPr bwMode="auto">
-          <a:xfrm>
-            <a:off x="5868144" y="2636912"/>
-            <a:ext cx="2188464" cy="1033272"/>
-          </a:xfrm>
-          <a:prstGeom prst="rect">
-            <a:avLst/>
-          </a:prstGeom>
-          <a:noFill/>
-          <a:ln>
-            <a:noFill/>
-          </a:ln>
-        </p:spPr>
-      </p:pic>
-      <p:pic>
-        <p:nvPicPr>
-          <p:cNvPr id="1030" name="Picture 6" descr="http://www.mizunorunningshoes.net/images/Mizuno-Running-Shoes4.jpg"/>
           <p:cNvPicPr>
             <a:picLocks noChangeAspect="1" noChangeArrowheads="1"/>
           </p:cNvPicPr>
@@ -4568,8 +6237,8 @@
         </p:blipFill>
         <p:spPr bwMode="auto">
           <a:xfrm>
-            <a:off x="7020272" y="5373216"/>
-            <a:ext cx="1739423" cy="1027841"/>
+            <a:off x="6516216" y="3068960"/>
+            <a:ext cx="1944216" cy="917952"/>
           </a:xfrm>
           <a:prstGeom prst="rect">
             <a:avLst/>
@@ -4582,7 +6251,7 @@
       </p:pic>
       <p:pic>
         <p:nvPicPr>
-          <p:cNvPr id="1032" name="Picture 8" descr="http://brandirectory.com/images/profile/logo/nike_swoosh_big.jpg"/>
+          <p:cNvPr id="1030" name="Picture 6" descr="http://www.mizunorunningshoes.net/images/Mizuno-Running-Shoes4.jpg"/>
           <p:cNvPicPr>
             <a:picLocks noChangeAspect="1" noChangeArrowheads="1"/>
           </p:cNvPicPr>
@@ -4596,8 +6265,8 @@
         </p:blipFill>
         <p:spPr bwMode="auto">
           <a:xfrm>
-            <a:off x="611560" y="400508"/>
-            <a:ext cx="2725069" cy="1283909"/>
+            <a:off x="6732240" y="5373216"/>
+            <a:ext cx="1739423" cy="1027841"/>
           </a:xfrm>
           <a:prstGeom prst="rect">
             <a:avLst/>
@@ -4610,7 +6279,7 @@
       </p:pic>
       <p:pic>
         <p:nvPicPr>
-          <p:cNvPr id="1034" name="Picture 10" descr="http://logodesignpictures.com/wp-content/uploads/2012/07/03/Powerade-Logo.jpg"/>
+          <p:cNvPr id="1032" name="Picture 8" descr="http://brandirectory.com/images/profile/logo/nike_swoosh_big.jpg"/>
           <p:cNvPicPr>
             <a:picLocks noChangeAspect="1" noChangeArrowheads="1"/>
           </p:cNvPicPr>
@@ -4624,8 +6293,8 @@
         </p:blipFill>
         <p:spPr bwMode="auto">
           <a:xfrm>
-            <a:off x="6588224" y="4077072"/>
-            <a:ext cx="1377696" cy="1008888"/>
+            <a:off x="1043608" y="1700808"/>
+            <a:ext cx="1428925" cy="673234"/>
           </a:xfrm>
           <a:prstGeom prst="rect">
             <a:avLst/>
@@ -4638,7 +6307,7 @@
       </p:pic>
       <p:pic>
         <p:nvPicPr>
-          <p:cNvPr id="1036" name="Picture 12" descr="http://upload.wikimedia.org/wikipedia/en/thumb/9/9b/Gatorade_logo.svg/220px-Gatorade_logo.svg.png"/>
+          <p:cNvPr id="1034" name="Picture 10" descr="http://logodesignpictures.com/wp-content/uploads/2012/07/03/Powerade-Logo.jpg"/>
           <p:cNvPicPr>
             <a:picLocks noChangeAspect="1" noChangeArrowheads="1"/>
           </p:cNvPicPr>
@@ -4652,8 +6321,8 @@
         </p:blipFill>
         <p:spPr bwMode="auto">
           <a:xfrm>
-            <a:off x="395536" y="2204864"/>
-            <a:ext cx="2023492" cy="1526817"/>
+            <a:off x="6012160" y="4149080"/>
+            <a:ext cx="1377696" cy="1008888"/>
           </a:xfrm>
           <a:prstGeom prst="rect">
             <a:avLst/>
@@ -4666,7 +6335,7 @@
       </p:pic>
       <p:pic>
         <p:nvPicPr>
-          <p:cNvPr id="1038" name="Picture 14" descr="http://www.roanokestar.com/imgs/home/puma%20logo.gif"/>
+          <p:cNvPr id="1036" name="Picture 12" descr="http://upload.wikimedia.org/wikipedia/en/thumb/9/9b/Gatorade_logo.svg/220px-Gatorade_logo.svg.png"/>
           <p:cNvPicPr>
             <a:picLocks noChangeAspect="1" noChangeArrowheads="1"/>
           </p:cNvPicPr>
@@ -4680,8 +6349,36 @@
         </p:blipFill>
         <p:spPr bwMode="auto">
           <a:xfrm>
-            <a:off x="395536" y="3789040"/>
-            <a:ext cx="2818404" cy="1504496"/>
+            <a:off x="1063562" y="2708920"/>
+            <a:ext cx="1355466" cy="1022761"/>
+          </a:xfrm>
+          <a:prstGeom prst="rect">
+            <a:avLst/>
+          </a:prstGeom>
+          <a:noFill/>
+          <a:ln>
+            <a:noFill/>
+          </a:ln>
+        </p:spPr>
+      </p:pic>
+      <p:pic>
+        <p:nvPicPr>
+          <p:cNvPr id="1038" name="Picture 14" descr="http://www.roanokestar.com/imgs/home/puma%20logo.gif"/>
+          <p:cNvPicPr>
+            <a:picLocks noChangeAspect="1" noChangeArrowheads="1"/>
+          </p:cNvPicPr>
+          <p:nvPr/>
+        </p:nvPicPr>
+        <p:blipFill>
+          <a:blip r:embed="rId9" cstate="print"/>
+          <a:stretch>
+            <a:fillRect/>
+          </a:stretch>
+        </p:blipFill>
+        <p:spPr bwMode="auto">
+          <a:xfrm>
+            <a:off x="1043608" y="4134988"/>
+            <a:ext cx="2170332" cy="1158548"/>
           </a:xfrm>
           <a:prstGeom prst="rect">
             <a:avLst/>
@@ -4701,7 +6398,7 @@
           <p:nvPr/>
         </p:nvPicPr>
         <p:blipFill>
-          <a:blip r:embed="rId9" cstate="print"/>
+          <a:blip r:embed="rId10" cstate="print"/>
           <a:srcRect/>
           <a:stretch>
             <a:fillRect/>
@@ -4709,7 +6406,7 @@
         </p:blipFill>
         <p:spPr bwMode="auto">
           <a:xfrm>
-            <a:off x="3923928" y="548680"/>
+            <a:off x="683568" y="5445224"/>
             <a:ext cx="1474044" cy="1080120"/>
           </a:xfrm>
           <a:prstGeom prst="rect">
@@ -4726,7 +6423,7 @@
         </p:nvGrpSpPr>
         <p:grpSpPr>
           <a:xfrm>
-            <a:off x="2411760" y="5517232"/>
+            <a:off x="2771800" y="5373216"/>
             <a:ext cx="3816424" cy="1162050"/>
             <a:chOff x="6732240" y="3933056"/>
             <a:chExt cx="3816424" cy="1162050"/>
@@ -4787,7 +6484,7 @@
             <p:nvPr/>
           </p:nvPicPr>
           <p:blipFill>
-            <a:blip r:embed="rId10" cstate="print"/>
+            <a:blip r:embed="rId11" cstate="print"/>
             <a:stretch>
               <a:fillRect/>
             </a:stretch>
@@ -4816,7 +6513,7 @@
           <p:nvPr/>
         </p:nvPicPr>
         <p:blipFill>
-          <a:blip r:embed="rId11" cstate="print"/>
+          <a:blip r:embed="rId12" cstate="print"/>
           <a:srcRect/>
           <a:stretch>
             <a:fillRect/>
@@ -4824,8 +6521,8 @@
         </p:blipFill>
         <p:spPr bwMode="auto">
           <a:xfrm>
-            <a:off x="3635896" y="3501008"/>
-            <a:ext cx="2088232" cy="1915301"/>
+            <a:off x="3923928" y="3573016"/>
+            <a:ext cx="1695684" cy="1555261"/>
           </a:xfrm>
           <a:prstGeom prst="rect">
             <a:avLst/>
@@ -4841,8 +6538,8 @@
         </p:nvGrpSpPr>
         <p:grpSpPr>
           <a:xfrm>
-            <a:off x="2915816" y="1772816"/>
-            <a:ext cx="2329962" cy="1584176"/>
+            <a:off x="3161530" y="1916832"/>
+            <a:ext cx="2012240" cy="1368152"/>
             <a:chOff x="-2329962" y="2060848"/>
             <a:chExt cx="2329962" cy="1584176"/>
           </a:xfrm>
@@ -4902,7 +6599,7 @@
             <p:nvPr/>
           </p:nvPicPr>
           <p:blipFill>
-            <a:blip r:embed="rId12" cstate="print"/>
+            <a:blip r:embed="rId13" cstate="print"/>
             <a:srcRect/>
             <a:stretch>
               <a:fillRect/>
@@ -4920,6 +6617,34 @@
           </p:spPr>
         </p:pic>
       </p:grpSp>
+      <p:sp>
+        <p:nvSpPr>
+          <p:cNvPr id="18" name="Title 1"/>
+          <p:cNvSpPr>
+            <a:spLocks noGrp="1"/>
+          </p:cNvSpPr>
+          <p:nvPr>
+            <p:ph type="title"/>
+          </p:nvPr>
+        </p:nvSpPr>
+        <p:spPr>
+          <a:xfrm>
+            <a:off x="457200" y="253536"/>
+            <a:ext cx="8229600" cy="1143000"/>
+          </a:xfrm>
+        </p:spPr>
+        <p:txBody>
+          <a:bodyPr/>
+          <a:lstStyle/>
+          <a:p>
+            <a:r>
+              <a:rPr lang="en-NZ" dirty="0" smtClean="0"/>
+              <a:t>Committees and Sponsors</a:t>
+            </a:r>
+            <a:endParaRPr lang="en-NZ" dirty="0"/>
+          </a:p>
+        </p:txBody>
+      </p:sp>
     </p:spTree>
   </p:cSld>
   <p:clrMapOvr>
@@ -4957,48 +6682,115 @@
         </p:nvSpPr>
         <p:spPr/>
         <p:txBody>
+          <a:bodyPr>
+            <a:normAutofit fontScale="90000"/>
+          </a:bodyPr>
+          <a:lstStyle/>
+          <a:p>
+            <a:r>
+              <a:rPr lang="en-NZ" dirty="0" smtClean="0"/>
+              <a:t>Athlete Carding Program in </a:t>
+            </a:r>
+            <a:r>
+              <a:rPr lang="en-NZ" dirty="0" smtClean="0"/>
+              <a:t>NZ</a:t>
+            </a:r>
+            <a:endParaRPr lang="en-NZ" dirty="0"/>
+          </a:p>
+        </p:txBody>
+      </p:sp>
+      <p:sp>
+        <p:nvSpPr>
+          <p:cNvPr id="3" name="Content Placeholder 2"/>
+          <p:cNvSpPr>
+            <a:spLocks noGrp="1"/>
+          </p:cNvSpPr>
+          <p:nvPr>
+            <p:ph idx="1"/>
+          </p:nvPr>
+        </p:nvSpPr>
+        <p:spPr/>
+        <p:txBody>
           <a:bodyPr/>
           <a:lstStyle/>
           <a:p>
             <a:r>
               <a:rPr lang="en-NZ" dirty="0" smtClean="0"/>
-              <a:t>What I’ve done so far</a:t>
-            </a:r>
-            <a:endParaRPr lang="en-NZ" dirty="0"/>
-          </a:p>
-        </p:txBody>
-      </p:sp>
-      <p:sp>
-        <p:nvSpPr>
-          <p:cNvPr id="3" name="Content Placeholder 2"/>
-          <p:cNvSpPr>
-            <a:spLocks noGrp="1"/>
-          </p:cNvSpPr>
-          <p:nvPr>
-            <p:ph idx="1"/>
-          </p:nvPr>
-        </p:nvSpPr>
-        <p:spPr/>
-        <p:txBody>
-          <a:bodyPr/>
-          <a:lstStyle/>
-          <a:p>
+              <a:t>What is carding</a:t>
+            </a:r>
+          </a:p>
+          <a:p>
+            <a:pPr lvl="1"/>
             <a:r>
               <a:rPr lang="en-NZ" dirty="0" smtClean="0"/>
-              <a:t>Show a graph of Liz Lamb</a:t>
-            </a:r>
+              <a:t>Its a system set up to fund High Performing Sporting People in New Zealand.</a:t>
+            </a:r>
+          </a:p>
+          <a:p>
+            <a:pPr lvl="1">
+              <a:buNone/>
+            </a:pPr>
+            <a:endParaRPr lang="en-NZ" dirty="0" smtClean="0"/>
           </a:p>
           <a:p>
             <a:r>
               <a:rPr lang="en-NZ" dirty="0" smtClean="0"/>
-              <a:t>Data collected</a:t>
-            </a:r>
-          </a:p>
-          <a:p>
-            <a:endParaRPr lang="en-NZ" dirty="0"/>
-          </a:p>
-        </p:txBody>
-      </p:sp>
+              <a:t>Who gets carded</a:t>
+            </a:r>
+          </a:p>
+          <a:p>
+            <a:pPr lvl="1"/>
+            <a:r>
+              <a:rPr lang="en-NZ" dirty="0" smtClean="0"/>
+              <a:t>People who fall into one of</a:t>
+            </a:r>
+          </a:p>
+          <a:p>
+            <a:pPr lvl="1">
+              <a:buNone/>
+            </a:pPr>
+            <a:r>
+              <a:rPr lang="en-NZ" dirty="0" smtClean="0"/>
+              <a:t>these 4 categories.</a:t>
+            </a:r>
+          </a:p>
+          <a:p>
+            <a:endParaRPr lang="en-NZ" dirty="0" smtClean="0"/>
+          </a:p>
+        </p:txBody>
+      </p:sp>
+      <p:pic>
+        <p:nvPicPr>
+          <p:cNvPr id="1027" name="Picture 3"/>
+          <p:cNvPicPr>
+            <a:picLocks noChangeAspect="1" noChangeArrowheads="1"/>
+          </p:cNvPicPr>
+          <p:nvPr/>
+        </p:nvPicPr>
+        <p:blipFill>
+          <a:blip r:embed="rId3" cstate="print"/>
+          <a:srcRect r="58001"/>
+          <a:stretch>
+            <a:fillRect/>
+          </a:stretch>
+        </p:blipFill>
+        <p:spPr bwMode="auto">
+          <a:xfrm>
+            <a:off x="5364088" y="3140968"/>
+            <a:ext cx="3324966" cy="3312368"/>
+          </a:xfrm>
+          <a:prstGeom prst="rect">
+            <a:avLst/>
+          </a:prstGeom>
+          <a:noFill/>
+          <a:ln w="9525">
+            <a:noFill/>
+            <a:miter lim="800000"/>
+            <a:headEnd/>
+            <a:tailEnd/>
+          </a:ln>
+        </p:spPr>
+      </p:pic>
     </p:spTree>
   </p:cSld>
   <p:clrMapOvr>
@@ -5036,35 +6828,522 @@
         </p:nvSpPr>
         <p:spPr/>
         <p:txBody>
-          <a:bodyPr>
-            <a:normAutofit/>
+          <a:bodyPr/>
+          <a:lstStyle/>
+          <a:p>
+            <a:r>
+              <a:rPr lang="en-NZ" dirty="0" smtClean="0"/>
+              <a:t>Project Progression</a:t>
+            </a:r>
+            <a:endParaRPr lang="en-NZ" dirty="0"/>
+          </a:p>
+        </p:txBody>
+      </p:sp>
+      <p:sp>
+        <p:nvSpPr>
+          <p:cNvPr id="4" name="TextBox 3"/>
+          <p:cNvSpPr txBox="1"/>
+          <p:nvPr/>
+        </p:nvSpPr>
+        <p:spPr>
+          <a:xfrm>
+            <a:off x="6012160" y="2276872"/>
+            <a:ext cx="2088232" cy="3693319"/>
+          </a:xfrm>
+          <a:prstGeom prst="rect">
+            <a:avLst/>
+          </a:prstGeom>
+          <a:noFill/>
+        </p:spPr>
+        <p:txBody>
+          <a:bodyPr wrap="square" rtlCol="0">
+            <a:spAutoFit/>
           </a:bodyPr>
           <a:lstStyle/>
           <a:p>
             <a:r>
+              <a:rPr lang="en-NZ" u="sng" dirty="0" smtClean="0"/>
+              <a:t>Athletic Level</a:t>
+            </a:r>
+            <a:br>
+              <a:rPr lang="en-NZ" u="sng" dirty="0" smtClean="0"/>
+            </a:br>
+            <a:endParaRPr lang="en-NZ" u="sng" dirty="0" smtClean="0"/>
+          </a:p>
+          <a:p>
+            <a:r>
               <a:rPr lang="en-NZ" dirty="0" smtClean="0"/>
-              <a:t>Demo</a:t>
-            </a:r>
+              <a:t>High Performance / International</a:t>
+            </a:r>
+          </a:p>
+          <a:p>
             <a:endParaRPr lang="en-NZ" dirty="0"/>
           </a:p>
-        </p:txBody>
-      </p:sp>
-      <p:sp>
-        <p:nvSpPr>
-          <p:cNvPr id="3" name="Content Placeholder 2"/>
-          <p:cNvSpPr>
-            <a:spLocks noGrp="1"/>
-          </p:cNvSpPr>
-          <p:nvPr>
-            <p:ph idx="1"/>
-          </p:nvPr>
-        </p:nvSpPr>
-        <p:spPr/>
-        <p:txBody>
-          <a:bodyPr/>
+          <a:p>
+            <a:r>
+              <a:rPr lang="en-NZ" dirty="0" smtClean="0"/>
+              <a:t>National</a:t>
+            </a:r>
+          </a:p>
+          <a:p>
+            <a:endParaRPr lang="en-NZ" dirty="0"/>
+          </a:p>
+          <a:p>
+            <a:r>
+              <a:rPr lang="en-NZ" dirty="0" smtClean="0"/>
+              <a:t>Youth National / Regional</a:t>
+            </a:r>
+          </a:p>
+          <a:p>
+            <a:endParaRPr lang="en-NZ" dirty="0"/>
+          </a:p>
+          <a:p>
+            <a:r>
+              <a:rPr lang="en-NZ" dirty="0" smtClean="0"/>
+              <a:t>School</a:t>
+            </a:r>
+          </a:p>
+          <a:p>
+            <a:endParaRPr lang="en-NZ" dirty="0"/>
+          </a:p>
+        </p:txBody>
+      </p:sp>
+      <p:cxnSp>
+        <p:nvCxnSpPr>
+          <p:cNvPr id="7" name="Straight Connector 6"/>
+          <p:cNvCxnSpPr/>
+          <p:nvPr/>
+        </p:nvCxnSpPr>
+        <p:spPr>
+          <a:xfrm flipH="1">
+            <a:off x="4860032" y="2852936"/>
+            <a:ext cx="2736304" cy="0"/>
+          </a:xfrm>
+          <a:prstGeom prst="line">
+            <a:avLst/>
+          </a:prstGeom>
+          <a:ln>
+            <a:solidFill>
+              <a:srgbClr val="FF0000"/>
+            </a:solidFill>
+          </a:ln>
+        </p:spPr>
+        <p:style>
+          <a:lnRef idx="3">
+            <a:schemeClr val="accent6"/>
+          </a:lnRef>
+          <a:fillRef idx="0">
+            <a:schemeClr val="accent6"/>
+          </a:fillRef>
+          <a:effectRef idx="2">
+            <a:schemeClr val="accent6"/>
+          </a:effectRef>
+          <a:fontRef idx="minor">
+            <a:schemeClr val="tx1"/>
+          </a:fontRef>
+        </p:style>
+      </p:cxnSp>
+      <p:cxnSp>
+        <p:nvCxnSpPr>
+          <p:cNvPr id="8" name="Straight Connector 7"/>
+          <p:cNvCxnSpPr/>
+          <p:nvPr/>
+        </p:nvCxnSpPr>
+        <p:spPr>
+          <a:xfrm flipH="1">
+            <a:off x="4860032" y="3861048"/>
+            <a:ext cx="2736304" cy="0"/>
+          </a:xfrm>
+          <a:prstGeom prst="line">
+            <a:avLst/>
+          </a:prstGeom>
+          <a:ln>
+            <a:solidFill>
+              <a:srgbClr val="FF0000"/>
+            </a:solidFill>
+          </a:ln>
+        </p:spPr>
+        <p:style>
+          <a:lnRef idx="3">
+            <a:schemeClr val="accent6"/>
+          </a:lnRef>
+          <a:fillRef idx="0">
+            <a:schemeClr val="accent6"/>
+          </a:fillRef>
+          <a:effectRef idx="2">
+            <a:schemeClr val="accent6"/>
+          </a:effectRef>
+          <a:fontRef idx="minor">
+            <a:schemeClr val="tx1"/>
+          </a:fontRef>
+        </p:style>
+      </p:cxnSp>
+      <p:cxnSp>
+        <p:nvCxnSpPr>
+          <p:cNvPr id="10" name="Straight Connector 9"/>
+          <p:cNvCxnSpPr/>
+          <p:nvPr/>
+        </p:nvCxnSpPr>
+        <p:spPr>
+          <a:xfrm flipV="1">
+            <a:off x="4860032" y="2852936"/>
+            <a:ext cx="0" cy="1008112"/>
+          </a:xfrm>
+          <a:prstGeom prst="line">
+            <a:avLst/>
+          </a:prstGeom>
+          <a:ln>
+            <a:solidFill>
+              <a:srgbClr val="FF0000"/>
+            </a:solidFill>
+          </a:ln>
+        </p:spPr>
+        <p:style>
+          <a:lnRef idx="3">
+            <a:schemeClr val="accent6"/>
+          </a:lnRef>
+          <a:fillRef idx="0">
+            <a:schemeClr val="accent6"/>
+          </a:fillRef>
+          <a:effectRef idx="2">
+            <a:schemeClr val="accent6"/>
+          </a:effectRef>
+          <a:fontRef idx="minor">
+            <a:schemeClr val="tx1"/>
+          </a:fontRef>
+        </p:style>
+      </p:cxnSp>
+      <p:cxnSp>
+        <p:nvCxnSpPr>
+          <p:cNvPr id="13" name="Straight Connector 12"/>
+          <p:cNvCxnSpPr/>
+          <p:nvPr/>
+        </p:nvCxnSpPr>
+        <p:spPr>
+          <a:xfrm flipH="1">
+            <a:off x="3275856" y="2780928"/>
+            <a:ext cx="4320480" cy="0"/>
+          </a:xfrm>
+          <a:prstGeom prst="line">
+            <a:avLst/>
+          </a:prstGeom>
+          <a:ln>
+            <a:solidFill>
+              <a:srgbClr val="FFC000"/>
+            </a:solidFill>
+          </a:ln>
+        </p:spPr>
+        <p:style>
+          <a:lnRef idx="3">
+            <a:schemeClr val="accent6"/>
+          </a:lnRef>
+          <a:fillRef idx="0">
+            <a:schemeClr val="accent6"/>
+          </a:fillRef>
+          <a:effectRef idx="2">
+            <a:schemeClr val="accent6"/>
+          </a:effectRef>
+          <a:fontRef idx="minor">
+            <a:schemeClr val="tx1"/>
+          </a:fontRef>
+        </p:style>
+      </p:cxnSp>
+      <p:cxnSp>
+        <p:nvCxnSpPr>
+          <p:cNvPr id="14" name="Straight Connector 13"/>
+          <p:cNvCxnSpPr/>
+          <p:nvPr/>
+        </p:nvCxnSpPr>
+        <p:spPr>
+          <a:xfrm flipH="1">
+            <a:off x="3275856" y="4797152"/>
+            <a:ext cx="2736304" cy="0"/>
+          </a:xfrm>
+          <a:prstGeom prst="line">
+            <a:avLst/>
+          </a:prstGeom>
+          <a:ln>
+            <a:solidFill>
+              <a:srgbClr val="FFC000"/>
+            </a:solidFill>
+          </a:ln>
+        </p:spPr>
+        <p:style>
+          <a:lnRef idx="3">
+            <a:schemeClr val="accent6"/>
+          </a:lnRef>
+          <a:fillRef idx="0">
+            <a:schemeClr val="accent6"/>
+          </a:fillRef>
+          <a:effectRef idx="2">
+            <a:schemeClr val="accent6"/>
+          </a:effectRef>
+          <a:fontRef idx="minor">
+            <a:schemeClr val="tx1"/>
+          </a:fontRef>
+        </p:style>
+      </p:cxnSp>
+      <p:cxnSp>
+        <p:nvCxnSpPr>
+          <p:cNvPr id="15" name="Straight Connector 14"/>
+          <p:cNvCxnSpPr/>
+          <p:nvPr/>
+        </p:nvCxnSpPr>
+        <p:spPr>
+          <a:xfrm flipV="1">
+            <a:off x="3275856" y="2780928"/>
+            <a:ext cx="0" cy="2016224"/>
+          </a:xfrm>
+          <a:prstGeom prst="line">
+            <a:avLst/>
+          </a:prstGeom>
+          <a:ln>
+            <a:solidFill>
+              <a:srgbClr val="FFC000"/>
+            </a:solidFill>
+          </a:ln>
+        </p:spPr>
+        <p:style>
+          <a:lnRef idx="3">
+            <a:schemeClr val="accent6"/>
+          </a:lnRef>
+          <a:fillRef idx="0">
+            <a:schemeClr val="accent6"/>
+          </a:fillRef>
+          <a:effectRef idx="2">
+            <a:schemeClr val="accent6"/>
+          </a:effectRef>
+          <a:fontRef idx="minor">
+            <a:schemeClr val="tx1"/>
+          </a:fontRef>
+        </p:style>
+      </p:cxnSp>
+      <p:cxnSp>
+        <p:nvCxnSpPr>
+          <p:cNvPr id="19" name="Straight Connector 18"/>
+          <p:cNvCxnSpPr/>
+          <p:nvPr/>
+        </p:nvCxnSpPr>
+        <p:spPr>
+          <a:xfrm flipH="1">
+            <a:off x="1619672" y="2708920"/>
+            <a:ext cx="5976664" cy="0"/>
+          </a:xfrm>
+          <a:prstGeom prst="line">
+            <a:avLst/>
+          </a:prstGeom>
+          <a:ln>
+            <a:solidFill>
+              <a:schemeClr val="accent5">
+                <a:lumMod val="75000"/>
+              </a:schemeClr>
+            </a:solidFill>
+          </a:ln>
+        </p:spPr>
+        <p:style>
+          <a:lnRef idx="3">
+            <a:schemeClr val="accent6"/>
+          </a:lnRef>
+          <a:fillRef idx="0">
+            <a:schemeClr val="accent6"/>
+          </a:fillRef>
+          <a:effectRef idx="2">
+            <a:schemeClr val="accent6"/>
+          </a:effectRef>
+          <a:fontRef idx="minor">
+            <a:schemeClr val="tx1"/>
+          </a:fontRef>
+        </p:style>
+      </p:cxnSp>
+      <p:cxnSp>
+        <p:nvCxnSpPr>
+          <p:cNvPr id="20" name="Straight Connector 19"/>
+          <p:cNvCxnSpPr/>
+          <p:nvPr/>
+        </p:nvCxnSpPr>
+        <p:spPr>
+          <a:xfrm flipH="1">
+            <a:off x="1619672" y="5733256"/>
+            <a:ext cx="5904656" cy="0"/>
+          </a:xfrm>
+          <a:prstGeom prst="line">
+            <a:avLst/>
+          </a:prstGeom>
+          <a:ln>
+            <a:solidFill>
+              <a:schemeClr val="accent5">
+                <a:lumMod val="75000"/>
+              </a:schemeClr>
+            </a:solidFill>
+          </a:ln>
+        </p:spPr>
+        <p:style>
+          <a:lnRef idx="3">
+            <a:schemeClr val="accent6"/>
+          </a:lnRef>
+          <a:fillRef idx="0">
+            <a:schemeClr val="accent6"/>
+          </a:fillRef>
+          <a:effectRef idx="2">
+            <a:schemeClr val="accent6"/>
+          </a:effectRef>
+          <a:fontRef idx="minor">
+            <a:schemeClr val="tx1"/>
+          </a:fontRef>
+        </p:style>
+      </p:cxnSp>
+      <p:cxnSp>
+        <p:nvCxnSpPr>
+          <p:cNvPr id="21" name="Straight Connector 20"/>
+          <p:cNvCxnSpPr/>
+          <p:nvPr/>
+        </p:nvCxnSpPr>
+        <p:spPr>
+          <a:xfrm flipV="1">
+            <a:off x="1619672" y="2708920"/>
+            <a:ext cx="0" cy="3024336"/>
+          </a:xfrm>
+          <a:prstGeom prst="line">
+            <a:avLst/>
+          </a:prstGeom>
+          <a:ln>
+            <a:solidFill>
+              <a:schemeClr val="accent5">
+                <a:lumMod val="75000"/>
+              </a:schemeClr>
+            </a:solidFill>
+          </a:ln>
+        </p:spPr>
+        <p:style>
+          <a:lnRef idx="3">
+            <a:schemeClr val="accent6"/>
+          </a:lnRef>
+          <a:fillRef idx="0">
+            <a:schemeClr val="accent6"/>
+          </a:fillRef>
+          <a:effectRef idx="2">
+            <a:schemeClr val="accent6"/>
+          </a:effectRef>
+          <a:fontRef idx="minor">
+            <a:schemeClr val="tx1"/>
+          </a:fontRef>
+        </p:style>
+      </p:cxnSp>
+      <p:sp>
+        <p:nvSpPr>
+          <p:cNvPr id="27" name="TextBox 26"/>
+          <p:cNvSpPr txBox="1"/>
+          <p:nvPr/>
+        </p:nvSpPr>
+        <p:spPr>
+          <a:xfrm>
+            <a:off x="3633762" y="2996952"/>
+            <a:ext cx="1224136" cy="923330"/>
+          </a:xfrm>
+          <a:prstGeom prst="rect">
+            <a:avLst/>
+          </a:prstGeom>
+          <a:noFill/>
+        </p:spPr>
+        <p:txBody>
+          <a:bodyPr wrap="square" rtlCol="0">
+            <a:spAutoFit/>
+          </a:bodyPr>
           <a:lstStyle/>
           <a:p>
-            <a:endParaRPr lang="en-NZ"/>
+            <a:r>
+              <a:rPr lang="en-NZ" dirty="0" smtClean="0">
+                <a:solidFill>
+                  <a:srgbClr val="FF0000"/>
+                </a:solidFill>
+              </a:rPr>
+              <a:t>Currently Available Solution</a:t>
+            </a:r>
+            <a:endParaRPr lang="en-NZ" dirty="0">
+              <a:solidFill>
+                <a:srgbClr val="FF0000"/>
+              </a:solidFill>
+            </a:endParaRPr>
+          </a:p>
+        </p:txBody>
+      </p:sp>
+      <p:sp>
+        <p:nvSpPr>
+          <p:cNvPr id="33" name="TextBox 32"/>
+          <p:cNvSpPr txBox="1"/>
+          <p:nvPr/>
+        </p:nvSpPr>
+        <p:spPr>
+          <a:xfrm>
+            <a:off x="1979712" y="2996952"/>
+            <a:ext cx="1224136" cy="1200329"/>
+          </a:xfrm>
+          <a:prstGeom prst="rect">
+            <a:avLst/>
+          </a:prstGeom>
+          <a:noFill/>
+        </p:spPr>
+        <p:txBody>
+          <a:bodyPr wrap="square" rtlCol="0">
+            <a:spAutoFit/>
+          </a:bodyPr>
+          <a:lstStyle/>
+          <a:p>
+            <a:r>
+              <a:rPr lang="en-NZ" dirty="0" smtClean="0">
+                <a:solidFill>
+                  <a:srgbClr val="FFC000"/>
+                </a:solidFill>
+              </a:rPr>
+              <a:t>Project up till this point in time</a:t>
+            </a:r>
+            <a:endParaRPr lang="en-NZ" dirty="0">
+              <a:solidFill>
+                <a:srgbClr val="FFC000"/>
+              </a:solidFill>
+            </a:endParaRPr>
+          </a:p>
+        </p:txBody>
+      </p:sp>
+      <p:sp>
+        <p:nvSpPr>
+          <p:cNvPr id="34" name="TextBox 33"/>
+          <p:cNvSpPr txBox="1"/>
+          <p:nvPr/>
+        </p:nvSpPr>
+        <p:spPr>
+          <a:xfrm>
+            <a:off x="410027" y="2996952"/>
+            <a:ext cx="1224136" cy="646331"/>
+          </a:xfrm>
+          <a:prstGeom prst="rect">
+            <a:avLst/>
+          </a:prstGeom>
+          <a:noFill/>
+        </p:spPr>
+        <p:txBody>
+          <a:bodyPr wrap="square" rtlCol="0">
+            <a:spAutoFit/>
+          </a:bodyPr>
+          <a:lstStyle/>
+          <a:p>
+            <a:r>
+              <a:rPr lang="en-NZ" dirty="0" smtClean="0">
+                <a:solidFill>
+                  <a:schemeClr val="accent5">
+                    <a:lumMod val="75000"/>
+                  </a:schemeClr>
+                </a:solidFill>
+              </a:rPr>
+              <a:t>End Result</a:t>
+            </a:r>
+            <a:endParaRPr lang="en-NZ" dirty="0">
+              <a:solidFill>
+                <a:schemeClr val="accent5">
+                  <a:lumMod val="75000"/>
+                </a:schemeClr>
+              </a:solidFill>
+            </a:endParaRPr>
           </a:p>
         </p:txBody>
       </p:sp>
@@ -5110,7 +7389,7 @@
           <a:p>
             <a:r>
               <a:rPr lang="en-NZ" dirty="0" smtClean="0"/>
-              <a:t>What I plan to do</a:t>
+              <a:t>Athlete Carding Program</a:t>
             </a:r>
             <a:endParaRPr lang="en-NZ" dirty="0"/>
           </a:p>
@@ -5131,30 +7410,223 @@
           <a:bodyPr/>
           <a:lstStyle/>
           <a:p>
-            <a:r>
-              <a:rPr lang="en-NZ" dirty="0" smtClean="0"/>
-              <a:t>Show a graph of Liz Lamb with Funnel to demonstrate potential futures :D </a:t>
-            </a:r>
-            <a:br>
-              <a:rPr lang="en-NZ" dirty="0" smtClean="0"/>
-            </a:br>
-            <a:r>
-              <a:rPr lang="en-NZ" dirty="0" smtClean="0"/>
-              <a:t>(Error Structure)</a:t>
-            </a:r>
-          </a:p>
-          <a:p>
-            <a:r>
-              <a:rPr lang="en-NZ" dirty="0" smtClean="0"/>
-              <a:t>Data collection Automated.</a:t>
-            </a:r>
-          </a:p>
-          <a:p>
-            <a:r>
-              <a:rPr lang="en-NZ" dirty="0" smtClean="0"/>
-              <a:t>Dynamic Graph</a:t>
-            </a:r>
             <a:endParaRPr lang="en-NZ" dirty="0"/>
+          </a:p>
+        </p:txBody>
+      </p:sp>
+      <p:pic>
+        <p:nvPicPr>
+          <p:cNvPr id="2050" name="Picture 2"/>
+          <p:cNvPicPr>
+            <a:picLocks noChangeAspect="1" noChangeArrowheads="1"/>
+          </p:cNvPicPr>
+          <p:nvPr/>
+        </p:nvPicPr>
+        <p:blipFill>
+          <a:blip r:embed="rId3" cstate="print"/>
+          <a:srcRect/>
+          <a:stretch>
+            <a:fillRect/>
+          </a:stretch>
+        </p:blipFill>
+        <p:spPr bwMode="auto">
+          <a:xfrm>
+            <a:off x="251520" y="1628800"/>
+            <a:ext cx="8663353" cy="4481987"/>
+          </a:xfrm>
+          <a:prstGeom prst="rect">
+            <a:avLst/>
+          </a:prstGeom>
+          <a:noFill/>
+          <a:ln w="9525">
+            <a:noFill/>
+            <a:miter lim="800000"/>
+            <a:headEnd/>
+            <a:tailEnd/>
+          </a:ln>
+        </p:spPr>
+      </p:pic>
+      <p:sp>
+        <p:nvSpPr>
+          <p:cNvPr id="5" name="Left Arrow 4"/>
+          <p:cNvSpPr/>
+          <p:nvPr/>
+        </p:nvSpPr>
+        <p:spPr>
+          <a:xfrm>
+            <a:off x="6156176" y="4725144"/>
+            <a:ext cx="648072" cy="144016"/>
+          </a:xfrm>
+          <a:prstGeom prst="leftArrow">
+            <a:avLst/>
+          </a:prstGeom>
+          <a:solidFill>
+            <a:srgbClr val="0404B8"/>
+          </a:solidFill>
+          <a:ln>
+            <a:noFill/>
+          </a:ln>
+        </p:spPr>
+        <p:style>
+          <a:lnRef idx="2">
+            <a:schemeClr val="accent1">
+              <a:shade val="50000"/>
+            </a:schemeClr>
+          </a:lnRef>
+          <a:fillRef idx="1">
+            <a:schemeClr val="accent1"/>
+          </a:fillRef>
+          <a:effectRef idx="0">
+            <a:schemeClr val="accent1"/>
+          </a:effectRef>
+          <a:fontRef idx="minor">
+            <a:schemeClr val="lt1"/>
+          </a:fontRef>
+        </p:style>
+        <p:txBody>
+          <a:bodyPr rtlCol="0" anchor="ctr"/>
+          <a:lstStyle/>
+          <a:p>
+            <a:pPr algn="ctr"/>
+            <a:endParaRPr lang="en-NZ"/>
+          </a:p>
+        </p:txBody>
+      </p:sp>
+      <p:sp>
+        <p:nvSpPr>
+          <p:cNvPr id="6" name="Left Arrow 5"/>
+          <p:cNvSpPr/>
+          <p:nvPr/>
+        </p:nvSpPr>
+        <p:spPr>
+          <a:xfrm rot="10800000">
+            <a:off x="4355976" y="3573016"/>
+            <a:ext cx="648072" cy="144016"/>
+          </a:xfrm>
+          <a:prstGeom prst="leftArrow">
+            <a:avLst/>
+          </a:prstGeom>
+          <a:solidFill>
+            <a:srgbClr val="FF0000"/>
+          </a:solidFill>
+          <a:ln>
+            <a:noFill/>
+          </a:ln>
+        </p:spPr>
+        <p:style>
+          <a:lnRef idx="2">
+            <a:schemeClr val="accent1">
+              <a:shade val="50000"/>
+            </a:schemeClr>
+          </a:lnRef>
+          <a:fillRef idx="1">
+            <a:schemeClr val="accent1"/>
+          </a:fillRef>
+          <a:effectRef idx="0">
+            <a:schemeClr val="accent1"/>
+          </a:effectRef>
+          <a:fontRef idx="minor">
+            <a:schemeClr val="lt1"/>
+          </a:fontRef>
+        </p:style>
+        <p:txBody>
+          <a:bodyPr rtlCol="0" anchor="ctr"/>
+          <a:lstStyle/>
+          <a:p>
+            <a:pPr algn="ctr"/>
+            <a:endParaRPr lang="en-NZ"/>
+          </a:p>
+        </p:txBody>
+      </p:sp>
+      <p:sp>
+        <p:nvSpPr>
+          <p:cNvPr id="7" name="Left Arrow 6"/>
+          <p:cNvSpPr/>
+          <p:nvPr/>
+        </p:nvSpPr>
+        <p:spPr>
+          <a:xfrm rot="10800000">
+            <a:off x="4067944" y="3284984"/>
+            <a:ext cx="648072" cy="144016"/>
+          </a:xfrm>
+          <a:prstGeom prst="leftArrow">
+            <a:avLst/>
+          </a:prstGeom>
+          <a:solidFill>
+            <a:srgbClr val="FFC000"/>
+          </a:solidFill>
+          <a:ln>
+            <a:noFill/>
+          </a:ln>
+        </p:spPr>
+        <p:style>
+          <a:lnRef idx="2">
+            <a:schemeClr val="accent1">
+              <a:shade val="50000"/>
+            </a:schemeClr>
+          </a:lnRef>
+          <a:fillRef idx="1">
+            <a:schemeClr val="accent1"/>
+          </a:fillRef>
+          <a:effectRef idx="0">
+            <a:schemeClr val="accent1"/>
+          </a:effectRef>
+          <a:fontRef idx="minor">
+            <a:schemeClr val="lt1"/>
+          </a:fontRef>
+        </p:style>
+        <p:txBody>
+          <a:bodyPr rtlCol="0" anchor="ctr"/>
+          <a:lstStyle/>
+          <a:p>
+            <a:pPr algn="ctr"/>
+            <a:endParaRPr lang="en-NZ"/>
+          </a:p>
+        </p:txBody>
+      </p:sp>
+      <p:sp>
+        <p:nvSpPr>
+          <p:cNvPr id="8" name="Left Arrow 7"/>
+          <p:cNvSpPr/>
+          <p:nvPr/>
+        </p:nvSpPr>
+        <p:spPr>
+          <a:xfrm rot="10800000">
+            <a:off x="3923928" y="3068960"/>
+            <a:ext cx="648072" cy="144016"/>
+          </a:xfrm>
+          <a:prstGeom prst="leftArrow">
+            <a:avLst/>
+          </a:prstGeom>
+          <a:solidFill>
+            <a:srgbClr val="00B050"/>
+          </a:solidFill>
+          <a:ln>
+            <a:noFill/>
+          </a:ln>
+        </p:spPr>
+        <p:style>
+          <a:lnRef idx="2">
+            <a:schemeClr val="accent1">
+              <a:shade val="50000"/>
+            </a:schemeClr>
+          </a:lnRef>
+          <a:fillRef idx="1">
+            <a:schemeClr val="accent1"/>
+          </a:fillRef>
+          <a:effectRef idx="0">
+            <a:schemeClr val="accent1"/>
+          </a:effectRef>
+          <a:fontRef idx="minor">
+            <a:schemeClr val="lt1"/>
+          </a:fontRef>
+        </p:style>
+        <p:txBody>
+          <a:bodyPr rtlCol="0" anchor="ctr"/>
+          <a:lstStyle/>
+          <a:p>
+            <a:pPr algn="ctr"/>
+            <a:endParaRPr lang="en-NZ"/>
           </a:p>
         </p:txBody>
       </p:sp>
@@ -5163,6 +7635,125 @@
   <p:clrMapOvr>
     <a:masterClrMapping/>
   </p:clrMapOvr>
+  <p:timing>
+    <p:tnLst>
+      <p:par>
+        <p:cTn id="1" dur="indefinite" restart="never" nodeType="tmRoot"/>
+      </p:par>
+    </p:tnLst>
+  </p:timing>
+</p:sld>
+</file>
+
+<file path=ppt/slides/slide9.xml><?xml version="1.0" encoding="utf-8"?>
+<p:sld xmlns:a="http://schemas.openxmlformats.org/drawingml/2006/main" xmlns:r="http://schemas.openxmlformats.org/officeDocument/2006/relationships" xmlns:p="http://schemas.openxmlformats.org/presentationml/2006/main">
+  <p:cSld>
+    <p:spTree>
+      <p:nvGrpSpPr>
+        <p:cNvPr id="1" name=""/>
+        <p:cNvGrpSpPr/>
+        <p:nvPr/>
+      </p:nvGrpSpPr>
+      <p:grpSpPr>
+        <a:xfrm>
+          <a:off x="0" y="0"/>
+          <a:ext cx="0" cy="0"/>
+          <a:chOff x="0" y="0"/>
+          <a:chExt cx="0" cy="0"/>
+        </a:xfrm>
+      </p:grpSpPr>
+      <p:sp>
+        <p:nvSpPr>
+          <p:cNvPr id="2" name="Title 1"/>
+          <p:cNvSpPr>
+            <a:spLocks noGrp="1"/>
+          </p:cNvSpPr>
+          <p:nvPr>
+            <p:ph type="title"/>
+          </p:nvPr>
+        </p:nvSpPr>
+        <p:spPr/>
+        <p:txBody>
+          <a:bodyPr/>
+          <a:lstStyle/>
+          <a:p>
+            <a:r>
+              <a:rPr lang="en-NZ" dirty="0" smtClean="0"/>
+              <a:t>What I’ve done so far</a:t>
+            </a:r>
+            <a:endParaRPr lang="en-NZ" dirty="0"/>
+          </a:p>
+        </p:txBody>
+      </p:sp>
+      <p:sp>
+        <p:nvSpPr>
+          <p:cNvPr id="3" name="Content Placeholder 2"/>
+          <p:cNvSpPr>
+            <a:spLocks noGrp="1"/>
+          </p:cNvSpPr>
+          <p:nvPr>
+            <p:ph idx="1"/>
+          </p:nvPr>
+        </p:nvSpPr>
+        <p:spPr/>
+        <p:txBody>
+          <a:bodyPr/>
+          <a:lstStyle/>
+          <a:p>
+            <a:pPr>
+              <a:buNone/>
+            </a:pPr>
+            <a:endParaRPr lang="en-NZ" dirty="0" smtClean="0"/>
+          </a:p>
+          <a:p>
+            <a:endParaRPr lang="en-NZ" dirty="0"/>
+          </a:p>
+        </p:txBody>
+      </p:sp>
+      <p:pic>
+        <p:nvPicPr>
+          <p:cNvPr id="3074" name="Picture 2"/>
+          <p:cNvPicPr>
+            <a:picLocks noChangeAspect="1" noChangeArrowheads="1"/>
+          </p:cNvPicPr>
+          <p:nvPr/>
+        </p:nvPicPr>
+        <p:blipFill>
+          <a:blip r:embed="rId3" cstate="print"/>
+          <a:srcRect/>
+          <a:stretch>
+            <a:fillRect/>
+          </a:stretch>
+        </p:blipFill>
+        <p:spPr bwMode="auto">
+          <a:xfrm>
+            <a:off x="1403648" y="1628800"/>
+            <a:ext cx="6345444" cy="4968552"/>
+          </a:xfrm>
+          <a:prstGeom prst="rect">
+            <a:avLst/>
+          </a:prstGeom>
+          <a:noFill/>
+          <a:ln w="9525">
+            <a:noFill/>
+            <a:miter lim="800000"/>
+            <a:headEnd/>
+            <a:tailEnd/>
+          </a:ln>
+        </p:spPr>
+      </p:pic>
+    </p:spTree>
+  </p:cSld>
+  <p:clrMapOvr>
+    <a:masterClrMapping/>
+  </p:clrMapOvr>
+  <p:timing>
+    <p:tnLst>
+      <p:par>
+        <p:cTn id="1" dur="indefinite" restart="never" nodeType="tmRoot"/>
+      </p:par>
+    </p:tnLst>
+  </p:timing>
 </p:sld>
 </file>
 
@@ -5446,4 +8037,287 @@
   <a:objectDefaults/>
   <a:extraClrSchemeLst/>
 </a:theme>
+</file>
+
+<file path=ppt/theme/theme2.xml><?xml version="1.0" encoding="utf-8"?>
+<a:theme xmlns:a="http://schemas.openxmlformats.org/drawingml/2006/main" name="Office Theme">
+  <a:themeElements>
+    <a:clrScheme name="Office">
+      <a:dk1>
+        <a:sysClr val="windowText" lastClr="000000"/>
+      </a:dk1>
+      <a:lt1>
+        <a:sysClr val="window" lastClr="FFFFFF"/>
+      </a:lt1>
+      <a:dk2>
+        <a:srgbClr val="1F497D"/>
+      </a:dk2>
+      <a:lt2>
+        <a:srgbClr val="EEECE1"/>
+      </a:lt2>
+      <a:accent1>
+        <a:srgbClr val="4F81BD"/>
+      </a:accent1>
+      <a:accent2>
+        <a:srgbClr val="C0504D"/>
+      </a:accent2>
+      <a:accent3>
+        <a:srgbClr val="9BBB59"/>
+      </a:accent3>
+      <a:accent4>
+        <a:srgbClr val="8064A2"/>
+      </a:accent4>
+      <a:accent5>
+        <a:srgbClr val="4BACC6"/>
+      </a:accent5>
+      <a:accent6>
+        <a:srgbClr val="F79646"/>
+      </a:accent6>
+      <a:hlink>
+        <a:srgbClr val="0000FF"/>
+      </a:hlink>
+      <a:folHlink>
+        <a:srgbClr val="800080"/>
+      </a:folHlink>
+    </a:clrScheme>
+    <a:fontScheme name="Office">
+      <a:majorFont>
+        <a:latin typeface="Calibri"/>
+        <a:ea typeface=""/>
+        <a:cs typeface=""/>
+        <a:font script="Jpan" typeface="ＭＳ Ｐゴシック"/>
+        <a:font script="Hang" typeface="맑은 고딕"/>
+        <a:font script="Hans" typeface="宋体"/>
+        <a:font script="Hant" typeface="新細明體"/>
+        <a:font script="Arab" typeface="Times New Roman"/>
+        <a:font script="Hebr" typeface="Times New Roman"/>
+        <a:font script="Thai" typeface="Angsana New"/>
+        <a:font script="Ethi" typeface="Nyala"/>
+        <a:font script="Beng" typeface="Vrinda"/>
+        <a:font script="Gujr" typeface="Shruti"/>
+        <a:font script="Khmr" typeface="MoolBoran"/>
+        <a:font script="Knda" typeface="Tunga"/>
+        <a:font script="Guru" typeface="Raavi"/>
+        <a:font script="Cans" typeface="Euphemia"/>
+        <a:font script="Cher" typeface="Plantagenet Cherokee"/>
+        <a:font script="Yiii" typeface="Microsoft Yi Baiti"/>
+        <a:font script="Tibt" typeface="Microsoft Himalaya"/>
+        <a:font script="Thaa" typeface="MV Boli"/>
+        <a:font script="Deva" typeface="Mangal"/>
+        <a:font script="Telu" typeface="Gautami"/>
+        <a:font script="Taml" typeface="Latha"/>
+        <a:font script="Syrc" typeface="Estrangelo Edessa"/>
+        <a:font script="Orya" typeface="Kalinga"/>
+        <a:font script="Mlym" typeface="Kartika"/>
+        <a:font script="Laoo" typeface="DokChampa"/>
+        <a:font script="Sinh" typeface="Iskoola Pota"/>
+        <a:font script="Mong" typeface="Mongolian Baiti"/>
+        <a:font script="Viet" typeface="Times New Roman"/>
+        <a:font script="Uigh" typeface="Microsoft Uighur"/>
+      </a:majorFont>
+      <a:minorFont>
+        <a:latin typeface="Calibri"/>
+        <a:ea typeface=""/>
+        <a:cs typeface=""/>
+        <a:font script="Jpan" typeface="ＭＳ Ｐゴシック"/>
+        <a:font script="Hang" typeface="맑은 고딕"/>
+        <a:font script="Hans" typeface="宋体"/>
+        <a:font script="Hant" typeface="新細明體"/>
+        <a:font script="Arab" typeface="Arial"/>
+        <a:font script="Hebr" typeface="Arial"/>
+        <a:font script="Thai" typeface="Cordia New"/>
+        <a:font script="Ethi" typeface="Nyala"/>
+        <a:font script="Beng" typeface="Vrinda"/>
+        <a:font script="Gujr" typeface="Shruti"/>
+        <a:font script="Khmr" typeface="DaunPenh"/>
+        <a:font script="Knda" typeface="Tunga"/>
+        <a:font script="Guru" typeface="Raavi"/>
+        <a:font script="Cans" typeface="Euphemia"/>
+        <a:font script="Cher" typeface="Plantagenet Cherokee"/>
+        <a:font script="Yiii" typeface="Microsoft Yi Baiti"/>
+        <a:font script="Tibt" typeface="Microsoft Himalaya"/>
+        <a:font script="Thaa" typeface="MV Boli"/>
+        <a:font script="Deva" typeface="Mangal"/>
+        <a:font script="Telu" typeface="Gautami"/>
+        <a:font script="Taml" typeface="Latha"/>
+        <a:font script="Syrc" typeface="Estrangelo Edessa"/>
+        <a:font script="Orya" typeface="Kalinga"/>
+        <a:font script="Mlym" typeface="Kartika"/>
+        <a:font script="Laoo" typeface="DokChampa"/>
+        <a:font script="Sinh" typeface="Iskoola Pota"/>
+        <a:font script="Mong" typeface="Mongolian Baiti"/>
+        <a:font script="Viet" typeface="Arial"/>
+        <a:font script="Uigh" typeface="Microsoft Uighur"/>
+      </a:minorFont>
+    </a:fontScheme>
+    <a:fmtScheme name="Office">
+      <a:fillStyleLst>
+        <a:solidFill>
+          <a:schemeClr val="phClr"/>
+        </a:solidFill>
+        <a:gradFill rotWithShape="1">
+          <a:gsLst>
+            <a:gs pos="0">
+              <a:schemeClr val="phClr">
+                <a:tint val="50000"/>
+                <a:satMod val="300000"/>
+              </a:schemeClr>
+            </a:gs>
+            <a:gs pos="35000">
+              <a:schemeClr val="phClr">
+                <a:tint val="37000"/>
+                <a:satMod val="300000"/>
+              </a:schemeClr>
+            </a:gs>
+            <a:gs pos="100000">
+              <a:schemeClr val="phClr">
+                <a:tint val="15000"/>
+                <a:satMod val="350000"/>
+              </a:schemeClr>
+            </a:gs>
+          </a:gsLst>
+          <a:lin ang="16200000" scaled="1"/>
+        </a:gradFill>
+        <a:gradFill rotWithShape="1">
+          <a:gsLst>
+            <a:gs pos="0">
+              <a:schemeClr val="phClr">
+                <a:shade val="51000"/>
+                <a:satMod val="130000"/>
+              </a:schemeClr>
+            </a:gs>
+            <a:gs pos="80000">
+              <a:schemeClr val="phClr">
+                <a:shade val="93000"/>
+                <a:satMod val="130000"/>
+              </a:schemeClr>
+            </a:gs>
+            <a:gs pos="100000">
+              <a:schemeClr val="phClr">
+                <a:shade val="94000"/>
+                <a:satMod val="135000"/>
+              </a:schemeClr>
+            </a:gs>
+          </a:gsLst>
+          <a:lin ang="16200000" scaled="0"/>
+        </a:gradFill>
+      </a:fillStyleLst>
+      <a:lnStyleLst>
+        <a:ln w="9525" cap="flat" cmpd="sng" algn="ctr">
+          <a:solidFill>
+            <a:schemeClr val="phClr">
+              <a:shade val="95000"/>
+              <a:satMod val="105000"/>
+            </a:schemeClr>
+          </a:solidFill>
+          <a:prstDash val="solid"/>
+        </a:ln>
+        <a:ln w="25400" cap="flat" cmpd="sng" algn="ctr">
+          <a:solidFill>
+            <a:schemeClr val="phClr"/>
+          </a:solidFill>
+          <a:prstDash val="solid"/>
+        </a:ln>
+        <a:ln w="38100" cap="flat" cmpd="sng" algn="ctr">
+          <a:solidFill>
+            <a:schemeClr val="phClr"/>
+          </a:solidFill>
+          <a:prstDash val="solid"/>
+        </a:ln>
+      </a:lnStyleLst>
+      <a:effectStyleLst>
+        <a:effectStyle>
+          <a:effectLst>
+            <a:outerShdw blurRad="40000" dist="20000" dir="5400000" rotWithShape="0">
+              <a:srgbClr val="000000">
+                <a:alpha val="38000"/>
+              </a:srgbClr>
+            </a:outerShdw>
+          </a:effectLst>
+        </a:effectStyle>
+        <a:effectStyle>
+          <a:effectLst>
+            <a:outerShdw blurRad="40000" dist="23000" dir="5400000" rotWithShape="0">
+              <a:srgbClr val="000000">
+                <a:alpha val="35000"/>
+              </a:srgbClr>
+            </a:outerShdw>
+          </a:effectLst>
+        </a:effectStyle>
+        <a:effectStyle>
+          <a:effectLst>
+            <a:outerShdw blurRad="40000" dist="23000" dir="5400000" rotWithShape="0">
+              <a:srgbClr val="000000">
+                <a:alpha val="35000"/>
+              </a:srgbClr>
+            </a:outerShdw>
+          </a:effectLst>
+          <a:scene3d>
+            <a:camera prst="orthographicFront">
+              <a:rot lat="0" lon="0" rev="0"/>
+            </a:camera>
+            <a:lightRig rig="threePt" dir="t">
+              <a:rot lat="0" lon="0" rev="1200000"/>
+            </a:lightRig>
+          </a:scene3d>
+          <a:sp3d>
+            <a:bevelT w="63500" h="25400"/>
+          </a:sp3d>
+        </a:effectStyle>
+      </a:effectStyleLst>
+      <a:bgFillStyleLst>
+        <a:solidFill>
+          <a:schemeClr val="phClr"/>
+        </a:solidFill>
+        <a:gradFill rotWithShape="1">
+          <a:gsLst>
+            <a:gs pos="0">
+              <a:schemeClr val="phClr">
+                <a:tint val="40000"/>
+                <a:satMod val="350000"/>
+              </a:schemeClr>
+            </a:gs>
+            <a:gs pos="40000">
+              <a:schemeClr val="phClr">
+                <a:tint val="45000"/>
+                <a:shade val="99000"/>
+                <a:satMod val="350000"/>
+              </a:schemeClr>
+            </a:gs>
+            <a:gs pos="100000">
+              <a:schemeClr val="phClr">
+                <a:shade val="20000"/>
+                <a:satMod val="255000"/>
+              </a:schemeClr>
+            </a:gs>
+          </a:gsLst>
+          <a:path path="circle">
+            <a:fillToRect l="50000" t="-80000" r="50000" b="180000"/>
+          </a:path>
+        </a:gradFill>
+        <a:gradFill rotWithShape="1">
+          <a:gsLst>
+            <a:gs pos="0">
+              <a:schemeClr val="phClr">
+                <a:tint val="80000"/>
+                <a:satMod val="300000"/>
+              </a:schemeClr>
+            </a:gs>
+            <a:gs pos="100000">
+              <a:schemeClr val="phClr">
+                <a:shade val="30000"/>
+                <a:satMod val="200000"/>
+              </a:schemeClr>
+            </a:gs>
+          </a:gsLst>
+          <a:path path="circle">
+            <a:fillToRect l="50000" t="50000" r="50000" b="50000"/>
+          </a:path>
+        </a:gradFill>
+      </a:bgFillStyleLst>
+    </a:fmtScheme>
+  </a:themeElements>
+  <a:objectDefaults/>
+  <a:extraClrSchemeLst/>
+</a:theme>
 </file>
--- a/Report/Presentation 520.pptx
+++ b/Report/Presentation 520.pptx
@@ -5,7 +5,7 @@
     <p:sldMasterId id="2147483672" r:id="rId1"/>
   </p:sldMasterIdLst>
   <p:notesMasterIdLst>
-    <p:notesMasterId r:id="rId19"/>
+    <p:notesMasterId r:id="rId21"/>
   </p:notesMasterIdLst>
   <p:sldIdLst>
     <p:sldId id="256" r:id="rId2"/>
@@ -16,15 +16,17 @@
     <p:sldId id="266" r:id="rId7"/>
     <p:sldId id="263" r:id="rId8"/>
     <p:sldId id="264" r:id="rId9"/>
-    <p:sldId id="258" r:id="rId10"/>
-    <p:sldId id="267" r:id="rId11"/>
-    <p:sldId id="260" r:id="rId12"/>
-    <p:sldId id="259" r:id="rId13"/>
-    <p:sldId id="269" r:id="rId14"/>
-    <p:sldId id="268" r:id="rId15"/>
-    <p:sldId id="272" r:id="rId16"/>
-    <p:sldId id="271" r:id="rId17"/>
-    <p:sldId id="270" r:id="rId18"/>
+    <p:sldId id="273" r:id="rId10"/>
+    <p:sldId id="274" r:id="rId11"/>
+    <p:sldId id="258" r:id="rId12"/>
+    <p:sldId id="267" r:id="rId13"/>
+    <p:sldId id="260" r:id="rId14"/>
+    <p:sldId id="259" r:id="rId15"/>
+    <p:sldId id="269" r:id="rId16"/>
+    <p:sldId id="268" r:id="rId17"/>
+    <p:sldId id="272" r:id="rId18"/>
+    <p:sldId id="271" r:id="rId19"/>
+    <p:sldId id="270" r:id="rId20"/>
   </p:sldIdLst>
   <p:sldSz cx="9144000" cy="6858000" type="screen4x3"/>
   <p:notesSz cx="6858000" cy="9144000"/>
@@ -208,7 +210,8 @@
           <a:p>
             <a:fld id="{4D32A3D4-7EBD-47E2-89D8-1DBD7AF5CC98}" type="datetimeFigureOut">
               <a:rPr lang="en-NZ" smtClean="0"/>
-              <a:t>19/07/2012</a:t>
+              <a:pPr/>
+              <a:t>20/07/2012</a:t>
             </a:fld>
             <a:endParaRPr lang="en-NZ"/>
           </a:p>
@@ -369,6 +372,7 @@
           <a:p>
             <a:fld id="{F41CCAC9-CD85-441F-9563-CD1515EBB636}" type="slidenum">
               <a:rPr lang="en-NZ" smtClean="0"/>
+              <a:pPr/>
               <a:t>‹#›</a:t>
             </a:fld>
             <a:endParaRPr lang="en-NZ"/>
@@ -548,6 +552,7 @@
           <a:p>
             <a:fld id="{F41CCAC9-CD85-441F-9563-CD1515EBB636}" type="slidenum">
               <a:rPr lang="en-NZ" smtClean="0"/>
+              <a:pPr/>
               <a:t>2</a:t>
             </a:fld>
             <a:endParaRPr lang="en-NZ"/>
@@ -608,6 +613,10 @@
           </a:bodyPr>
           <a:lstStyle/>
           <a:p>
+            <a:r>
+              <a:rPr lang="en-NZ" dirty="0" smtClean="0"/>
+              <a:t>Talk about what the athlete is shaping out to be.</a:t>
+            </a:r>
             <a:endParaRPr lang="en-NZ" dirty="0"/>
           </a:p>
         </p:txBody>
@@ -629,7 +638,8 @@
           <a:p>
             <a:fld id="{F41CCAC9-CD85-441F-9563-CD1515EBB636}" type="slidenum">
               <a:rPr lang="en-NZ" smtClean="0"/>
-              <a:t>11</a:t>
+              <a:pPr/>
+              <a:t>12</a:t>
             </a:fld>
             <a:endParaRPr lang="en-NZ"/>
           </a:p>
@@ -710,7 +720,90 @@
           <a:p>
             <a:fld id="{F41CCAC9-CD85-441F-9563-CD1515EBB636}" type="slidenum">
               <a:rPr lang="en-NZ" smtClean="0"/>
-              <a:t>12</a:t>
+              <a:pPr/>
+              <a:t>13</a:t>
+            </a:fld>
+            <a:endParaRPr lang="en-NZ"/>
+          </a:p>
+        </p:txBody>
+      </p:sp>
+    </p:spTree>
+  </p:cSld>
+  <p:clrMapOvr>
+    <a:masterClrMapping/>
+  </p:clrMapOvr>
+</p:notes>
+</file>
+
+<file path=ppt/notesSlides/notesSlide12.xml><?xml version="1.0" encoding="utf-8"?>
+<p:notes xmlns:a="http://schemas.openxmlformats.org/drawingml/2006/main" xmlns:r="http://schemas.openxmlformats.org/officeDocument/2006/relationships" xmlns:p="http://schemas.openxmlformats.org/presentationml/2006/main">
+  <p:cSld>
+    <p:spTree>
+      <p:nvGrpSpPr>
+        <p:cNvPr id="1" name=""/>
+        <p:cNvGrpSpPr/>
+        <p:nvPr/>
+      </p:nvGrpSpPr>
+      <p:grpSpPr>
+        <a:xfrm>
+          <a:off x="0" y="0"/>
+          <a:ext cx="0" cy="0"/>
+          <a:chOff x="0" y="0"/>
+          <a:chExt cx="0" cy="0"/>
+        </a:xfrm>
+      </p:grpSpPr>
+      <p:sp>
+        <p:nvSpPr>
+          <p:cNvPr id="2" name="Slide Image Placeholder 1"/>
+          <p:cNvSpPr>
+            <a:spLocks noGrp="1" noRot="1" noChangeAspect="1"/>
+          </p:cNvSpPr>
+          <p:nvPr>
+            <p:ph type="sldImg"/>
+          </p:nvPr>
+        </p:nvSpPr>
+        <p:spPr/>
+      </p:sp>
+      <p:sp>
+        <p:nvSpPr>
+          <p:cNvPr id="3" name="Notes Placeholder 2"/>
+          <p:cNvSpPr>
+            <a:spLocks noGrp="1"/>
+          </p:cNvSpPr>
+          <p:nvPr>
+            <p:ph type="body" idx="1"/>
+          </p:nvPr>
+        </p:nvSpPr>
+        <p:spPr/>
+        <p:txBody>
+          <a:bodyPr>
+            <a:normAutofit/>
+          </a:bodyPr>
+          <a:lstStyle/>
+          <a:p>
+            <a:endParaRPr lang="en-NZ" dirty="0"/>
+          </a:p>
+        </p:txBody>
+      </p:sp>
+      <p:sp>
+        <p:nvSpPr>
+          <p:cNvPr id="4" name="Slide Number Placeholder 3"/>
+          <p:cNvSpPr>
+            <a:spLocks noGrp="1"/>
+          </p:cNvSpPr>
+          <p:nvPr>
+            <p:ph type="sldNum" sz="quarter" idx="10"/>
+          </p:nvPr>
+        </p:nvSpPr>
+        <p:spPr/>
+        <p:txBody>
+          <a:bodyPr/>
+          <a:lstStyle/>
+          <a:p>
+            <a:fld id="{F41CCAC9-CD85-441F-9563-CD1515EBB636}" type="slidenum">
+              <a:rPr lang="en-NZ" smtClean="0"/>
+              <a:pPr/>
+              <a:t>14</a:t>
             </a:fld>
             <a:endParaRPr lang="en-NZ"/>
           </a:p>
@@ -799,6 +892,7 @@
           <a:p>
             <a:fld id="{F41CCAC9-CD85-441F-9563-CD1515EBB636}" type="slidenum">
               <a:rPr lang="en-NZ" smtClean="0"/>
+              <a:pPr/>
               <a:t>3</a:t>
             </a:fld>
             <a:endParaRPr lang="en-NZ"/>
@@ -886,6 +980,7 @@
           <a:p>
             <a:fld id="{F41CCAC9-CD85-441F-9563-CD1515EBB636}" type="slidenum">
               <a:rPr lang="en-NZ" smtClean="0"/>
+              <a:pPr/>
               <a:t>4</a:t>
             </a:fld>
             <a:endParaRPr lang="en-NZ"/>
@@ -975,6 +1070,7 @@
           <a:p>
             <a:fld id="{F41CCAC9-CD85-441F-9563-CD1515EBB636}" type="slidenum">
               <a:rPr lang="en-NZ" smtClean="0"/>
+              <a:pPr/>
               <a:t>5</a:t>
             </a:fld>
             <a:endParaRPr lang="en-NZ"/>
@@ -1084,6 +1180,7 @@
           <a:p>
             <a:fld id="{F41CCAC9-CD85-441F-9563-CD1515EBB636}" type="slidenum">
               <a:rPr lang="en-NZ" smtClean="0"/>
+              <a:pPr/>
               <a:t>6</a:t>
             </a:fld>
             <a:endParaRPr lang="en-NZ"/>
@@ -1168,8 +1265,28 @@
           <a:p>
             <a:r>
               <a:rPr lang="en-NZ" baseline="0" dirty="0" smtClean="0"/>
-              <a:t>The green represents where the project will end up. Also say that even though sponsors and international teams might not be interested in school kids, clubs are very interested in developing the young generation to see them succeed in society.</a:t>
-            </a:r>
+              <a:t>The green represents where the project will end up. Also say that even though sponsors and international teams might not be interested in school kids, clubs are very interested in developing the young generation to see them succeed in society</a:t>
+            </a:r>
+            <a:r>
+              <a:rPr lang="en-NZ" baseline="0" dirty="0" smtClean="0"/>
+              <a:t>.</a:t>
+            </a:r>
+          </a:p>
+          <a:p>
+            <a:endParaRPr lang="en-NZ" baseline="0" dirty="0" smtClean="0"/>
+          </a:p>
+          <a:p>
+            <a:r>
+              <a:rPr lang="en-NZ" baseline="0" dirty="0" smtClean="0"/>
+              <a:t>Remove </a:t>
+            </a:r>
+            <a:r>
+              <a:rPr lang="en-NZ" baseline="0" dirty="0" err="1" smtClean="0"/>
+              <a:t>ccolors</a:t>
+            </a:r>
+            <a:endParaRPr lang="en-NZ" baseline="0" dirty="0" smtClean="0"/>
+          </a:p>
+          <a:p>
             <a:endParaRPr lang="en-NZ" dirty="0"/>
           </a:p>
         </p:txBody>
@@ -1191,6 +1308,7 @@
           <a:p>
             <a:fld id="{F41CCAC9-CD85-441F-9563-CD1515EBB636}" type="slidenum">
               <a:rPr lang="en-NZ" smtClean="0"/>
+              <a:pPr/>
               <a:t>7</a:t>
             </a:fld>
             <a:endParaRPr lang="en-NZ"/>
@@ -1397,6 +1515,7 @@
           <a:p>
             <a:fld id="{F41CCAC9-CD85-441F-9563-CD1515EBB636}" type="slidenum">
               <a:rPr lang="en-NZ" smtClean="0"/>
+              <a:pPr/>
               <a:t>8</a:t>
             </a:fld>
             <a:endParaRPr lang="en-NZ"/>
@@ -1459,7 +1578,27 @@
           <a:p>
             <a:r>
               <a:rPr lang="en-NZ" dirty="0" smtClean="0"/>
-              <a:t>Talk about what the athlete is shaping out to be.</a:t>
+              <a:t>Collect Data –Time Frame</a:t>
+            </a:r>
+            <a:r>
+              <a:rPr lang="en-NZ" baseline="0" dirty="0" smtClean="0"/>
+              <a:t>, how long it took, when</a:t>
+            </a:r>
+          </a:p>
+          <a:p>
+            <a:r>
+              <a:rPr lang="en-NZ" baseline="0" dirty="0" smtClean="0"/>
+              <a:t>What could be better</a:t>
+            </a:r>
+          </a:p>
+          <a:p>
+            <a:r>
+              <a:rPr lang="en-NZ" baseline="0" dirty="0" err="1" smtClean="0"/>
+              <a:t>Countinuously</a:t>
+            </a:r>
+            <a:r>
+              <a:rPr lang="en-NZ" baseline="0" dirty="0" smtClean="0"/>
+              <a:t> updating</a:t>
             </a:r>
             <a:endParaRPr lang="en-NZ" dirty="0"/>
           </a:p>
@@ -1482,6 +1621,7 @@
           <a:p>
             <a:fld id="{F41CCAC9-CD85-441F-9563-CD1515EBB636}" type="slidenum">
               <a:rPr lang="en-NZ" smtClean="0"/>
+              <a:pPr/>
               <a:t>9</a:t>
             </a:fld>
             <a:endParaRPr lang="en-NZ"/>
@@ -1567,7 +1707,8 @@
           <a:p>
             <a:fld id="{F41CCAC9-CD85-441F-9563-CD1515EBB636}" type="slidenum">
               <a:rPr lang="en-NZ" smtClean="0"/>
-              <a:t>10</a:t>
+              <a:pPr/>
+              <a:t>11</a:t>
             </a:fld>
             <a:endParaRPr lang="en-NZ"/>
           </a:p>
@@ -1789,7 +1930,7 @@
             <a:fld id="{73075169-4B29-4ACB-B891-88C6DD08F9D0}" type="datetimeFigureOut">
               <a:rPr lang="en-NZ" smtClean="0"/>
               <a:pPr/>
-              <a:t>19/07/2012</a:t>
+              <a:t>20/07/2012</a:t>
             </a:fld>
             <a:endParaRPr lang="en-NZ"/>
           </a:p>
@@ -1985,7 +2126,7 @@
             <a:fld id="{73075169-4B29-4ACB-B891-88C6DD08F9D0}" type="datetimeFigureOut">
               <a:rPr lang="en-NZ" smtClean="0"/>
               <a:pPr/>
-              <a:t>19/07/2012</a:t>
+              <a:t>20/07/2012</a:t>
             </a:fld>
             <a:endParaRPr lang="en-NZ"/>
           </a:p>
@@ -2175,7 +2316,7 @@
             <a:fld id="{73075169-4B29-4ACB-B891-88C6DD08F9D0}" type="datetimeFigureOut">
               <a:rPr lang="en-NZ" smtClean="0"/>
               <a:pPr/>
-              <a:t>19/07/2012</a:t>
+              <a:t>20/07/2012</a:t>
             </a:fld>
             <a:endParaRPr lang="en-NZ"/>
           </a:p>
@@ -2406,7 +2547,7 @@
             <a:fld id="{73075169-4B29-4ACB-B891-88C6DD08F9D0}" type="datetimeFigureOut">
               <a:rPr lang="en-NZ" smtClean="0"/>
               <a:pPr/>
-              <a:t>19/07/2012</a:t>
+              <a:t>20/07/2012</a:t>
             </a:fld>
             <a:endParaRPr lang="en-NZ"/>
           </a:p>
@@ -2689,7 +2830,7 @@
             <a:fld id="{73075169-4B29-4ACB-B891-88C6DD08F9D0}" type="datetimeFigureOut">
               <a:rPr lang="en-NZ" smtClean="0"/>
               <a:pPr/>
-              <a:t>19/07/2012</a:t>
+              <a:t>20/07/2012</a:t>
             </a:fld>
             <a:endParaRPr lang="en-NZ"/>
           </a:p>
@@ -2979,7 +3120,7 @@
             <a:fld id="{73075169-4B29-4ACB-B891-88C6DD08F9D0}" type="datetimeFigureOut">
               <a:rPr lang="en-NZ" smtClean="0"/>
               <a:pPr/>
-              <a:t>19/07/2012</a:t>
+              <a:t>20/07/2012</a:t>
             </a:fld>
             <a:endParaRPr lang="en-NZ"/>
           </a:p>
@@ -3535,7 +3676,7 @@
             <a:fld id="{73075169-4B29-4ACB-B891-88C6DD08F9D0}" type="datetimeFigureOut">
               <a:rPr lang="en-NZ" smtClean="0"/>
               <a:pPr/>
-              <a:t>19/07/2012</a:t>
+              <a:t>20/07/2012</a:t>
             </a:fld>
             <a:endParaRPr lang="en-NZ"/>
           </a:p>
@@ -3668,7 +3809,7 @@
             <a:fld id="{73075169-4B29-4ACB-B891-88C6DD08F9D0}" type="datetimeFigureOut">
               <a:rPr lang="en-NZ" smtClean="0"/>
               <a:pPr/>
-              <a:t>19/07/2012</a:t>
+              <a:t>20/07/2012</a:t>
             </a:fld>
             <a:endParaRPr lang="en-NZ"/>
           </a:p>
@@ -3820,7 +3961,7 @@
             <a:fld id="{73075169-4B29-4ACB-B891-88C6DD08F9D0}" type="datetimeFigureOut">
               <a:rPr lang="en-NZ" smtClean="0"/>
               <a:pPr/>
-              <a:t>19/07/2012</a:t>
+              <a:t>20/07/2012</a:t>
             </a:fld>
             <a:endParaRPr lang="en-NZ"/>
           </a:p>
@@ -4143,7 +4284,7 @@
             <a:fld id="{73075169-4B29-4ACB-B891-88C6DD08F9D0}" type="datetimeFigureOut">
               <a:rPr lang="en-NZ" smtClean="0"/>
               <a:pPr/>
-              <a:t>19/07/2012</a:t>
+              <a:t>20/07/2012</a:t>
             </a:fld>
             <a:endParaRPr lang="en-NZ"/>
           </a:p>
@@ -4442,7 +4583,7 @@
             <a:fld id="{73075169-4B29-4ACB-B891-88C6DD08F9D0}" type="datetimeFigureOut">
               <a:rPr lang="en-NZ" smtClean="0"/>
               <a:pPr/>
-              <a:t>19/07/2012</a:t>
+              <a:t>20/07/2012</a:t>
             </a:fld>
             <a:endParaRPr lang="en-NZ"/>
           </a:p>
@@ -4689,7 +4830,7 @@
             <a:fld id="{73075169-4B29-4ACB-B891-88C6DD08F9D0}" type="datetimeFigureOut">
               <a:rPr lang="en-NZ" smtClean="0"/>
               <a:pPr/>
-              <a:t>19/07/2012</a:t>
+              <a:t>20/07/2012</a:t>
             </a:fld>
             <a:endParaRPr lang="en-NZ"/>
           </a:p>
@@ -5257,40 +5398,45 @@
         </p:nvSpPr>
         <p:spPr/>
         <p:txBody>
+          <a:bodyPr>
+            <a:normAutofit/>
+          </a:bodyPr>
+          <a:lstStyle/>
+          <a:p>
+            <a:r>
+              <a:rPr lang="en-NZ" dirty="0" smtClean="0"/>
+              <a:t>Results so far</a:t>
+            </a:r>
+            <a:endParaRPr lang="en-NZ" dirty="0"/>
+          </a:p>
+        </p:txBody>
+      </p:sp>
+      <p:sp>
+        <p:nvSpPr>
+          <p:cNvPr id="3" name="Content Placeholder 2"/>
+          <p:cNvSpPr>
+            <a:spLocks noGrp="1"/>
+          </p:cNvSpPr>
+          <p:nvPr>
+            <p:ph idx="1"/>
+          </p:nvPr>
+        </p:nvSpPr>
+        <p:spPr/>
+        <p:txBody>
           <a:bodyPr/>
           <a:lstStyle/>
           <a:p>
             <a:r>
               <a:rPr lang="en-NZ" dirty="0" smtClean="0"/>
-              <a:t>What I’ve done so far</a:t>
-            </a:r>
-            <a:endParaRPr lang="en-NZ" dirty="0"/>
-          </a:p>
-        </p:txBody>
-      </p:sp>
-      <p:sp>
-        <p:nvSpPr>
-          <p:cNvPr id="3" name="Content Placeholder 2"/>
-          <p:cNvSpPr>
-            <a:spLocks noGrp="1"/>
-          </p:cNvSpPr>
-          <p:nvPr>
-            <p:ph idx="1"/>
-          </p:nvPr>
-        </p:nvSpPr>
-        <p:spPr/>
-        <p:txBody>
-          <a:bodyPr/>
-          <a:lstStyle/>
-          <a:p>
-            <a:r>
-              <a:rPr lang="en-NZ" dirty="0" smtClean="0"/>
-              <a:t>Data collected</a:t>
-            </a:r>
-            <a:endParaRPr lang="en-NZ" dirty="0" smtClean="0"/>
-          </a:p>
-          <a:p>
-            <a:endParaRPr lang="en-NZ" dirty="0"/>
+              <a:t>ATHNZL going to use this in place of </a:t>
+            </a:r>
+            <a:r>
+              <a:rPr lang="en-NZ" smtClean="0"/>
+              <a:t>the old</a:t>
+            </a:r>
+          </a:p>
+          <a:p>
+            <a:endParaRPr lang="en-NZ"/>
           </a:p>
         </p:txBody>
       </p:sp>
@@ -5299,13 +5445,6 @@
   <p:clrMapOvr>
     <a:masterClrMapping/>
   </p:clrMapOvr>
-  <p:timing>
-    <p:tnLst>
-      <p:par>
-        <p:cTn id="1" dur="indefinite" restart="never" nodeType="tmRoot"/>
-      </p:par>
-    </p:tnLst>
-  </p:timing>
 </p:sld>
 </file>
 
@@ -5338,38 +5477,74 @@
         </p:nvSpPr>
         <p:spPr/>
         <p:txBody>
-          <a:bodyPr>
-            <a:normAutofit/>
-          </a:bodyPr>
-          <a:lstStyle/>
-          <a:p>
-            <a:r>
-              <a:rPr lang="en-NZ" dirty="0" smtClean="0"/>
-              <a:t>Demo</a:t>
-            </a:r>
-            <a:endParaRPr lang="en-NZ" dirty="0"/>
-          </a:p>
-        </p:txBody>
-      </p:sp>
-      <p:sp>
-        <p:nvSpPr>
-          <p:cNvPr id="3" name="Content Placeholder 2"/>
-          <p:cNvSpPr>
-            <a:spLocks noGrp="1"/>
-          </p:cNvSpPr>
-          <p:nvPr>
-            <p:ph idx="1"/>
-          </p:nvPr>
-        </p:nvSpPr>
-        <p:spPr/>
-        <p:txBody>
           <a:bodyPr/>
           <a:lstStyle/>
           <a:p>
+            <a:r>
+              <a:rPr lang="en-NZ" dirty="0" smtClean="0"/>
+              <a:t>What I’ve done so far</a:t>
+            </a:r>
             <a:endParaRPr lang="en-NZ" dirty="0"/>
           </a:p>
         </p:txBody>
       </p:sp>
+      <p:sp>
+        <p:nvSpPr>
+          <p:cNvPr id="3" name="Content Placeholder 2"/>
+          <p:cNvSpPr>
+            <a:spLocks noGrp="1"/>
+          </p:cNvSpPr>
+          <p:nvPr>
+            <p:ph idx="1"/>
+          </p:nvPr>
+        </p:nvSpPr>
+        <p:spPr/>
+        <p:txBody>
+          <a:bodyPr/>
+          <a:lstStyle/>
+          <a:p>
+            <a:pPr>
+              <a:buNone/>
+            </a:pPr>
+            <a:endParaRPr lang="en-NZ" dirty="0" smtClean="0"/>
+          </a:p>
+          <a:p>
+            <a:endParaRPr lang="en-NZ" dirty="0"/>
+          </a:p>
+        </p:txBody>
+      </p:sp>
+      <p:pic>
+        <p:nvPicPr>
+          <p:cNvPr id="3074" name="Picture 2"/>
+          <p:cNvPicPr>
+            <a:picLocks noChangeAspect="1" noChangeArrowheads="1"/>
+          </p:cNvPicPr>
+          <p:nvPr/>
+        </p:nvPicPr>
+        <p:blipFill>
+          <a:blip r:embed="rId3" cstate="print"/>
+          <a:srcRect/>
+          <a:stretch>
+            <a:fillRect/>
+          </a:stretch>
+        </p:blipFill>
+        <p:spPr bwMode="auto">
+          <a:xfrm>
+            <a:off x="1403648" y="1628800"/>
+            <a:ext cx="6345444" cy="4968552"/>
+          </a:xfrm>
+          <a:prstGeom prst="rect">
+            <a:avLst/>
+          </a:prstGeom>
+          <a:noFill/>
+          <a:ln w="9525">
+            <a:noFill/>
+            <a:miter lim="800000"/>
+            <a:headEnd/>
+            <a:tailEnd/>
+          </a:ln>
+        </p:spPr>
+      </p:pic>
     </p:spTree>
   </p:cSld>
   <p:clrMapOvr>
@@ -5414,79 +5589,54 @@
         </p:nvSpPr>
         <p:spPr/>
         <p:txBody>
-          <a:bodyPr>
-            <a:normAutofit/>
-          </a:bodyPr>
-          <a:lstStyle/>
-          <a:p>
-            <a:r>
-              <a:rPr lang="en-NZ" dirty="0" smtClean="0"/>
-              <a:t>The Plan - Error </a:t>
-            </a:r>
-            <a:r>
-              <a:rPr lang="en-NZ" dirty="0" smtClean="0"/>
-              <a:t>Funnel</a:t>
-            </a:r>
-            <a:endParaRPr lang="en-NZ" dirty="0"/>
-          </a:p>
-        </p:txBody>
-      </p:sp>
-      <p:sp>
-        <p:nvSpPr>
-          <p:cNvPr id="3" name="Content Placeholder 2"/>
-          <p:cNvSpPr>
-            <a:spLocks noGrp="1"/>
-          </p:cNvSpPr>
-          <p:nvPr>
-            <p:ph idx="1"/>
-          </p:nvPr>
-        </p:nvSpPr>
-        <p:spPr/>
-        <p:txBody>
           <a:bodyPr/>
           <a:lstStyle/>
           <a:p>
+            <a:r>
+              <a:rPr lang="en-NZ" dirty="0" smtClean="0"/>
+              <a:t>What I’ve done so far</a:t>
+            </a:r>
             <a:endParaRPr lang="en-NZ" dirty="0"/>
           </a:p>
         </p:txBody>
       </p:sp>
-      <p:pic>
-        <p:nvPicPr>
-          <p:cNvPr id="4098" name="Picture 2"/>
-          <p:cNvPicPr>
-            <a:picLocks noChangeAspect="1" noChangeArrowheads="1"/>
-          </p:cNvPicPr>
-          <p:nvPr/>
-        </p:nvPicPr>
-        <p:blipFill>
-          <a:blip r:embed="rId3" cstate="print"/>
-          <a:srcRect/>
-          <a:stretch>
-            <a:fillRect/>
-          </a:stretch>
-        </p:blipFill>
-        <p:spPr bwMode="auto">
-          <a:xfrm>
-            <a:off x="1763688" y="1844824"/>
-            <a:ext cx="5328592" cy="4173666"/>
-          </a:xfrm>
-          <a:prstGeom prst="rect">
-            <a:avLst/>
-          </a:prstGeom>
-          <a:noFill/>
-          <a:ln w="9525">
-            <a:noFill/>
-            <a:miter lim="800000"/>
-            <a:headEnd/>
-            <a:tailEnd/>
-          </a:ln>
-        </p:spPr>
-      </p:pic>
+      <p:sp>
+        <p:nvSpPr>
+          <p:cNvPr id="3" name="Content Placeholder 2"/>
+          <p:cNvSpPr>
+            <a:spLocks noGrp="1"/>
+          </p:cNvSpPr>
+          <p:nvPr>
+            <p:ph idx="1"/>
+          </p:nvPr>
+        </p:nvSpPr>
+        <p:spPr/>
+        <p:txBody>
+          <a:bodyPr/>
+          <a:lstStyle/>
+          <a:p>
+            <a:r>
+              <a:rPr lang="en-NZ" dirty="0" smtClean="0"/>
+              <a:t>Data collected</a:t>
+            </a:r>
+          </a:p>
+          <a:p>
+            <a:endParaRPr lang="en-NZ" dirty="0"/>
+          </a:p>
+        </p:txBody>
+      </p:sp>
     </p:spTree>
   </p:cSld>
   <p:clrMapOvr>
     <a:masterClrMapping/>
   </p:clrMapOvr>
+  <p:timing>
+    <p:tnLst>
+      <p:par>
+        <p:cTn id="1" dur="indefinite" restart="never" nodeType="tmRoot"/>
+      </p:par>
+    </p:tnLst>
+  </p:timing>
 </p:sld>
 </file>
 
@@ -5526,51 +5676,43 @@
           <a:p>
             <a:r>
               <a:rPr lang="en-NZ" dirty="0" smtClean="0"/>
-              <a:t>The Plan -Dynamic Graph</a:t>
+              <a:t>Demo</a:t>
             </a:r>
             <a:endParaRPr lang="en-NZ" dirty="0"/>
           </a:p>
         </p:txBody>
       </p:sp>
-      <p:pic>
-        <p:nvPicPr>
-          <p:cNvPr id="6" name="Picture 2"/>
-          <p:cNvPicPr>
-            <a:picLocks noGrp="1" noChangeAspect="1" noChangeArrowheads="1"/>
-          </p:cNvPicPr>
+      <p:sp>
+        <p:nvSpPr>
+          <p:cNvPr id="3" name="Content Placeholder 2"/>
+          <p:cNvSpPr>
+            <a:spLocks noGrp="1"/>
+          </p:cNvSpPr>
           <p:nvPr>
             <p:ph idx="1"/>
           </p:nvPr>
-        </p:nvPicPr>
-        <p:blipFill>
-          <a:blip r:embed="rId2" cstate="print"/>
-          <a:srcRect/>
-          <a:stretch>
-            <a:fillRect/>
-          </a:stretch>
-        </p:blipFill>
-        <p:spPr bwMode="auto">
-          <a:xfrm>
-            <a:off x="1116159" y="1646238"/>
-            <a:ext cx="6911681" cy="4525962"/>
-          </a:xfrm>
-          <a:prstGeom prst="rect">
-            <a:avLst/>
-          </a:prstGeom>
-          <a:noFill/>
-          <a:ln w="9525">
-            <a:noFill/>
-            <a:miter lim="800000"/>
-            <a:headEnd/>
-            <a:tailEnd/>
-          </a:ln>
-        </p:spPr>
-      </p:pic>
+        </p:nvSpPr>
+        <p:spPr/>
+        <p:txBody>
+          <a:bodyPr/>
+          <a:lstStyle/>
+          <a:p>
+            <a:endParaRPr lang="en-NZ" dirty="0"/>
+          </a:p>
+        </p:txBody>
+      </p:sp>
     </p:spTree>
   </p:cSld>
   <p:clrMapOvr>
     <a:masterClrMapping/>
   </p:clrMapOvr>
+  <p:timing>
+    <p:tnLst>
+      <p:par>
+        <p:cTn id="1" dur="indefinite" restart="never" nodeType="tmRoot"/>
+      </p:par>
+    </p:tnLst>
+  </p:timing>
 </p:sld>
 </file>
 
@@ -5603,29 +5745,48 @@
         </p:nvSpPr>
         <p:spPr/>
         <p:txBody>
+          <a:bodyPr>
+            <a:normAutofit/>
+          </a:bodyPr>
+          <a:lstStyle/>
+          <a:p>
+            <a:r>
+              <a:rPr lang="en-NZ" dirty="0" smtClean="0"/>
+              <a:t>The Plan - Error Funnel</a:t>
+            </a:r>
+            <a:endParaRPr lang="en-NZ" dirty="0"/>
+          </a:p>
+        </p:txBody>
+      </p:sp>
+      <p:sp>
+        <p:nvSpPr>
+          <p:cNvPr id="3" name="Content Placeholder 2"/>
+          <p:cNvSpPr>
+            <a:spLocks noGrp="1"/>
+          </p:cNvSpPr>
+          <p:nvPr>
+            <p:ph idx="1"/>
+          </p:nvPr>
+        </p:nvSpPr>
+        <p:spPr/>
+        <p:txBody>
           <a:bodyPr/>
           <a:lstStyle/>
           <a:p>
-            <a:r>
-              <a:rPr lang="en-NZ" dirty="0" smtClean="0"/>
-              <a:t>The Plan –Dynamic Graph</a:t>
-            </a:r>
             <a:endParaRPr lang="en-NZ" dirty="0"/>
           </a:p>
         </p:txBody>
       </p:sp>
       <p:pic>
         <p:nvPicPr>
-          <p:cNvPr id="6" name="Picture 2"/>
+          <p:cNvPr id="4098" name="Picture 2"/>
           <p:cNvPicPr>
-            <a:picLocks noGrp="1" noChangeAspect="1" noChangeArrowheads="1"/>
+            <a:picLocks noChangeAspect="1" noChangeArrowheads="1"/>
           </p:cNvPicPr>
-          <p:nvPr>
-            <p:ph idx="1"/>
-          </p:nvPr>
+          <p:nvPr/>
         </p:nvPicPr>
         <p:blipFill>
-          <a:blip r:embed="rId2" cstate="print"/>
+          <a:blip r:embed="rId3" cstate="print"/>
           <a:srcRect/>
           <a:stretch>
             <a:fillRect/>
@@ -5633,8 +5794,8 @@
         </p:blipFill>
         <p:spPr bwMode="auto">
           <a:xfrm>
-            <a:off x="1116159" y="1646238"/>
-            <a:ext cx="6911681" cy="4525962"/>
+            <a:off x="1763688" y="1844824"/>
+            <a:ext cx="5328592" cy="4173666"/>
           </a:xfrm>
           <a:prstGeom prst="rect">
             <a:avLst/>
@@ -5685,12 +5846,14 @@
         </p:nvSpPr>
         <p:spPr/>
         <p:txBody>
-          <a:bodyPr/>
+          <a:bodyPr>
+            <a:normAutofit/>
+          </a:bodyPr>
           <a:lstStyle/>
           <a:p>
             <a:r>
               <a:rPr lang="en-NZ" dirty="0" smtClean="0"/>
-              <a:t>The Plan –Dynamic Graph</a:t>
+              <a:t>The Plan -Dynamic Graph</a:t>
             </a:r>
             <a:endParaRPr lang="en-NZ" dirty="0"/>
           </a:p>
@@ -5698,7 +5861,7 @@
       </p:sp>
       <p:pic>
         <p:nvPicPr>
-          <p:cNvPr id="5" name="Picture 2"/>
+          <p:cNvPr id="6" name="Picture 2"/>
           <p:cNvPicPr>
             <a:picLocks noGrp="1" noChangeAspect="1" noChangeArrowheads="1"/>
           </p:cNvPicPr>
@@ -5715,8 +5878,8 @@
         </p:blipFill>
         <p:spPr bwMode="auto">
           <a:xfrm>
-            <a:off x="1125836" y="1646238"/>
-            <a:ext cx="6892328" cy="4525962"/>
+            <a:off x="1116159" y="1646238"/>
+            <a:ext cx="6911681" cy="4525962"/>
           </a:xfrm>
           <a:prstGeom prst="rect">
             <a:avLst/>
@@ -5772,45 +5935,46 @@
           <a:p>
             <a:r>
               <a:rPr lang="en-NZ" dirty="0" smtClean="0"/>
-              <a:t>What I plan to do</a:t>
+              <a:t>The Plan –Dynamic Graph</a:t>
             </a:r>
             <a:endParaRPr lang="en-NZ" dirty="0"/>
           </a:p>
         </p:txBody>
       </p:sp>
-      <p:sp>
-        <p:nvSpPr>
-          <p:cNvPr id="3" name="Content Placeholder 2"/>
-          <p:cNvSpPr>
-            <a:spLocks noGrp="1"/>
-          </p:cNvSpPr>
+      <p:pic>
+        <p:nvPicPr>
+          <p:cNvPr id="6" name="Picture 2"/>
+          <p:cNvPicPr>
+            <a:picLocks noGrp="1" noChangeAspect="1" noChangeArrowheads="1"/>
+          </p:cNvPicPr>
           <p:nvPr>
             <p:ph idx="1"/>
           </p:nvPr>
-        </p:nvSpPr>
-        <p:spPr/>
-        <p:txBody>
-          <a:bodyPr/>
-          <a:lstStyle/>
-          <a:p>
-            <a:r>
-              <a:rPr lang="en-NZ" dirty="0" smtClean="0"/>
-              <a:t>Data </a:t>
-            </a:r>
-            <a:r>
-              <a:rPr lang="en-NZ" dirty="0" smtClean="0"/>
-              <a:t>collection Automated.</a:t>
-            </a:r>
-          </a:p>
-          <a:p>
-            <a:r>
-              <a:rPr lang="en-NZ" dirty="0" smtClean="0"/>
-              <a:t>Dynamic Graph</a:t>
-            </a:r>
-            <a:endParaRPr lang="en-NZ" dirty="0"/>
-          </a:p>
-        </p:txBody>
-      </p:sp>
+        </p:nvPicPr>
+        <p:blipFill>
+          <a:blip r:embed="rId2" cstate="print"/>
+          <a:srcRect/>
+          <a:stretch>
+            <a:fillRect/>
+          </a:stretch>
+        </p:blipFill>
+        <p:spPr bwMode="auto">
+          <a:xfrm>
+            <a:off x="1116159" y="1646238"/>
+            <a:ext cx="6911681" cy="4525962"/>
+          </a:xfrm>
+          <a:prstGeom prst="rect">
+            <a:avLst/>
+          </a:prstGeom>
+          <a:noFill/>
+          <a:ln w="9525">
+            <a:noFill/>
+            <a:miter lim="800000"/>
+            <a:headEnd/>
+            <a:tailEnd/>
+          </a:ln>
+        </p:spPr>
+      </p:pic>
     </p:spTree>
   </p:cSld>
   <p:clrMapOvr>
@@ -5853,20 +6017,79 @@
           <a:p>
             <a:r>
               <a:rPr lang="en-NZ" dirty="0" smtClean="0"/>
-              <a:t>What I plan to do</a:t>
+              <a:t>The Plan –Dynamic Graph</a:t>
             </a:r>
             <a:endParaRPr lang="en-NZ" dirty="0"/>
           </a:p>
         </p:txBody>
       </p:sp>
-      <p:sp>
-        <p:nvSpPr>
-          <p:cNvPr id="3" name="Content Placeholder 2"/>
-          <p:cNvSpPr>
-            <a:spLocks noGrp="1"/>
-          </p:cNvSpPr>
+      <p:pic>
+        <p:nvPicPr>
+          <p:cNvPr id="5" name="Picture 2"/>
+          <p:cNvPicPr>
+            <a:picLocks noGrp="1" noChangeAspect="1" noChangeArrowheads="1"/>
+          </p:cNvPicPr>
           <p:nvPr>
             <p:ph idx="1"/>
+          </p:nvPr>
+        </p:nvPicPr>
+        <p:blipFill>
+          <a:blip r:embed="rId2" cstate="print"/>
+          <a:srcRect/>
+          <a:stretch>
+            <a:fillRect/>
+          </a:stretch>
+        </p:blipFill>
+        <p:spPr bwMode="auto">
+          <a:xfrm>
+            <a:off x="1125836" y="1646238"/>
+            <a:ext cx="6892328" cy="4525962"/>
+          </a:xfrm>
+          <a:prstGeom prst="rect">
+            <a:avLst/>
+          </a:prstGeom>
+          <a:noFill/>
+          <a:ln w="9525">
+            <a:noFill/>
+            <a:miter lim="800000"/>
+            <a:headEnd/>
+            <a:tailEnd/>
+          </a:ln>
+        </p:spPr>
+      </p:pic>
+    </p:spTree>
+  </p:cSld>
+  <p:clrMapOvr>
+    <a:masterClrMapping/>
+  </p:clrMapOvr>
+</p:sld>
+</file>
+
+<file path=ppt/slides/slide18.xml><?xml version="1.0" encoding="utf-8"?>
+<p:sld xmlns:a="http://schemas.openxmlformats.org/drawingml/2006/main" xmlns:r="http://schemas.openxmlformats.org/officeDocument/2006/relationships" xmlns:p="http://schemas.openxmlformats.org/presentationml/2006/main">
+  <p:cSld>
+    <p:spTree>
+      <p:nvGrpSpPr>
+        <p:cNvPr id="1" name=""/>
+        <p:cNvGrpSpPr/>
+        <p:nvPr/>
+      </p:nvGrpSpPr>
+      <p:grpSpPr>
+        <a:xfrm>
+          <a:off x="0" y="0"/>
+          <a:ext cx="0" cy="0"/>
+          <a:chOff x="0" y="0"/>
+          <a:chExt cx="0" cy="0"/>
+        </a:xfrm>
+      </p:grpSpPr>
+      <p:sp>
+        <p:nvSpPr>
+          <p:cNvPr id="2" name="Title 1"/>
+          <p:cNvSpPr>
+            <a:spLocks noGrp="1"/>
+          </p:cNvSpPr>
+          <p:nvPr>
+            <p:ph type="title"/>
           </p:nvPr>
         </p:nvSpPr>
         <p:spPr/>
@@ -5876,11 +6099,107 @@
           <a:p>
             <a:r>
               <a:rPr lang="en-NZ" dirty="0" smtClean="0"/>
-              <a:t>Data </a:t>
-            </a:r>
+              <a:t>What I plan to do</a:t>
+            </a:r>
+            <a:endParaRPr lang="en-NZ" dirty="0"/>
+          </a:p>
+        </p:txBody>
+      </p:sp>
+      <p:sp>
+        <p:nvSpPr>
+          <p:cNvPr id="3" name="Content Placeholder 2"/>
+          <p:cNvSpPr>
+            <a:spLocks noGrp="1"/>
+          </p:cNvSpPr>
+          <p:nvPr>
+            <p:ph idx="1"/>
+          </p:nvPr>
+        </p:nvSpPr>
+        <p:spPr/>
+        <p:txBody>
+          <a:bodyPr/>
+          <a:lstStyle/>
+          <a:p>
             <a:r>
               <a:rPr lang="en-NZ" dirty="0" smtClean="0"/>
-              <a:t>collection Automated.</a:t>
+              <a:t>Data collection Automated.</a:t>
+            </a:r>
+          </a:p>
+          <a:p>
+            <a:r>
+              <a:rPr lang="en-NZ" dirty="0" smtClean="0"/>
+              <a:t>Dynamic Graph</a:t>
+            </a:r>
+            <a:endParaRPr lang="en-NZ" dirty="0"/>
+          </a:p>
+        </p:txBody>
+      </p:sp>
+    </p:spTree>
+  </p:cSld>
+  <p:clrMapOvr>
+    <a:masterClrMapping/>
+  </p:clrMapOvr>
+</p:sld>
+</file>
+
+<file path=ppt/slides/slide19.xml><?xml version="1.0" encoding="utf-8"?>
+<p:sld xmlns:a="http://schemas.openxmlformats.org/drawingml/2006/main" xmlns:r="http://schemas.openxmlformats.org/officeDocument/2006/relationships" xmlns:p="http://schemas.openxmlformats.org/presentationml/2006/main">
+  <p:cSld>
+    <p:spTree>
+      <p:nvGrpSpPr>
+        <p:cNvPr id="1" name=""/>
+        <p:cNvGrpSpPr/>
+        <p:nvPr/>
+      </p:nvGrpSpPr>
+      <p:grpSpPr>
+        <a:xfrm>
+          <a:off x="0" y="0"/>
+          <a:ext cx="0" cy="0"/>
+          <a:chOff x="0" y="0"/>
+          <a:chExt cx="0" cy="0"/>
+        </a:xfrm>
+      </p:grpSpPr>
+      <p:sp>
+        <p:nvSpPr>
+          <p:cNvPr id="2" name="Title 1"/>
+          <p:cNvSpPr>
+            <a:spLocks noGrp="1"/>
+          </p:cNvSpPr>
+          <p:nvPr>
+            <p:ph type="title"/>
+          </p:nvPr>
+        </p:nvSpPr>
+        <p:spPr/>
+        <p:txBody>
+          <a:bodyPr/>
+          <a:lstStyle/>
+          <a:p>
+            <a:r>
+              <a:rPr lang="en-NZ" dirty="0" smtClean="0"/>
+              <a:t>What I plan to do</a:t>
+            </a:r>
+            <a:endParaRPr lang="en-NZ" dirty="0"/>
+          </a:p>
+        </p:txBody>
+      </p:sp>
+      <p:sp>
+        <p:nvSpPr>
+          <p:cNvPr id="3" name="Content Placeholder 2"/>
+          <p:cNvSpPr>
+            <a:spLocks noGrp="1"/>
+          </p:cNvSpPr>
+          <p:nvPr>
+            <p:ph idx="1"/>
+          </p:nvPr>
+        </p:nvSpPr>
+        <p:spPr/>
+        <p:txBody>
+          <a:bodyPr/>
+          <a:lstStyle/>
+          <a:p>
+            <a:r>
+              <a:rPr lang="en-NZ" dirty="0" smtClean="0"/>
+              <a:t>Data collection Automated.</a:t>
             </a:r>
           </a:p>
           <a:p>
@@ -5957,23 +6276,33 @@
           <a:p>
             <a:r>
               <a:rPr lang="en-NZ" dirty="0" smtClean="0"/>
-              <a:t>A coach asked for a </a:t>
-            </a:r>
-            <a:r>
-              <a:rPr lang="en-NZ" dirty="0" err="1" smtClean="0"/>
-              <a:t>favor</a:t>
-            </a:r>
+              <a:t>Client</a:t>
+            </a:r>
+          </a:p>
+          <a:p>
             <a:r>
               <a:rPr lang="en-NZ" dirty="0" smtClean="0"/>
-              <a:t> and I </a:t>
-            </a:r>
-            <a:r>
-              <a:rPr lang="en-NZ" dirty="0" err="1" smtClean="0"/>
-              <a:t>couldnt</a:t>
+              <a:t>A </a:t>
             </a:r>
             <a:r>
               <a:rPr lang="en-NZ" dirty="0" smtClean="0"/>
-              <a:t> say no.</a:t>
+              <a:t>coach asked for a </a:t>
+            </a:r>
+            <a:r>
+              <a:rPr lang="en-NZ" dirty="0" smtClean="0"/>
+              <a:t>favour </a:t>
+            </a:r>
+            <a:r>
+              <a:rPr lang="en-NZ" dirty="0" smtClean="0"/>
+              <a:t>and I </a:t>
+            </a:r>
+            <a:r>
+              <a:rPr lang="en-NZ" dirty="0" smtClean="0"/>
+              <a:t>couldn’t </a:t>
+            </a:r>
+            <a:r>
+              <a:rPr lang="en-NZ" dirty="0" smtClean="0"/>
+              <a:t>say no.</a:t>
             </a:r>
           </a:p>
           <a:p>
@@ -6689,11 +7018,7 @@
           <a:p>
             <a:r>
               <a:rPr lang="en-NZ" dirty="0" smtClean="0"/>
-              <a:t>Athlete Carding Program in </a:t>
-            </a:r>
-            <a:r>
-              <a:rPr lang="en-NZ" dirty="0" smtClean="0"/>
-              <a:t>NZ</a:t>
+              <a:t>Athlete Carding Program in NZ</a:t>
             </a:r>
             <a:endParaRPr lang="en-NZ" dirty="0"/>
           </a:p>
@@ -7679,7 +8004,7 @@
           <a:p>
             <a:r>
               <a:rPr lang="en-NZ" dirty="0" smtClean="0"/>
-              <a:t>What I’ve done so far</a:t>
+              <a:t>The Project</a:t>
             </a:r>
             <a:endParaRPr lang="en-NZ" dirty="0"/>
           </a:p>
@@ -7703,57 +8028,41 @@
             <a:pPr>
               <a:buNone/>
             </a:pPr>
-            <a:endParaRPr lang="en-NZ" dirty="0" smtClean="0"/>
-          </a:p>
-          <a:p>
+            <a:r>
+              <a:rPr lang="en-NZ" dirty="0" smtClean="0"/>
+              <a:t>	</a:t>
+            </a:r>
+            <a:r>
+              <a:rPr lang="en-NZ" dirty="0" smtClean="0"/>
+              <a:t>Identifying new talent</a:t>
+            </a:r>
+          </a:p>
+          <a:p>
+            <a:r>
+              <a:rPr lang="en-NZ" dirty="0" smtClean="0"/>
+              <a:t>Development and progression over years</a:t>
+            </a:r>
+          </a:p>
+          <a:p>
+            <a:r>
+              <a:rPr lang="en-NZ" dirty="0" smtClean="0"/>
+              <a:t>Reference Clients Research and how the software helps this</a:t>
+            </a:r>
+          </a:p>
+          <a:p>
+            <a:r>
+              <a:rPr lang="en-NZ" dirty="0" smtClean="0"/>
+              <a:t>Collecting Data and Looking at it</a:t>
+            </a:r>
             <a:endParaRPr lang="en-NZ" dirty="0"/>
           </a:p>
         </p:txBody>
       </p:sp>
-      <p:pic>
-        <p:nvPicPr>
-          <p:cNvPr id="3074" name="Picture 2"/>
-          <p:cNvPicPr>
-            <a:picLocks noChangeAspect="1" noChangeArrowheads="1"/>
-          </p:cNvPicPr>
-          <p:nvPr/>
-        </p:nvPicPr>
-        <p:blipFill>
-          <a:blip r:embed="rId3" cstate="print"/>
-          <a:srcRect/>
-          <a:stretch>
-            <a:fillRect/>
-          </a:stretch>
-        </p:blipFill>
-        <p:spPr bwMode="auto">
-          <a:xfrm>
-            <a:off x="1403648" y="1628800"/>
-            <a:ext cx="6345444" cy="4968552"/>
-          </a:xfrm>
-          <a:prstGeom prst="rect">
-            <a:avLst/>
-          </a:prstGeom>
-          <a:noFill/>
-          <a:ln w="9525">
-            <a:noFill/>
-            <a:miter lim="800000"/>
-            <a:headEnd/>
-            <a:tailEnd/>
-          </a:ln>
-        </p:spPr>
-      </p:pic>
     </p:spTree>
   </p:cSld>
   <p:clrMapOvr>
     <a:masterClrMapping/>
   </p:clrMapOvr>
-  <p:timing>
-    <p:tnLst>
-      <p:par>
-        <p:cTn id="1" dur="indefinite" restart="never" nodeType="tmRoot"/>
-      </p:par>
-    </p:tnLst>
-  </p:timing>
 </p:sld>
 </file>
 
